--- a/education/Continious Integration&Deployment.pptx
+++ b/education/Continious Integration&Deployment.pptx
@@ -5,16 +5,23 @@
     <p:sldMasterId id="2147483732" r:id="rId1"/>
   </p:sldMasterIdLst>
   <p:notesMasterIdLst>
-    <p:notesMasterId r:id="rId9"/>
+    <p:notesMasterId r:id="rId16"/>
   </p:notesMasterIdLst>
   <p:sldIdLst>
     <p:sldId id="256" r:id="rId2"/>
     <p:sldId id="257" r:id="rId3"/>
     <p:sldId id="262" r:id="rId4"/>
-    <p:sldId id="261" r:id="rId5"/>
-    <p:sldId id="263" r:id="rId6"/>
-    <p:sldId id="260" r:id="rId7"/>
-    <p:sldId id="259" r:id="rId8"/>
+    <p:sldId id="264" r:id="rId5"/>
+    <p:sldId id="265" r:id="rId6"/>
+    <p:sldId id="261" r:id="rId7"/>
+    <p:sldId id="263" r:id="rId8"/>
+    <p:sldId id="270" r:id="rId9"/>
+    <p:sldId id="260" r:id="rId10"/>
+    <p:sldId id="259" r:id="rId11"/>
+    <p:sldId id="266" r:id="rId12"/>
+    <p:sldId id="267" r:id="rId13"/>
+    <p:sldId id="268" r:id="rId14"/>
+    <p:sldId id="269" r:id="rId15"/>
   </p:sldIdLst>
   <p:sldSz cx="9144000" cy="6858000" type="screen4x3"/>
   <p:notesSz cx="6858000" cy="9144000"/>
@@ -198,7 +205,7 @@
           <a:p>
             <a:fld id="{E52AD789-FF1A-4ED7-A335-3A3A275F7F2C}" type="datetimeFigureOut">
               <a:rPr lang="en-US" smtClean="0"/>
-              <a:t>11/22/17</a:t>
+              <a:t>11/26/17</a:t>
             </a:fld>
             <a:endParaRPr lang="en-US"/>
           </a:p>
@@ -785,20 +792,31 @@
           <a:lstStyle/>
           <a:p>
             <a:r>
-              <a:rPr lang="en-US" dirty="0" smtClean="0"/>
-              <a:t>“Every change</a:t>
-            </a:r>
-            <a:r>
-              <a:rPr lang="en-US" baseline="0" dirty="0" smtClean="0"/>
-              <a:t> that passes all stages of our production pipeline is released.”</a:t>
-            </a:r>
-          </a:p>
-          <a:p>
-            <a:r>
-              <a:rPr lang="en-US" baseline="0" dirty="0" smtClean="0"/>
-              <a:t>Does it means that changes can be released in parts related to passing test?</a:t>
-            </a:r>
-            <a:endParaRPr lang="en-US" dirty="0"/>
+              <a:rPr lang="en-US" sz="1200" b="0" i="0" kern="1200" dirty="0" smtClean="0">
+                <a:solidFill>
+                  <a:schemeClr val="tx1"/>
+                </a:solidFill>
+                <a:effectLst/>
+                <a:latin typeface="+mn-lt"/>
+                <a:ea typeface="+mn-ea"/>
+                <a:cs typeface="+mn-cs"/>
+              </a:rPr>
+              <a:t> The purpose is to validate that each unit of the software performs as designed.</a:t>
+            </a:r>
+          </a:p>
+          <a:p>
+            <a:r>
+              <a:rPr lang="en-US" sz="1200" b="0" i="0" kern="1200" dirty="0" smtClean="0">
+                <a:solidFill>
+                  <a:schemeClr val="tx1"/>
+                </a:solidFill>
+                <a:effectLst/>
+                <a:latin typeface="+mn-lt"/>
+                <a:ea typeface="+mn-ea"/>
+                <a:cs typeface="+mn-cs"/>
+              </a:rPr>
+              <a:t>A unit is the smallest testable part of software.</a:t>
+            </a:r>
           </a:p>
         </p:txBody>
       </p:sp>
@@ -828,7 +846,7 @@
     </p:spTree>
     <p:extLst>
       <p:ext uri="{BB962C8B-B14F-4D97-AF65-F5344CB8AC3E}">
-        <p14:creationId xmlns:p14="http://schemas.microsoft.com/office/powerpoint/2010/main" val="3772406498"/>
+        <p14:creationId xmlns:p14="http://schemas.microsoft.com/office/powerpoint/2010/main" val="1020363541"/>
       </p:ext>
     </p:extLst>
   </p:cSld>
@@ -884,144 +902,18 @@
           <a:p>
             <a:r>
               <a:rPr lang="en-US" dirty="0" smtClean="0"/>
-              <a:t>What we</a:t>
+              <a:t>“Every change</a:t>
             </a:r>
             <a:r>
               <a:rPr lang="en-US" baseline="0" dirty="0" smtClean="0"/>
-              <a:t> need:</a:t>
-            </a:r>
-          </a:p>
-          <a:p>
-            <a:endParaRPr lang="en-US" baseline="0" dirty="0" smtClean="0"/>
-          </a:p>
-          <a:p>
-            <a:pPr marL="171450" indent="-171450" fontAlgn="base">
-              <a:buFont typeface="Arial" panose="020B0604020202020204" pitchFamily="34" charset="0"/>
-              <a:buChar char="•"/>
-            </a:pPr>
-            <a:r>
-              <a:rPr lang="en-US" sz="1200" b="0" i="0" kern="1200" dirty="0" smtClean="0">
-                <a:solidFill>
-                  <a:schemeClr val="tx1"/>
-                </a:solidFill>
-                <a:effectLst/>
-                <a:latin typeface="+mn-lt"/>
-                <a:ea typeface="+mn-ea"/>
-                <a:cs typeface="+mn-cs"/>
-              </a:rPr>
-              <a:t>Our testing culture needs to be at its best. The quality of your test suite will determine the quality of your releases.</a:t>
-            </a:r>
-          </a:p>
-          <a:p>
-            <a:pPr marL="171450" indent="-171450" fontAlgn="base">
-              <a:buFont typeface="Arial" panose="020B0604020202020204" pitchFamily="34" charset="0"/>
-              <a:buChar char="•"/>
-            </a:pPr>
-            <a:r>
-              <a:rPr lang="en-US" sz="1200" b="0" i="0" kern="1200" dirty="0" smtClean="0">
-                <a:solidFill>
-                  <a:schemeClr val="tx1"/>
-                </a:solidFill>
-                <a:effectLst/>
-                <a:latin typeface="+mn-lt"/>
-                <a:ea typeface="+mn-ea"/>
-                <a:cs typeface="+mn-cs"/>
-              </a:rPr>
-              <a:t>Our documentation process will need to keep up with the pace of deployments.</a:t>
-            </a:r>
-          </a:p>
-          <a:p>
-            <a:pPr marL="171450" indent="-171450" fontAlgn="base">
-              <a:buFont typeface="Arial" panose="020B0604020202020204" pitchFamily="34" charset="0"/>
-              <a:buChar char="•"/>
-            </a:pPr>
-            <a:r>
-              <a:rPr lang="en-US" sz="1200" b="0" i="0" kern="1200" dirty="0" smtClean="0">
-                <a:solidFill>
-                  <a:schemeClr val="tx1"/>
-                </a:solidFill>
-                <a:effectLst/>
-                <a:latin typeface="+mn-lt"/>
-                <a:ea typeface="+mn-ea"/>
-                <a:cs typeface="+mn-cs"/>
-              </a:rPr>
-              <a:t>Feature flags become an inherent part of the process of releasing significant changes to make sure you can coordinate with other departments (Support, Marketing, PR...).</a:t>
-            </a:r>
-          </a:p>
-          <a:p>
-            <a:pPr marL="342900" indent="-342900" fontAlgn="base">
-              <a:buFont typeface="Arial" panose="020B0604020202020204" pitchFamily="34" charset="0"/>
-              <a:buChar char="•"/>
-            </a:pPr>
-            <a:endParaRPr lang="en-US" b="0" dirty="0" smtClean="0"/>
-          </a:p>
-          <a:p>
-            <a:r>
-              <a:rPr lang="en-US" dirty="0" smtClean="0"/>
-              <a:t>What we gain: </a:t>
-            </a:r>
-          </a:p>
-          <a:p>
-            <a:endParaRPr lang="en-US" dirty="0" smtClean="0"/>
-          </a:p>
-          <a:p>
-            <a:pPr marL="171450" indent="-171450" fontAlgn="base">
-              <a:buFont typeface="Arial" panose="020B0604020202020204" pitchFamily="34" charset="0"/>
-              <a:buChar char="•"/>
-            </a:pPr>
-            <a:r>
-              <a:rPr lang="en-US" sz="1200" b="0" i="0" kern="1200" dirty="0" smtClean="0">
-                <a:solidFill>
-                  <a:schemeClr val="tx1"/>
-                </a:solidFill>
-                <a:effectLst/>
-                <a:latin typeface="+mn-lt"/>
-                <a:ea typeface="+mn-ea"/>
-                <a:cs typeface="+mn-cs"/>
-              </a:rPr>
-              <a:t>You can develop faster as there's no need to pause development for releases. Deployments pipelines are triggered automatically for every change.</a:t>
-            </a:r>
-          </a:p>
-          <a:p>
-            <a:pPr marL="171450" indent="-171450" fontAlgn="base">
-              <a:buFont typeface="Arial" panose="020B0604020202020204" pitchFamily="34" charset="0"/>
-              <a:buChar char="•"/>
-            </a:pPr>
-            <a:r>
-              <a:rPr lang="en-US" sz="1200" b="0" i="0" kern="1200" dirty="0" smtClean="0">
-                <a:solidFill>
-                  <a:schemeClr val="tx1"/>
-                </a:solidFill>
-                <a:effectLst/>
-                <a:latin typeface="+mn-lt"/>
-                <a:ea typeface="+mn-ea"/>
-                <a:cs typeface="+mn-cs"/>
-              </a:rPr>
-              <a:t>Releases are less risky and easier to fix in case of problem as you deploy small batches of changes.</a:t>
-            </a:r>
-          </a:p>
-          <a:p>
-            <a:pPr marL="171450" indent="-171450" fontAlgn="base">
-              <a:buFont typeface="Arial" panose="020B0604020202020204" pitchFamily="34" charset="0"/>
-              <a:buChar char="•"/>
-            </a:pPr>
-            <a:r>
-              <a:rPr lang="en-US" sz="1200" b="0" i="0" kern="1200" dirty="0" smtClean="0">
-                <a:solidFill>
-                  <a:schemeClr val="tx1"/>
-                </a:solidFill>
-                <a:effectLst/>
-                <a:latin typeface="+mn-lt"/>
-                <a:ea typeface="+mn-ea"/>
-                <a:cs typeface="+mn-cs"/>
-              </a:rPr>
-              <a:t>Customers see a continuous stream of improvements, and quality increases every day, instead of every month, quarter or year.</a:t>
-            </a:r>
-          </a:p>
-          <a:p>
-            <a:endParaRPr lang="en-US" dirty="0" smtClean="0"/>
-          </a:p>
-          <a:p>
+              <a:t> that passes all stages of our production pipeline is released.”</a:t>
+            </a:r>
+          </a:p>
+          <a:p>
+            <a:r>
+              <a:rPr lang="en-US" baseline="0" dirty="0" smtClean="0"/>
+              <a:t>Does it means that changes can be released in parts related to passing test?</a:t>
+            </a:r>
             <a:endParaRPr lang="en-US" dirty="0"/>
           </a:p>
         </p:txBody>
@@ -1043,7 +935,7 @@
           <a:p>
             <a:fld id="{D8BD372C-5755-4B47-9C2F-A04BC5EFCBA4}" type="slidenum">
               <a:rPr lang="en-US" smtClean="0"/>
-              <a:t>5</a:t>
+              <a:t>6</a:t>
             </a:fld>
             <a:endParaRPr lang="en-US"/>
           </a:p>
@@ -1052,7 +944,7 @@
     </p:spTree>
     <p:extLst>
       <p:ext uri="{BB962C8B-B14F-4D97-AF65-F5344CB8AC3E}">
-        <p14:creationId xmlns:p14="http://schemas.microsoft.com/office/powerpoint/2010/main" val="874938002"/>
+        <p14:creationId xmlns:p14="http://schemas.microsoft.com/office/powerpoint/2010/main" val="3772406498"/>
       </p:ext>
     </p:extLst>
   </p:cSld>
@@ -1108,30 +1000,142 @@
           <a:p>
             <a:r>
               <a:rPr lang="en-US" dirty="0" smtClean="0"/>
-              <a:t>* + and – just for us</a:t>
-            </a:r>
+              <a:t>What we</a:t>
+            </a:r>
+            <a:r>
+              <a:rPr lang="en-US" baseline="0" dirty="0" smtClean="0"/>
+              <a:t> need:</a:t>
+            </a:r>
+          </a:p>
+          <a:p>
+            <a:endParaRPr lang="en-US" baseline="0" dirty="0" smtClean="0"/>
+          </a:p>
+          <a:p>
+            <a:pPr marL="171450" indent="-171450" fontAlgn="base">
+              <a:buFont typeface="Arial" panose="020B0604020202020204" pitchFamily="34" charset="0"/>
+              <a:buChar char="•"/>
+            </a:pPr>
+            <a:r>
+              <a:rPr lang="en-US" sz="1200" b="0" i="0" kern="1200" dirty="0" smtClean="0">
+                <a:solidFill>
+                  <a:schemeClr val="tx1"/>
+                </a:solidFill>
+                <a:effectLst/>
+                <a:latin typeface="+mn-lt"/>
+                <a:ea typeface="+mn-ea"/>
+                <a:cs typeface="+mn-cs"/>
+              </a:rPr>
+              <a:t>Our testing culture needs to be at its best. The quality of your test suite will determine the quality of your releases.</a:t>
+            </a:r>
+          </a:p>
+          <a:p>
+            <a:pPr marL="171450" indent="-171450" fontAlgn="base">
+              <a:buFont typeface="Arial" panose="020B0604020202020204" pitchFamily="34" charset="0"/>
+              <a:buChar char="•"/>
+            </a:pPr>
+            <a:r>
+              <a:rPr lang="en-US" sz="1200" b="0" i="0" kern="1200" dirty="0" smtClean="0">
+                <a:solidFill>
+                  <a:schemeClr val="tx1"/>
+                </a:solidFill>
+                <a:effectLst/>
+                <a:latin typeface="+mn-lt"/>
+                <a:ea typeface="+mn-ea"/>
+                <a:cs typeface="+mn-cs"/>
+              </a:rPr>
+              <a:t>Our documentation process will need to keep up with the pace of deployments.</a:t>
+            </a:r>
+          </a:p>
+          <a:p>
+            <a:pPr marL="171450" indent="-171450" fontAlgn="base">
+              <a:buFont typeface="Arial" panose="020B0604020202020204" pitchFamily="34" charset="0"/>
+              <a:buChar char="•"/>
+            </a:pPr>
+            <a:r>
+              <a:rPr lang="en-US" sz="1200" b="0" i="0" kern="1200" dirty="0" smtClean="0">
+                <a:solidFill>
+                  <a:schemeClr val="tx1"/>
+                </a:solidFill>
+                <a:effectLst/>
+                <a:latin typeface="+mn-lt"/>
+                <a:ea typeface="+mn-ea"/>
+                <a:cs typeface="+mn-cs"/>
+              </a:rPr>
+              <a:t>Feature flags become an inherent part of the process of releasing significant changes to make sure you can coordinate with other departments (Support, Marketing, PR...).</a:t>
+            </a:r>
+          </a:p>
+          <a:p>
+            <a:pPr marL="342900" indent="-342900" fontAlgn="base">
+              <a:buFont typeface="Arial" panose="020B0604020202020204" pitchFamily="34" charset="0"/>
+              <a:buChar char="•"/>
+            </a:pPr>
+            <a:endParaRPr lang="en-US" b="0" dirty="0" smtClean="0"/>
           </a:p>
           <a:p>
             <a:r>
               <a:rPr lang="en-US" dirty="0" smtClean="0"/>
-              <a:t>* </a:t>
-            </a:r>
-            <a:r>
-              <a:rPr lang="en-US" dirty="0" smtClean="0"/>
-              <a:t>Continuous</a:t>
-            </a:r>
-            <a:r>
-              <a:rPr lang="en-US" baseline="0" dirty="0" smtClean="0"/>
-              <a:t> </a:t>
-            </a:r>
-            <a:r>
-              <a:rPr lang="en-US" dirty="0" smtClean="0"/>
-              <a:t>Deployment is accelerate Continuous</a:t>
-            </a:r>
-            <a:r>
-              <a:rPr lang="en-US" baseline="0" dirty="0" smtClean="0"/>
-              <a:t> Delivery</a:t>
-            </a:r>
+              <a:t>What we gain: </a:t>
+            </a:r>
+          </a:p>
+          <a:p>
+            <a:endParaRPr lang="en-US" dirty="0" smtClean="0"/>
+          </a:p>
+          <a:p>
+            <a:pPr marL="171450" indent="-171450" fontAlgn="base">
+              <a:buFont typeface="Arial" panose="020B0604020202020204" pitchFamily="34" charset="0"/>
+              <a:buChar char="•"/>
+            </a:pPr>
+            <a:r>
+              <a:rPr lang="en-US" sz="1200" b="0" i="0" kern="1200" dirty="0" smtClean="0">
+                <a:solidFill>
+                  <a:schemeClr val="tx1"/>
+                </a:solidFill>
+                <a:effectLst/>
+                <a:latin typeface="+mn-lt"/>
+                <a:ea typeface="+mn-ea"/>
+                <a:cs typeface="+mn-cs"/>
+              </a:rPr>
+              <a:t>You can develop faster as there's no need to pause development for releases. Deployments pipelines are triggered automatically for every change.</a:t>
+            </a:r>
+          </a:p>
+          <a:p>
+            <a:pPr marL="171450" indent="-171450" fontAlgn="base">
+              <a:buFont typeface="Arial" panose="020B0604020202020204" pitchFamily="34" charset="0"/>
+              <a:buChar char="•"/>
+            </a:pPr>
+            <a:r>
+              <a:rPr lang="en-US" sz="1200" b="0" i="0" kern="1200" dirty="0" smtClean="0">
+                <a:solidFill>
+                  <a:schemeClr val="tx1"/>
+                </a:solidFill>
+                <a:effectLst/>
+                <a:latin typeface="+mn-lt"/>
+                <a:ea typeface="+mn-ea"/>
+                <a:cs typeface="+mn-cs"/>
+              </a:rPr>
+              <a:t>Releases are less risky and easier to fix in case of problem as you deploy small batches of changes.</a:t>
+            </a:r>
+          </a:p>
+          <a:p>
+            <a:pPr marL="171450" indent="-171450" fontAlgn="base">
+              <a:buFont typeface="Arial" panose="020B0604020202020204" pitchFamily="34" charset="0"/>
+              <a:buChar char="•"/>
+            </a:pPr>
+            <a:r>
+              <a:rPr lang="en-US" sz="1200" b="0" i="0" kern="1200" dirty="0" smtClean="0">
+                <a:solidFill>
+                  <a:schemeClr val="tx1"/>
+                </a:solidFill>
+                <a:effectLst/>
+                <a:latin typeface="+mn-lt"/>
+                <a:ea typeface="+mn-ea"/>
+                <a:cs typeface="+mn-cs"/>
+              </a:rPr>
+              <a:t>Customers see a continuous stream of improvements, and quality increases every day, instead of every month, quarter or year.</a:t>
+            </a:r>
+          </a:p>
+          <a:p>
+            <a:endParaRPr lang="en-US" dirty="0" smtClean="0"/>
           </a:p>
           <a:p>
             <a:endParaRPr lang="en-US" dirty="0"/>
@@ -1164,7 +1168,822 @@
     </p:spTree>
     <p:extLst>
       <p:ext uri="{BB962C8B-B14F-4D97-AF65-F5344CB8AC3E}">
+        <p14:creationId xmlns:p14="http://schemas.microsoft.com/office/powerpoint/2010/main" val="874938002"/>
+      </p:ext>
+    </p:extLst>
+  </p:cSld>
+  <p:clrMapOvr>
+    <a:masterClrMapping/>
+  </p:clrMapOvr>
+</p:notes>
+</file>
+
+<file path=ppt/notesSlides/notesSlide6.xml><?xml version="1.0" encoding="utf-8"?>
+<p:notes xmlns:a="http://schemas.openxmlformats.org/drawingml/2006/main" xmlns:r="http://schemas.openxmlformats.org/officeDocument/2006/relationships" xmlns:p="http://schemas.openxmlformats.org/presentationml/2006/main">
+  <p:cSld>
+    <p:spTree>
+      <p:nvGrpSpPr>
+        <p:cNvPr id="1" name=""/>
+        <p:cNvGrpSpPr/>
+        <p:nvPr/>
+      </p:nvGrpSpPr>
+      <p:grpSpPr>
+        <a:xfrm>
+          <a:off x="0" y="0"/>
+          <a:ext cx="0" cy="0"/>
+          <a:chOff x="0" y="0"/>
+          <a:chExt cx="0" cy="0"/>
+        </a:xfrm>
+      </p:grpSpPr>
+      <p:sp>
+        <p:nvSpPr>
+          <p:cNvPr id="2" name="Slide Image Placeholder 1"/>
+          <p:cNvSpPr>
+            <a:spLocks noGrp="1" noRot="1" noChangeAspect="1"/>
+          </p:cNvSpPr>
+          <p:nvPr>
+            <p:ph type="sldImg"/>
+          </p:nvPr>
+        </p:nvSpPr>
+        <p:spPr/>
+      </p:sp>
+      <p:sp>
+        <p:nvSpPr>
+          <p:cNvPr id="3" name="Notes Placeholder 2"/>
+          <p:cNvSpPr>
+            <a:spLocks noGrp="1"/>
+          </p:cNvSpPr>
+          <p:nvPr>
+            <p:ph type="body" idx="1"/>
+          </p:nvPr>
+        </p:nvSpPr>
+        <p:spPr/>
+        <p:txBody>
+          <a:bodyPr/>
+          <a:lstStyle/>
+          <a:p>
+            <a:r>
+              <a:rPr lang="en-US" dirty="0" smtClean="0"/>
+              <a:t>* + and – just for us</a:t>
+            </a:r>
+          </a:p>
+          <a:p>
+            <a:r>
+              <a:rPr lang="en-US" dirty="0" smtClean="0"/>
+              <a:t>* Continuous</a:t>
+            </a:r>
+            <a:r>
+              <a:rPr lang="en-US" baseline="0" dirty="0" smtClean="0"/>
+              <a:t> </a:t>
+            </a:r>
+            <a:r>
+              <a:rPr lang="en-US" dirty="0" smtClean="0"/>
+              <a:t>Deployment is accelerate Continuous</a:t>
+            </a:r>
+            <a:r>
+              <a:rPr lang="en-US" baseline="0" dirty="0" smtClean="0"/>
+              <a:t> Delivery</a:t>
+            </a:r>
+          </a:p>
+          <a:p>
+            <a:endParaRPr lang="en-US" dirty="0"/>
+          </a:p>
+        </p:txBody>
+      </p:sp>
+      <p:sp>
+        <p:nvSpPr>
+          <p:cNvPr id="4" name="Slide Number Placeholder 3"/>
+          <p:cNvSpPr>
+            <a:spLocks noGrp="1"/>
+          </p:cNvSpPr>
+          <p:nvPr>
+            <p:ph type="sldNum" sz="quarter" idx="10"/>
+          </p:nvPr>
+        </p:nvSpPr>
+        <p:spPr/>
+        <p:txBody>
+          <a:bodyPr/>
+          <a:lstStyle/>
+          <a:p>
+            <a:fld id="{D8BD372C-5755-4B47-9C2F-A04BC5EFCBA4}" type="slidenum">
+              <a:rPr lang="en-US" smtClean="0"/>
+              <a:t>10</a:t>
+            </a:fld>
+            <a:endParaRPr lang="en-US"/>
+          </a:p>
+        </p:txBody>
+      </p:sp>
+    </p:spTree>
+    <p:extLst>
+      <p:ext uri="{BB962C8B-B14F-4D97-AF65-F5344CB8AC3E}">
         <p14:creationId xmlns:p14="http://schemas.microsoft.com/office/powerpoint/2010/main" val="1595087001"/>
+      </p:ext>
+    </p:extLst>
+  </p:cSld>
+  <p:clrMapOvr>
+    <a:masterClrMapping/>
+  </p:clrMapOvr>
+</p:notes>
+</file>
+
+<file path=ppt/notesSlides/notesSlide7.xml><?xml version="1.0" encoding="utf-8"?>
+<p:notes xmlns:a="http://schemas.openxmlformats.org/drawingml/2006/main" xmlns:r="http://schemas.openxmlformats.org/officeDocument/2006/relationships" xmlns:p="http://schemas.openxmlformats.org/presentationml/2006/main">
+  <p:cSld>
+    <p:spTree>
+      <p:nvGrpSpPr>
+        <p:cNvPr id="1" name=""/>
+        <p:cNvGrpSpPr/>
+        <p:nvPr/>
+      </p:nvGrpSpPr>
+      <p:grpSpPr>
+        <a:xfrm>
+          <a:off x="0" y="0"/>
+          <a:ext cx="0" cy="0"/>
+          <a:chOff x="0" y="0"/>
+          <a:chExt cx="0" cy="0"/>
+        </a:xfrm>
+      </p:grpSpPr>
+      <p:sp>
+        <p:nvSpPr>
+          <p:cNvPr id="2" name="Slide Image Placeholder 1"/>
+          <p:cNvSpPr>
+            <a:spLocks noGrp="1" noRot="1" noChangeAspect="1"/>
+          </p:cNvSpPr>
+          <p:nvPr>
+            <p:ph type="sldImg"/>
+          </p:nvPr>
+        </p:nvSpPr>
+        <p:spPr/>
+      </p:sp>
+      <p:sp>
+        <p:nvSpPr>
+          <p:cNvPr id="3" name="Notes Placeholder 2"/>
+          <p:cNvSpPr>
+            <a:spLocks noGrp="1"/>
+          </p:cNvSpPr>
+          <p:nvPr>
+            <p:ph type="body" idx="1"/>
+          </p:nvPr>
+        </p:nvSpPr>
+        <p:spPr/>
+        <p:txBody>
+          <a:bodyPr/>
+          <a:lstStyle/>
+          <a:p>
+            <a:r>
+              <a:rPr lang="en-US" sz="1200" b="0" i="0" kern="1200" dirty="0" smtClean="0">
+                <a:solidFill>
+                  <a:schemeClr val="tx1"/>
+                </a:solidFill>
+                <a:effectLst/>
+                <a:latin typeface="+mn-lt"/>
+                <a:ea typeface="+mn-ea"/>
+                <a:cs typeface="+mn-cs"/>
+              </a:rPr>
+              <a:t>One of the challenges with automating deployment is the cut-over itself, taking software from the final stage of testing to live production. You usually need to do this quickly in order to minimize downtime. The blue-green deployment approach does this by ensuring you have two production environments, as identical as possible. At any time one of them, let's say blue for the example, is live. As you prepare a new release of your software you do your final stage of testing in the green environment. Once the software is working in the green environment, you switch the router so that all incoming requests go to the green environment - the blue one is now idle.</a:t>
+            </a:r>
+            <a:endParaRPr lang="en-US" dirty="0"/>
+          </a:p>
+        </p:txBody>
+      </p:sp>
+      <p:sp>
+        <p:nvSpPr>
+          <p:cNvPr id="4" name="Slide Number Placeholder 3"/>
+          <p:cNvSpPr>
+            <a:spLocks noGrp="1"/>
+          </p:cNvSpPr>
+          <p:nvPr>
+            <p:ph type="sldNum" sz="quarter" idx="10"/>
+          </p:nvPr>
+        </p:nvSpPr>
+        <p:spPr/>
+        <p:txBody>
+          <a:bodyPr/>
+          <a:lstStyle/>
+          <a:p>
+            <a:fld id="{D8BD372C-5755-4B47-9C2F-A04BC5EFCBA4}" type="slidenum">
+              <a:rPr lang="en-US" smtClean="0"/>
+              <a:t>11</a:t>
+            </a:fld>
+            <a:endParaRPr lang="en-US"/>
+          </a:p>
+        </p:txBody>
+      </p:sp>
+    </p:spTree>
+    <p:extLst>
+      <p:ext uri="{BB962C8B-B14F-4D97-AF65-F5344CB8AC3E}">
+        <p14:creationId xmlns:p14="http://schemas.microsoft.com/office/powerpoint/2010/main" val="2494847083"/>
+      </p:ext>
+    </p:extLst>
+  </p:cSld>
+  <p:clrMapOvr>
+    <a:masterClrMapping/>
+  </p:clrMapOvr>
+</p:notes>
+</file>
+
+<file path=ppt/notesSlides/notesSlide8.xml><?xml version="1.0" encoding="utf-8"?>
+<p:notes xmlns:a="http://schemas.openxmlformats.org/drawingml/2006/main" xmlns:r="http://schemas.openxmlformats.org/officeDocument/2006/relationships" xmlns:p="http://schemas.openxmlformats.org/presentationml/2006/main">
+  <p:cSld>
+    <p:spTree>
+      <p:nvGrpSpPr>
+        <p:cNvPr id="1" name=""/>
+        <p:cNvGrpSpPr/>
+        <p:nvPr/>
+      </p:nvGrpSpPr>
+      <p:grpSpPr>
+        <a:xfrm>
+          <a:off x="0" y="0"/>
+          <a:ext cx="0" cy="0"/>
+          <a:chOff x="0" y="0"/>
+          <a:chExt cx="0" cy="0"/>
+        </a:xfrm>
+      </p:grpSpPr>
+      <p:sp>
+        <p:nvSpPr>
+          <p:cNvPr id="2" name="Slide Image Placeholder 1"/>
+          <p:cNvSpPr>
+            <a:spLocks noGrp="1" noRot="1" noChangeAspect="1"/>
+          </p:cNvSpPr>
+          <p:nvPr>
+            <p:ph type="sldImg"/>
+          </p:nvPr>
+        </p:nvSpPr>
+        <p:spPr/>
+      </p:sp>
+      <p:sp>
+        <p:nvSpPr>
+          <p:cNvPr id="3" name="Notes Placeholder 2"/>
+          <p:cNvSpPr>
+            <a:spLocks noGrp="1"/>
+          </p:cNvSpPr>
+          <p:nvPr>
+            <p:ph type="body" idx="1"/>
+          </p:nvPr>
+        </p:nvSpPr>
+        <p:spPr/>
+        <p:txBody>
+          <a:bodyPr/>
+          <a:lstStyle/>
+          <a:p>
+            <a:pPr marL="0" marR="0" indent="0" algn="l" defTabSz="914400" rtl="0" eaLnBrk="1" fontAlgn="auto" latinLnBrk="0" hangingPunct="1">
+              <a:lnSpc>
+                <a:spcPct val="100000"/>
+              </a:lnSpc>
+              <a:spcBef>
+                <a:spcPts val="0"/>
+              </a:spcBef>
+              <a:spcAft>
+                <a:spcPts val="0"/>
+              </a:spcAft>
+              <a:buClrTx/>
+              <a:buSzTx/>
+              <a:buFontTx/>
+              <a:buNone/>
+              <a:tabLst/>
+              <a:defRPr/>
+            </a:pPr>
+            <a:r>
+              <a:rPr lang="en-US" b="0" dirty="0" smtClean="0"/>
+              <a:t>slowly rolling out the change to a small subset of users before rolling it out to the entire infrastructure and making it available to everybody.</a:t>
+            </a:r>
+            <a:endParaRPr lang="en-US" dirty="0" smtClean="0"/>
+          </a:p>
+          <a:p>
+            <a:endParaRPr lang="en-US" dirty="0"/>
+          </a:p>
+        </p:txBody>
+      </p:sp>
+      <p:sp>
+        <p:nvSpPr>
+          <p:cNvPr id="4" name="Slide Number Placeholder 3"/>
+          <p:cNvSpPr>
+            <a:spLocks noGrp="1"/>
+          </p:cNvSpPr>
+          <p:nvPr>
+            <p:ph type="sldNum" sz="quarter" idx="10"/>
+          </p:nvPr>
+        </p:nvSpPr>
+        <p:spPr/>
+        <p:txBody>
+          <a:bodyPr/>
+          <a:lstStyle/>
+          <a:p>
+            <a:fld id="{D8BD372C-5755-4B47-9C2F-A04BC5EFCBA4}" type="slidenum">
+              <a:rPr lang="en-US" smtClean="0"/>
+              <a:t>12</a:t>
+            </a:fld>
+            <a:endParaRPr lang="en-US"/>
+          </a:p>
+        </p:txBody>
+      </p:sp>
+    </p:spTree>
+    <p:extLst>
+      <p:ext uri="{BB962C8B-B14F-4D97-AF65-F5344CB8AC3E}">
+        <p14:creationId xmlns:p14="http://schemas.microsoft.com/office/powerpoint/2010/main" val="3062436275"/>
+      </p:ext>
+    </p:extLst>
+  </p:cSld>
+  <p:clrMapOvr>
+    <a:masterClrMapping/>
+  </p:clrMapOvr>
+</p:notes>
+</file>
+
+<file path=ppt/notesSlides/notesSlide9.xml><?xml version="1.0" encoding="utf-8"?>
+<p:notes xmlns:a="http://schemas.openxmlformats.org/drawingml/2006/main" xmlns:r="http://schemas.openxmlformats.org/officeDocument/2006/relationships" xmlns:p="http://schemas.openxmlformats.org/presentationml/2006/main">
+  <p:cSld>
+    <p:spTree>
+      <p:nvGrpSpPr>
+        <p:cNvPr id="1" name=""/>
+        <p:cNvGrpSpPr/>
+        <p:nvPr/>
+      </p:nvGrpSpPr>
+      <p:grpSpPr>
+        <a:xfrm>
+          <a:off x="0" y="0"/>
+          <a:ext cx="0" cy="0"/>
+          <a:chOff x="0" y="0"/>
+          <a:chExt cx="0" cy="0"/>
+        </a:xfrm>
+      </p:grpSpPr>
+      <p:sp>
+        <p:nvSpPr>
+          <p:cNvPr id="2" name="Slide Image Placeholder 1"/>
+          <p:cNvSpPr>
+            <a:spLocks noGrp="1" noRot="1" noChangeAspect="1"/>
+          </p:cNvSpPr>
+          <p:nvPr>
+            <p:ph type="sldImg"/>
+          </p:nvPr>
+        </p:nvSpPr>
+        <p:spPr/>
+      </p:sp>
+      <p:sp>
+        <p:nvSpPr>
+          <p:cNvPr id="3" name="Notes Placeholder 2"/>
+          <p:cNvSpPr>
+            <a:spLocks noGrp="1"/>
+          </p:cNvSpPr>
+          <p:nvPr>
+            <p:ph type="body" idx="1"/>
+          </p:nvPr>
+        </p:nvSpPr>
+        <p:spPr/>
+        <p:txBody>
+          <a:bodyPr/>
+          <a:lstStyle/>
+          <a:p>
+            <a:r>
+              <a:rPr lang="en-US" sz="1200" b="0" i="0" kern="1200" dirty="0" smtClean="0">
+                <a:solidFill>
+                  <a:schemeClr val="tx1"/>
+                </a:solidFill>
+                <a:effectLst/>
+                <a:latin typeface="+mn-lt"/>
+                <a:ea typeface="+mn-ea"/>
+                <a:cs typeface="+mn-cs"/>
+              </a:rPr>
+              <a:t>The Simian Army</a:t>
+            </a:r>
+            <a:r>
+              <a:rPr lang="en-US" sz="1200" b="0" i="0" u="none" strike="noStrike" kern="1200" baseline="30000" dirty="0" smtClean="0">
+                <a:solidFill>
+                  <a:schemeClr val="tx1"/>
+                </a:solidFill>
+                <a:effectLst/>
+                <a:latin typeface="+mn-lt"/>
+                <a:ea typeface="+mn-ea"/>
+                <a:cs typeface="+mn-cs"/>
+                <a:hlinkClick r:id="rId3"/>
+              </a:rPr>
+              <a:t>[5]</a:t>
+            </a:r>
+            <a:r>
+              <a:rPr lang="en-US" sz="1200" b="0" i="0" u="none" strike="noStrike" kern="1200" baseline="30000" dirty="0" smtClean="0">
+                <a:solidFill>
+                  <a:schemeClr val="tx1"/>
+                </a:solidFill>
+                <a:effectLst/>
+                <a:latin typeface="+mn-lt"/>
+                <a:ea typeface="+mn-ea"/>
+                <a:cs typeface="+mn-cs"/>
+                <a:hlinkClick r:id="rId4"/>
+              </a:rPr>
+              <a:t>[6]</a:t>
+            </a:r>
+            <a:r>
+              <a:rPr lang="en-US" sz="1200" b="0" i="0" kern="1200" dirty="0" smtClean="0">
+                <a:solidFill>
+                  <a:schemeClr val="tx1"/>
+                </a:solidFill>
+                <a:effectLst/>
+                <a:latin typeface="+mn-lt"/>
+                <a:ea typeface="+mn-ea"/>
+                <a:cs typeface="+mn-cs"/>
+              </a:rPr>
+              <a:t> (ape army) is a suite of tools developed by </a:t>
+            </a:r>
+            <a:r>
+              <a:rPr lang="en-US" sz="1200" b="0" i="0" u="none" strike="noStrike" kern="1200" dirty="0" smtClean="0">
+                <a:solidFill>
+                  <a:schemeClr val="tx1"/>
+                </a:solidFill>
+                <a:effectLst/>
+                <a:latin typeface="+mn-lt"/>
+                <a:ea typeface="+mn-ea"/>
+                <a:cs typeface="+mn-cs"/>
+                <a:hlinkClick r:id="rId5" tooltip="Netflix"/>
+              </a:rPr>
+              <a:t>Netflix</a:t>
+            </a:r>
+            <a:r>
+              <a:rPr lang="en-US" sz="1200" b="0" i="0" kern="1200" dirty="0" smtClean="0">
+                <a:solidFill>
+                  <a:schemeClr val="tx1"/>
+                </a:solidFill>
+                <a:effectLst/>
+                <a:latin typeface="+mn-lt"/>
+                <a:ea typeface="+mn-ea"/>
+                <a:cs typeface="+mn-cs"/>
+              </a:rPr>
+              <a:t> to test the reliability, security, or resiliency of its </a:t>
+            </a:r>
+            <a:r>
+              <a:rPr lang="en-US" sz="1200" b="0" i="0" u="none" strike="noStrike" kern="1200" dirty="0" smtClean="0">
+                <a:solidFill>
+                  <a:schemeClr val="tx1"/>
+                </a:solidFill>
+                <a:effectLst/>
+                <a:latin typeface="+mn-lt"/>
+                <a:ea typeface="+mn-ea"/>
+                <a:cs typeface="+mn-cs"/>
+                <a:hlinkClick r:id="rId6" tooltip="Amazon Web Services"/>
+              </a:rPr>
+              <a:t>Amazon Web Services</a:t>
+            </a:r>
+            <a:r>
+              <a:rPr lang="en-US" sz="1200" b="0" i="0" kern="1200" dirty="0" smtClean="0">
+                <a:solidFill>
+                  <a:schemeClr val="tx1"/>
+                </a:solidFill>
+                <a:effectLst/>
+                <a:latin typeface="+mn-lt"/>
+                <a:ea typeface="+mn-ea"/>
+                <a:cs typeface="+mn-cs"/>
+              </a:rPr>
+              <a:t> infrastructure. .</a:t>
+            </a:r>
+            <a:r>
+              <a:rPr lang="en-US" sz="1200" b="0" i="0" u="none" strike="noStrike" kern="1200" baseline="30000" dirty="0" smtClean="0">
+                <a:solidFill>
+                  <a:schemeClr val="tx1"/>
+                </a:solidFill>
+                <a:effectLst/>
+                <a:latin typeface="+mn-lt"/>
+                <a:ea typeface="+mn-ea"/>
+                <a:cs typeface="+mn-cs"/>
+                <a:hlinkClick r:id="rId7"/>
+              </a:rPr>
+              <a:t>[7]</a:t>
+            </a:r>
+            <a:endParaRPr lang="en-US" sz="1200" b="0" i="0" kern="1200" dirty="0" smtClean="0">
+              <a:solidFill>
+                <a:schemeClr val="tx1"/>
+              </a:solidFill>
+              <a:effectLst/>
+              <a:latin typeface="+mn-lt"/>
+              <a:ea typeface="+mn-ea"/>
+              <a:cs typeface="+mn-cs"/>
+            </a:endParaRPr>
+          </a:p>
+          <a:p>
+            <a:r>
+              <a:rPr lang="en-US" sz="1200" b="0" i="0" kern="1200" dirty="0" smtClean="0">
+                <a:solidFill>
+                  <a:schemeClr val="tx1"/>
+                </a:solidFill>
+                <a:effectLst/>
+                <a:latin typeface="+mn-lt"/>
+                <a:ea typeface="+mn-ea"/>
+                <a:cs typeface="+mn-cs"/>
+              </a:rPr>
+              <a:t>Chaos Monkey</a:t>
+            </a:r>
+          </a:p>
+          <a:p>
+            <a:r>
+              <a:rPr lang="en-US" sz="1200" b="0" i="0" kern="1200" dirty="0" smtClean="0">
+                <a:solidFill>
+                  <a:schemeClr val="tx1"/>
+                </a:solidFill>
+                <a:effectLst/>
+                <a:latin typeface="+mn-lt"/>
+                <a:ea typeface="+mn-ea"/>
+                <a:cs typeface="+mn-cs"/>
+              </a:rPr>
+              <a:t>The first tool developed by </a:t>
+            </a:r>
+            <a:r>
+              <a:rPr lang="en-US" sz="1200" b="0" i="0" u="none" strike="noStrike" kern="1200" dirty="0" smtClean="0">
+                <a:solidFill>
+                  <a:schemeClr val="tx1"/>
+                </a:solidFill>
+                <a:effectLst/>
+                <a:latin typeface="+mn-lt"/>
+                <a:ea typeface="+mn-ea"/>
+                <a:cs typeface="+mn-cs"/>
+                <a:hlinkClick r:id="rId5" tooltip="Netflix"/>
+              </a:rPr>
+              <a:t>Netflix</a:t>
+            </a:r>
+            <a:r>
+              <a:rPr lang="en-US" sz="1200" b="0" i="0" kern="1200" dirty="0" smtClean="0">
+                <a:solidFill>
+                  <a:schemeClr val="tx1"/>
+                </a:solidFill>
+                <a:effectLst/>
+                <a:latin typeface="+mn-lt"/>
+                <a:ea typeface="+mn-ea"/>
+                <a:cs typeface="+mn-cs"/>
+              </a:rPr>
+              <a:t>, it allows random selection of instances in the production environment and deliberately put them out of service.</a:t>
+            </a:r>
+          </a:p>
+          <a:p>
+            <a:r>
+              <a:rPr lang="en-US" sz="1200" b="0" i="0" kern="1200" dirty="0" smtClean="0">
+                <a:solidFill>
+                  <a:schemeClr val="tx1"/>
+                </a:solidFill>
+                <a:effectLst/>
+                <a:latin typeface="+mn-lt"/>
+                <a:ea typeface="+mn-ea"/>
+                <a:cs typeface="+mn-cs"/>
+              </a:rPr>
+              <a:t>Gorilla Chaos</a:t>
+            </a:r>
+          </a:p>
+          <a:p>
+            <a:r>
+              <a:rPr lang="en-US" sz="1200" b="0" i="0" kern="1200" dirty="0" smtClean="0">
+                <a:solidFill>
+                  <a:schemeClr val="tx1"/>
+                </a:solidFill>
+                <a:effectLst/>
+                <a:latin typeface="+mn-lt"/>
+                <a:ea typeface="+mn-ea"/>
+                <a:cs typeface="+mn-cs"/>
+              </a:rPr>
+              <a:t>At the very top of the Simian Army hierarchy, Chaos Gorilla, drops a full Amazon Availability Zone. </a:t>
+            </a:r>
+            <a:r>
+              <a:rPr lang="en-US" sz="1200" b="0" i="0" u="none" strike="noStrike" kern="1200" baseline="30000" dirty="0" smtClean="0">
+                <a:solidFill>
+                  <a:schemeClr val="tx1"/>
+                </a:solidFill>
+                <a:effectLst/>
+                <a:latin typeface="+mn-lt"/>
+                <a:ea typeface="+mn-ea"/>
+                <a:cs typeface="+mn-cs"/>
+                <a:hlinkClick r:id="rId8"/>
+              </a:rPr>
+              <a:t>[8]</a:t>
+            </a:r>
+            <a:endParaRPr lang="en-US" sz="1200" b="0" i="0" kern="1200" dirty="0" smtClean="0">
+              <a:solidFill>
+                <a:schemeClr val="tx1"/>
+              </a:solidFill>
+              <a:effectLst/>
+              <a:latin typeface="+mn-lt"/>
+              <a:ea typeface="+mn-ea"/>
+              <a:cs typeface="+mn-cs"/>
+            </a:endParaRPr>
+          </a:p>
+          <a:p>
+            <a:r>
+              <a:rPr lang="en-US" sz="1200" b="0" i="0" kern="1200" dirty="0" smtClean="0">
+                <a:solidFill>
+                  <a:schemeClr val="tx1"/>
+                </a:solidFill>
+                <a:effectLst/>
+                <a:latin typeface="+mn-lt"/>
+                <a:ea typeface="+mn-ea"/>
+                <a:cs typeface="+mn-cs"/>
+              </a:rPr>
+              <a:t>Latency Monkey</a:t>
+            </a:r>
+          </a:p>
+          <a:p>
+            <a:r>
+              <a:rPr lang="en-US" sz="1200" b="0" i="0" kern="1200" dirty="0" smtClean="0">
+                <a:solidFill>
+                  <a:schemeClr val="tx1"/>
+                </a:solidFill>
+                <a:effectLst/>
+                <a:latin typeface="+mn-lt"/>
+                <a:ea typeface="+mn-ea"/>
+                <a:cs typeface="+mn-cs"/>
+              </a:rPr>
+              <a:t>By introducing communication delays at the communication layer level, a tool that allows to test the tolerance to the loss of performance of an external component whose system is dependent upon, up to the simulation of a complete cut - an infinite delay ; without having to ask the partner concerned to cut his service.</a:t>
+            </a:r>
+          </a:p>
+          <a:p>
+            <a:r>
+              <a:rPr lang="en-US" sz="1200" b="0" i="0" kern="1200" dirty="0" smtClean="0">
+                <a:solidFill>
+                  <a:schemeClr val="tx1"/>
+                </a:solidFill>
+                <a:effectLst/>
+                <a:latin typeface="+mn-lt"/>
+                <a:ea typeface="+mn-ea"/>
+                <a:cs typeface="+mn-cs"/>
+              </a:rPr>
+              <a:t>Doctor Monkey</a:t>
+            </a:r>
+          </a:p>
+          <a:p>
+            <a:r>
+              <a:rPr lang="en-US" sz="1200" b="0" i="0" kern="1200" dirty="0" smtClean="0">
+                <a:solidFill>
+                  <a:schemeClr val="tx1"/>
+                </a:solidFill>
+                <a:effectLst/>
+                <a:latin typeface="+mn-lt"/>
+                <a:ea typeface="+mn-ea"/>
+                <a:cs typeface="+mn-cs"/>
+              </a:rPr>
+              <a:t>Tool that detects all instances that present health risks - CPU overload for example - and separates them from the system for root cause analysis or even extinction.</a:t>
+            </a:r>
+          </a:p>
+          <a:p>
+            <a:r>
+              <a:rPr lang="en-US" sz="1200" b="0" i="0" kern="1200" dirty="0" smtClean="0">
+                <a:solidFill>
+                  <a:schemeClr val="tx1"/>
+                </a:solidFill>
+                <a:effectLst/>
+                <a:latin typeface="+mn-lt"/>
+                <a:ea typeface="+mn-ea"/>
+                <a:cs typeface="+mn-cs"/>
+              </a:rPr>
+              <a:t>Janitor Monkey</a:t>
+            </a:r>
+          </a:p>
+          <a:p>
+            <a:r>
+              <a:rPr lang="en-US" sz="1200" b="0" i="0" kern="1200" dirty="0" smtClean="0">
+                <a:solidFill>
+                  <a:schemeClr val="tx1"/>
+                </a:solidFill>
+                <a:effectLst/>
+                <a:latin typeface="+mn-lt"/>
+                <a:ea typeface="+mn-ea"/>
+                <a:cs typeface="+mn-cs"/>
+              </a:rPr>
+              <a:t>Tool that disables any unused instances to avoid over-consuming.</a:t>
+            </a:r>
+          </a:p>
+          <a:p>
+            <a:r>
+              <a:rPr lang="en-US" sz="1200" b="0" i="0" kern="1200" dirty="0" smtClean="0">
+                <a:solidFill>
+                  <a:schemeClr val="tx1"/>
+                </a:solidFill>
+                <a:effectLst/>
+                <a:latin typeface="+mn-lt"/>
+                <a:ea typeface="+mn-ea"/>
+                <a:cs typeface="+mn-cs"/>
+              </a:rPr>
+              <a:t>Conformity Monkey</a:t>
+            </a:r>
+          </a:p>
+          <a:p>
+            <a:r>
+              <a:rPr lang="en-US" sz="1200" b="0" i="0" kern="1200" dirty="0" smtClean="0">
+                <a:solidFill>
+                  <a:schemeClr val="tx1"/>
+                </a:solidFill>
+                <a:effectLst/>
+                <a:latin typeface="+mn-lt"/>
+                <a:ea typeface="+mn-ea"/>
+                <a:cs typeface="+mn-cs"/>
+              </a:rPr>
+              <a:t>Tool that disables any nonconforming instances to allow the system to recreate it properly.</a:t>
+            </a:r>
+          </a:p>
+          <a:p>
+            <a:r>
+              <a:rPr lang="en-US" sz="1200" b="0" i="0" kern="1200" dirty="0" smtClean="0">
+                <a:solidFill>
+                  <a:schemeClr val="tx1"/>
+                </a:solidFill>
+                <a:effectLst/>
+                <a:latin typeface="+mn-lt"/>
+                <a:ea typeface="+mn-ea"/>
+                <a:cs typeface="+mn-cs"/>
+              </a:rPr>
+              <a:t>Monkey safety</a:t>
+            </a:r>
+          </a:p>
+          <a:p>
+            <a:r>
+              <a:rPr lang="en-US" sz="1200" b="0" i="0" kern="1200" dirty="0" smtClean="0">
+                <a:solidFill>
+                  <a:schemeClr val="tx1"/>
+                </a:solidFill>
+                <a:effectLst/>
+                <a:latin typeface="+mn-lt"/>
+                <a:ea typeface="+mn-ea"/>
+                <a:cs typeface="+mn-cs"/>
+              </a:rPr>
+              <a:t>Derived from the </a:t>
+            </a:r>
+            <a:r>
+              <a:rPr lang="en-US" sz="1200" b="0" i="1" kern="1200" dirty="0" smtClean="0">
+                <a:solidFill>
+                  <a:schemeClr val="tx1"/>
+                </a:solidFill>
+                <a:effectLst/>
+                <a:latin typeface="+mn-lt"/>
+                <a:ea typeface="+mn-ea"/>
+                <a:cs typeface="+mn-cs"/>
+              </a:rPr>
+              <a:t>Conformity Monkey</a:t>
+            </a:r>
+            <a:r>
+              <a:rPr lang="en-US" sz="1200" b="0" i="0" kern="1200" dirty="0" smtClean="0">
+                <a:solidFill>
+                  <a:schemeClr val="tx1"/>
+                </a:solidFill>
+                <a:effectLst/>
+                <a:latin typeface="+mn-lt"/>
+                <a:ea typeface="+mn-ea"/>
+                <a:cs typeface="+mn-cs"/>
+              </a:rPr>
+              <a:t> , a tool that disables all instances that have vulnerabilities.</a:t>
+            </a:r>
+          </a:p>
+          <a:p>
+            <a:r>
+              <a:rPr lang="en-US" sz="1200" b="0" i="0" kern="1200" dirty="0" smtClean="0">
+                <a:solidFill>
+                  <a:schemeClr val="tx1"/>
+                </a:solidFill>
+                <a:effectLst/>
+                <a:latin typeface="+mn-lt"/>
+                <a:ea typeface="+mn-ea"/>
+                <a:cs typeface="+mn-cs"/>
+              </a:rPr>
+              <a:t>10-18 Monkey</a:t>
+            </a:r>
+          </a:p>
+          <a:p>
+            <a:r>
+              <a:rPr lang="en-US" sz="1200" b="0" i="0" kern="1200" dirty="0" smtClean="0">
+                <a:solidFill>
+                  <a:schemeClr val="tx1"/>
+                </a:solidFill>
+                <a:effectLst/>
+                <a:latin typeface="+mn-lt"/>
+                <a:ea typeface="+mn-ea"/>
+                <a:cs typeface="+mn-cs"/>
+              </a:rPr>
+              <a:t>Tool that detects problems of localizations, languages (l10n-i18n) on instances.</a:t>
+            </a:r>
+          </a:p>
+          <a:p>
+            <a:endParaRPr lang="en-US" dirty="0"/>
+          </a:p>
+        </p:txBody>
+      </p:sp>
+      <p:sp>
+        <p:nvSpPr>
+          <p:cNvPr id="4" name="Slide Number Placeholder 3"/>
+          <p:cNvSpPr>
+            <a:spLocks noGrp="1"/>
+          </p:cNvSpPr>
+          <p:nvPr>
+            <p:ph type="sldNum" sz="quarter" idx="10"/>
+          </p:nvPr>
+        </p:nvSpPr>
+        <p:spPr/>
+        <p:txBody>
+          <a:bodyPr/>
+          <a:lstStyle/>
+          <a:p>
+            <a:fld id="{D8BD372C-5755-4B47-9C2F-A04BC5EFCBA4}" type="slidenum">
+              <a:rPr lang="en-US" smtClean="0"/>
+              <a:t>13</a:t>
+            </a:fld>
+            <a:endParaRPr lang="en-US"/>
+          </a:p>
+        </p:txBody>
+      </p:sp>
+    </p:spTree>
+    <p:extLst>
+      <p:ext uri="{BB962C8B-B14F-4D97-AF65-F5344CB8AC3E}">
+        <p14:creationId xmlns:p14="http://schemas.microsoft.com/office/powerpoint/2010/main" val="3011555389"/>
       </p:ext>
     </p:extLst>
   </p:cSld>
@@ -1367,7 +2186,7 @@
           <a:p>
             <a:fld id="{B4C71EC6-210F-42DE-9C53-41977AD35B3D}" type="datetimeFigureOut">
               <a:rPr lang="ru-RU" smtClean="0"/>
-              <a:t>22.11.2017</a:t>
+              <a:t>26.11.2017</a:t>
             </a:fld>
             <a:endParaRPr lang="ru-RU"/>
           </a:p>
@@ -1632,7 +2451,7 @@
           <a:p>
             <a:fld id="{B4C71EC6-210F-42DE-9C53-41977AD35B3D}" type="datetimeFigureOut">
               <a:rPr lang="ru-RU" smtClean="0"/>
-              <a:t>22.11.2017</a:t>
+              <a:t>26.11.2017</a:t>
             </a:fld>
             <a:endParaRPr lang="ru-RU"/>
           </a:p>
@@ -1807,7 +2626,7 @@
           <a:p>
             <a:fld id="{B4C71EC6-210F-42DE-9C53-41977AD35B3D}" type="datetimeFigureOut">
               <a:rPr lang="ru-RU" smtClean="0"/>
-              <a:t>22.11.2017</a:t>
+              <a:t>26.11.2017</a:t>
             </a:fld>
             <a:endParaRPr lang="ru-RU"/>
           </a:p>
@@ -1972,7 +2791,7 @@
           <a:p>
             <a:fld id="{B4C71EC6-210F-42DE-9C53-41977AD35B3D}" type="datetimeFigureOut">
               <a:rPr lang="ru-RU" smtClean="0"/>
-              <a:t>22.11.2017</a:t>
+              <a:t>26.11.2017</a:t>
             </a:fld>
             <a:endParaRPr lang="ru-RU"/>
           </a:p>
@@ -2221,7 +3040,7 @@
           <a:p>
             <a:fld id="{B4C71EC6-210F-42DE-9C53-41977AD35B3D}" type="datetimeFigureOut">
               <a:rPr lang="ru-RU" smtClean="0"/>
-              <a:t>22.11.2017</a:t>
+              <a:t>26.11.2017</a:t>
             </a:fld>
             <a:endParaRPr lang="ru-RU"/>
           </a:p>
@@ -2504,7 +3323,7 @@
           <a:p>
             <a:fld id="{B4C71EC6-210F-42DE-9C53-41977AD35B3D}" type="datetimeFigureOut">
               <a:rPr lang="ru-RU" smtClean="0"/>
-              <a:t>22.11.2017</a:t>
+              <a:t>26.11.2017</a:t>
             </a:fld>
             <a:endParaRPr lang="ru-RU"/>
           </a:p>
@@ -2943,7 +3762,7 @@
           <a:p>
             <a:fld id="{B4C71EC6-210F-42DE-9C53-41977AD35B3D}" type="datetimeFigureOut">
               <a:rPr lang="ru-RU" smtClean="0"/>
-              <a:t>22.11.2017</a:t>
+              <a:t>26.11.2017</a:t>
             </a:fld>
             <a:endParaRPr lang="ru-RU"/>
           </a:p>
@@ -3056,7 +3875,7 @@
           <a:p>
             <a:fld id="{B4C71EC6-210F-42DE-9C53-41977AD35B3D}" type="datetimeFigureOut">
               <a:rPr lang="ru-RU" smtClean="0"/>
-              <a:t>22.11.2017</a:t>
+              <a:t>26.11.2017</a:t>
             </a:fld>
             <a:endParaRPr lang="ru-RU"/>
           </a:p>
@@ -3146,7 +3965,7 @@
           <a:p>
             <a:fld id="{B4C71EC6-210F-42DE-9C53-41977AD35B3D}" type="datetimeFigureOut">
               <a:rPr lang="ru-RU" smtClean="0"/>
-              <a:t>22.11.2017</a:t>
+              <a:t>26.11.2017</a:t>
             </a:fld>
             <a:endParaRPr lang="ru-RU"/>
           </a:p>
@@ -3388,7 +4207,7 @@
           <a:p>
             <a:fld id="{B4C71EC6-210F-42DE-9C53-41977AD35B3D}" type="datetimeFigureOut">
               <a:rPr lang="ru-RU" smtClean="0"/>
-              <a:t>22.11.2017</a:t>
+              <a:t>26.11.2017</a:t>
             </a:fld>
             <a:endParaRPr lang="ru-RU"/>
           </a:p>
@@ -3682,7 +4501,7 @@
           <a:p>
             <a:fld id="{B4C71EC6-210F-42DE-9C53-41977AD35B3D}" type="datetimeFigureOut">
               <a:rPr lang="ru-RU" smtClean="0"/>
-              <a:t>22.11.2017</a:t>
+              <a:t>26.11.2017</a:t>
             </a:fld>
             <a:endParaRPr lang="ru-RU"/>
           </a:p>
@@ -3976,7 +4795,7 @@
           <a:p>
             <a:fld id="{B4C71EC6-210F-42DE-9C53-41977AD35B3D}" type="datetimeFigureOut">
               <a:rPr lang="ru-RU" smtClean="0"/>
-              <a:t>22.11.2017</a:t>
+              <a:t>26.11.2017</a:t>
             </a:fld>
             <a:endParaRPr lang="ru-RU"/>
           </a:p>
@@ -4562,1612 +5381,7 @@
 </p:sld>
 </file>
 
-<file path=ppt/slides/slide2.xml><?xml version="1.0" encoding="utf-8"?>
-<p:sld xmlns:a="http://schemas.openxmlformats.org/drawingml/2006/main" xmlns:r="http://schemas.openxmlformats.org/officeDocument/2006/relationships" xmlns:p="http://schemas.openxmlformats.org/presentationml/2006/main">
-  <p:cSld>
-    <p:spTree>
-      <p:nvGrpSpPr>
-        <p:cNvPr id="1" name=""/>
-        <p:cNvGrpSpPr/>
-        <p:nvPr/>
-      </p:nvGrpSpPr>
-      <p:grpSpPr>
-        <a:xfrm>
-          <a:off x="0" y="0"/>
-          <a:ext cx="0" cy="0"/>
-          <a:chOff x="0" y="0"/>
-          <a:chExt cx="0" cy="0"/>
-        </a:xfrm>
-      </p:grpSpPr>
-      <p:sp>
-        <p:nvSpPr>
-          <p:cNvPr id="2" name="Title 1"/>
-          <p:cNvSpPr>
-            <a:spLocks noGrp="1"/>
-          </p:cNvSpPr>
-          <p:nvPr>
-            <p:ph type="title"/>
-          </p:nvPr>
-        </p:nvSpPr>
-        <p:spPr>
-          <a:xfrm>
-            <a:off x="971600" y="188640"/>
-            <a:ext cx="7272808" cy="1371600"/>
-          </a:xfrm>
-        </p:spPr>
-        <p:txBody>
-          <a:bodyPr>
-            <a:normAutofit/>
-          </a:bodyPr>
-          <a:lstStyle/>
-          <a:p>
-            <a:r>
-              <a:rPr lang="en-US" dirty="0" smtClean="0"/>
-              <a:t>What is an Continuous Integration?</a:t>
-            </a:r>
-            <a:endParaRPr lang="en-US" dirty="0"/>
-          </a:p>
-        </p:txBody>
-      </p:sp>
-      <p:sp>
-        <p:nvSpPr>
-          <p:cNvPr id="3" name="Content Placeholder 2"/>
-          <p:cNvSpPr>
-            <a:spLocks noGrp="1"/>
-          </p:cNvSpPr>
-          <p:nvPr>
-            <p:ph idx="1"/>
-          </p:nvPr>
-        </p:nvSpPr>
-        <p:spPr>
-          <a:xfrm>
-            <a:off x="1187624" y="1700808"/>
-            <a:ext cx="6552728" cy="1800200"/>
-          </a:xfrm>
-        </p:spPr>
-        <p:txBody>
-          <a:bodyPr>
-            <a:normAutofit/>
-          </a:bodyPr>
-          <a:lstStyle/>
-          <a:p>
-            <a:pPr indent="457200"/>
-            <a:r>
-              <a:rPr lang="en-US" dirty="0"/>
-              <a:t>Continuous Integration (CI) is a development practice that requires developers to integrate code into a shared repository several times a day. Each check-in is then verified by an automated build, allowing teams to detect problems early. </a:t>
-            </a:r>
-            <a:endParaRPr lang="en-US" dirty="0" smtClean="0"/>
-          </a:p>
-          <a:p>
-            <a:endParaRPr lang="en-US" dirty="0"/>
-          </a:p>
-        </p:txBody>
-      </p:sp>
-      <p:pic>
-        <p:nvPicPr>
-          <p:cNvPr id="1026" name="Picture 2" descr="Related image"/>
-          <p:cNvPicPr>
-            <a:picLocks noChangeAspect="1" noChangeArrowheads="1"/>
-          </p:cNvPicPr>
-          <p:nvPr/>
-        </p:nvPicPr>
-        <p:blipFill>
-          <a:blip r:embed="rId3">
-            <a:extLst>
-              <a:ext uri="{28A0092B-C50C-407E-A947-70E740481C1C}">
-                <a14:useLocalDpi xmlns:a14="http://schemas.microsoft.com/office/drawing/2010/main" val="0"/>
-              </a:ext>
-            </a:extLst>
-          </a:blip>
-          <a:srcRect/>
-          <a:stretch>
-            <a:fillRect/>
-          </a:stretch>
-        </p:blipFill>
-        <p:spPr bwMode="auto">
-          <a:xfrm>
-            <a:off x="2231999" y="3429000"/>
-            <a:ext cx="4248472" cy="2989863"/>
-          </a:xfrm>
-          <a:prstGeom prst="rect">
-            <a:avLst/>
-          </a:prstGeom>
-          <a:ln>
-            <a:noFill/>
-          </a:ln>
-          <a:effectLst>
-            <a:outerShdw blurRad="292100" dist="139700" dir="2700000" algn="tl" rotWithShape="0">
-              <a:srgbClr val="333333">
-                <a:alpha val="65000"/>
-              </a:srgbClr>
-            </a:outerShdw>
-          </a:effectLst>
-          <a:extLst>
-            <a:ext uri="{909E8E84-426E-40DD-AFC4-6F175D3DCCD1}">
-              <a14:hiddenFill xmlns:a14="http://schemas.microsoft.com/office/drawing/2010/main">
-                <a:solidFill>
-                  <a:srgbClr val="FFFFFF"/>
-                </a:solidFill>
-              </a14:hiddenFill>
-            </a:ext>
-          </a:extLst>
-        </p:spPr>
-      </p:pic>
-    </p:spTree>
-    <p:extLst>
-      <p:ext uri="{BB962C8B-B14F-4D97-AF65-F5344CB8AC3E}">
-        <p14:creationId xmlns:p14="http://schemas.microsoft.com/office/powerpoint/2010/main" val="2234027227"/>
-      </p:ext>
-    </p:extLst>
-  </p:cSld>
-  <p:clrMapOvr>
-    <a:masterClrMapping/>
-  </p:clrMapOvr>
-  <p:timing>
-    <p:tnLst>
-      <p:par>
-        <p:cTn id="1" dur="indefinite" restart="never" nodeType="tmRoot"/>
-      </p:par>
-    </p:tnLst>
-  </p:timing>
-</p:sld>
-</file>
-
-<file path=ppt/slides/slide3.xml><?xml version="1.0" encoding="utf-8"?>
-<p:sld xmlns:a="http://schemas.openxmlformats.org/drawingml/2006/main" xmlns:r="http://schemas.openxmlformats.org/officeDocument/2006/relationships" xmlns:p="http://schemas.openxmlformats.org/presentationml/2006/main">
-  <p:cSld>
-    <p:spTree>
-      <p:nvGrpSpPr>
-        <p:cNvPr id="1" name=""/>
-        <p:cNvGrpSpPr/>
-        <p:nvPr/>
-      </p:nvGrpSpPr>
-      <p:grpSpPr>
-        <a:xfrm>
-          <a:off x="0" y="0"/>
-          <a:ext cx="0" cy="0"/>
-          <a:chOff x="0" y="0"/>
-          <a:chExt cx="0" cy="0"/>
-        </a:xfrm>
-      </p:grpSpPr>
-      <p:sp>
-        <p:nvSpPr>
-          <p:cNvPr id="2" name="Title 1"/>
-          <p:cNvSpPr>
-            <a:spLocks noGrp="1"/>
-          </p:cNvSpPr>
-          <p:nvPr>
-            <p:ph type="title"/>
-          </p:nvPr>
-        </p:nvSpPr>
-        <p:spPr>
-          <a:xfrm>
-            <a:off x="457200" y="1196752"/>
-            <a:ext cx="3970784" cy="903630"/>
-          </a:xfrm>
-        </p:spPr>
-        <p:txBody>
-          <a:bodyPr>
-            <a:normAutofit/>
-          </a:bodyPr>
-          <a:lstStyle/>
-          <a:p>
-            <a:r>
-              <a:rPr lang="en-US" sz="3200" dirty="0" smtClean="0"/>
-              <a:t>What we </a:t>
-            </a:r>
-            <a:r>
-              <a:rPr lang="en-US" sz="3200" dirty="0" err="1" smtClean="0"/>
-              <a:t>neeD</a:t>
-            </a:r>
-            <a:endParaRPr lang="en-US" sz="3200" dirty="0"/>
-          </a:p>
-        </p:txBody>
-      </p:sp>
-      <p:sp>
-        <p:nvSpPr>
-          <p:cNvPr id="3" name="Content Placeholder 2"/>
-          <p:cNvSpPr>
-            <a:spLocks noGrp="1"/>
-          </p:cNvSpPr>
-          <p:nvPr>
-            <p:ph idx="1"/>
-          </p:nvPr>
-        </p:nvSpPr>
-        <p:spPr>
-          <a:xfrm>
-            <a:off x="457200" y="2328665"/>
-            <a:ext cx="3898776" cy="2468488"/>
-          </a:xfrm>
-        </p:spPr>
-        <p:style>
-          <a:lnRef idx="2">
-            <a:schemeClr val="accent5"/>
-          </a:lnRef>
-          <a:fillRef idx="1">
-            <a:schemeClr val="lt1"/>
-          </a:fillRef>
-          <a:effectRef idx="0">
-            <a:schemeClr val="accent5"/>
-          </a:effectRef>
-          <a:fontRef idx="minor">
-            <a:schemeClr val="dk1"/>
-          </a:fontRef>
-        </p:style>
-        <p:txBody>
-          <a:bodyPr>
-            <a:normAutofit/>
-          </a:bodyPr>
-          <a:lstStyle/>
-          <a:p>
-            <a:pPr marL="342900" indent="-342900" fontAlgn="base">
-              <a:buFont typeface="Arial" panose="020B0604020202020204" pitchFamily="34" charset="0"/>
-              <a:buChar char="•"/>
-            </a:pPr>
-            <a:r>
-              <a:rPr lang="en-US" sz="2400" b="0" dirty="0" smtClean="0"/>
-              <a:t>Automated tests</a:t>
-            </a:r>
-            <a:endParaRPr lang="en-US" sz="2400" b="0" dirty="0"/>
-          </a:p>
-          <a:p>
-            <a:pPr marL="342900" indent="-342900" fontAlgn="base">
-              <a:buFont typeface="Arial" panose="020B0604020202020204" pitchFamily="34" charset="0"/>
-              <a:buChar char="•"/>
-            </a:pPr>
-            <a:r>
-              <a:rPr lang="en-US" sz="2400" b="0" dirty="0" smtClean="0"/>
-              <a:t>Continuous integration server</a:t>
-            </a:r>
-          </a:p>
-          <a:p>
-            <a:pPr marL="342900" indent="-342900" fontAlgn="base">
-              <a:buFont typeface="Arial" panose="020B0604020202020204" pitchFamily="34" charset="0"/>
-              <a:buChar char="•"/>
-            </a:pPr>
-            <a:r>
-              <a:rPr lang="en-US" sz="2400" b="0" dirty="0" smtClean="0"/>
-              <a:t>Merge our changes more often</a:t>
-            </a:r>
-          </a:p>
-          <a:p>
-            <a:endParaRPr lang="en-US" dirty="0"/>
-          </a:p>
-        </p:txBody>
-      </p:sp>
-      <p:sp>
-        <p:nvSpPr>
-          <p:cNvPr id="4" name="Title 1"/>
-          <p:cNvSpPr txBox="1">
-            <a:spLocks/>
-          </p:cNvSpPr>
-          <p:nvPr/>
-        </p:nvSpPr>
-        <p:spPr>
-          <a:xfrm>
-            <a:off x="4751136" y="1196752"/>
-            <a:ext cx="3970784" cy="903630"/>
-          </a:xfrm>
-          <a:prstGeom prst="rect">
-            <a:avLst/>
-          </a:prstGeom>
-        </p:spPr>
-        <p:txBody>
-          <a:bodyPr vert="horz" lIns="91440" tIns="45720" rIns="91440" bIns="45720" rtlCol="0" anchor="b">
-            <a:normAutofit/>
-          </a:bodyPr>
-          <a:lstStyle>
-            <a:lvl1pPr algn="l" defTabSz="914400" rtl="0" eaLnBrk="1" latinLnBrk="0" hangingPunct="1">
-              <a:spcBef>
-                <a:spcPct val="0"/>
-              </a:spcBef>
-              <a:buNone/>
-              <a:defRPr sz="3600" kern="1200" cap="all" spc="-60" baseline="0">
-                <a:solidFill>
-                  <a:schemeClr val="tx2"/>
-                </a:solidFill>
-                <a:latin typeface="+mj-lt"/>
-                <a:ea typeface="+mj-ea"/>
-                <a:cs typeface="+mj-cs"/>
-              </a:defRPr>
-            </a:lvl1pPr>
-          </a:lstStyle>
-          <a:p>
-            <a:r>
-              <a:rPr lang="en-US" sz="3200" dirty="0" smtClean="0">
-                <a:solidFill>
-                  <a:srgbClr val="92D050"/>
-                </a:solidFill>
-              </a:rPr>
-              <a:t>What we Gain</a:t>
-            </a:r>
-            <a:endParaRPr lang="en-US" sz="3200" dirty="0">
-              <a:solidFill>
-                <a:srgbClr val="92D050"/>
-              </a:solidFill>
-            </a:endParaRPr>
-          </a:p>
-        </p:txBody>
-      </p:sp>
-      <p:sp>
-        <p:nvSpPr>
-          <p:cNvPr id="5" name="Content Placeholder 2"/>
-          <p:cNvSpPr txBox="1">
-            <a:spLocks/>
-          </p:cNvSpPr>
-          <p:nvPr/>
-        </p:nvSpPr>
-        <p:spPr>
-          <a:xfrm>
-            <a:off x="4735990" y="2335424"/>
-            <a:ext cx="3898776" cy="2448273"/>
-          </a:xfrm>
-          <a:prstGeom prst="rect">
-            <a:avLst/>
-          </a:prstGeom>
-          <a:ln>
-            <a:solidFill>
-              <a:srgbClr val="92D050"/>
-            </a:solidFill>
-          </a:ln>
-        </p:spPr>
-        <p:style>
-          <a:lnRef idx="2">
-            <a:schemeClr val="accent6"/>
-          </a:lnRef>
-          <a:fillRef idx="1">
-            <a:schemeClr val="lt1"/>
-          </a:fillRef>
-          <a:effectRef idx="0">
-            <a:schemeClr val="accent6"/>
-          </a:effectRef>
-          <a:fontRef idx="minor">
-            <a:schemeClr val="dk1"/>
-          </a:fontRef>
-        </p:style>
-        <p:txBody>
-          <a:bodyPr vert="horz" lIns="91440" tIns="45720" rIns="91440" bIns="45720" rtlCol="0">
-            <a:normAutofit/>
-          </a:bodyPr>
-          <a:lstStyle>
-            <a:lvl1pPr marL="0" indent="0" algn="l" defTabSz="914400" rtl="0" eaLnBrk="1" latinLnBrk="0" hangingPunct="1">
-              <a:spcBef>
-                <a:spcPct val="20000"/>
-              </a:spcBef>
-              <a:spcAft>
-                <a:spcPts val="600"/>
-              </a:spcAft>
-              <a:buFont typeface="Arial" pitchFamily="34" charset="0"/>
-              <a:buNone/>
-              <a:defRPr sz="2000" b="1" kern="1200">
-                <a:solidFill>
-                  <a:schemeClr val="tx1"/>
-                </a:solidFill>
-                <a:latin typeface="+mn-lt"/>
-                <a:ea typeface="+mn-ea"/>
-                <a:cs typeface="+mn-cs"/>
-              </a:defRPr>
-            </a:lvl1pPr>
-            <a:lvl2pPr marL="457200" indent="-182880" algn="l" defTabSz="914400" rtl="0" eaLnBrk="1" latinLnBrk="0" hangingPunct="1">
-              <a:spcBef>
-                <a:spcPct val="20000"/>
-              </a:spcBef>
-              <a:buClr>
-                <a:schemeClr val="tx2"/>
-              </a:buClr>
-              <a:buFont typeface="Arial" pitchFamily="34" charset="0"/>
-              <a:buChar char="•"/>
-              <a:defRPr sz="2000" kern="1200">
-                <a:solidFill>
-                  <a:schemeClr val="tx1"/>
-                </a:solidFill>
-                <a:latin typeface="+mn-lt"/>
-                <a:ea typeface="+mn-ea"/>
-                <a:cs typeface="+mn-cs"/>
-              </a:defRPr>
-            </a:lvl2pPr>
-            <a:lvl3pPr marL="1143000" indent="-228600" algn="l" defTabSz="914400" rtl="0" eaLnBrk="1" latinLnBrk="0" hangingPunct="1">
-              <a:spcBef>
-                <a:spcPct val="20000"/>
-              </a:spcBef>
-              <a:buClr>
-                <a:schemeClr val="tx2"/>
-              </a:buClr>
-              <a:buFont typeface="Arial" pitchFamily="34" charset="0"/>
-              <a:buChar char="•"/>
-              <a:defRPr sz="1800" kern="1200">
-                <a:solidFill>
-                  <a:schemeClr val="tx1"/>
-                </a:solidFill>
-                <a:latin typeface="+mn-lt"/>
-                <a:ea typeface="+mn-ea"/>
-                <a:cs typeface="+mn-cs"/>
-              </a:defRPr>
-            </a:lvl3pPr>
-            <a:lvl4pPr marL="1600200" indent="-228600" algn="l" defTabSz="914400" rtl="0" eaLnBrk="1" latinLnBrk="0" hangingPunct="1">
-              <a:spcBef>
-                <a:spcPct val="20000"/>
-              </a:spcBef>
-              <a:buClr>
-                <a:schemeClr val="tx2"/>
-              </a:buClr>
-              <a:buFont typeface="Arial" pitchFamily="34" charset="0"/>
-              <a:buChar char="•"/>
-              <a:defRPr sz="1800" kern="1200">
-                <a:solidFill>
-                  <a:schemeClr val="tx1"/>
-                </a:solidFill>
-                <a:latin typeface="+mn-lt"/>
-                <a:ea typeface="+mn-ea"/>
-                <a:cs typeface="+mn-cs"/>
-              </a:defRPr>
-            </a:lvl4pPr>
-            <a:lvl5pPr marL="2057400" indent="-228600" algn="l" defTabSz="914400" rtl="0" eaLnBrk="1" latinLnBrk="0" hangingPunct="1">
-              <a:spcBef>
-                <a:spcPct val="20000"/>
-              </a:spcBef>
-              <a:buClr>
-                <a:schemeClr val="tx2"/>
-              </a:buClr>
-              <a:buFont typeface="Arial" pitchFamily="34" charset="0"/>
-              <a:buChar char="•"/>
-              <a:defRPr sz="1800" kern="1200" baseline="0">
-                <a:solidFill>
-                  <a:schemeClr val="tx1"/>
-                </a:solidFill>
-                <a:latin typeface="+mn-lt"/>
-                <a:ea typeface="+mn-ea"/>
-                <a:cs typeface="+mn-cs"/>
-              </a:defRPr>
-            </a:lvl5pPr>
-            <a:lvl6pPr marL="2514600" indent="-228600" algn="l" defTabSz="914400" rtl="0" eaLnBrk="1" latinLnBrk="0" hangingPunct="1">
-              <a:spcBef>
-                <a:spcPct val="20000"/>
-              </a:spcBef>
-              <a:buClr>
-                <a:schemeClr val="tx2"/>
-              </a:buClr>
-              <a:buFont typeface="Arial" pitchFamily="34" charset="0"/>
-              <a:buChar char="•"/>
-              <a:defRPr sz="1600" kern="1200">
-                <a:solidFill>
-                  <a:schemeClr val="tx1"/>
-                </a:solidFill>
-                <a:latin typeface="+mn-lt"/>
-                <a:ea typeface="+mn-ea"/>
-                <a:cs typeface="+mn-cs"/>
-              </a:defRPr>
-            </a:lvl6pPr>
-            <a:lvl7pPr marL="2971800" indent="-228600" algn="l" defTabSz="914400" rtl="0" eaLnBrk="1" latinLnBrk="0" hangingPunct="1">
-              <a:spcBef>
-                <a:spcPct val="20000"/>
-              </a:spcBef>
-              <a:buClr>
-                <a:schemeClr val="tx2"/>
-              </a:buClr>
-              <a:buFont typeface="Arial" pitchFamily="34" charset="0"/>
-              <a:buChar char="•"/>
-              <a:defRPr sz="1600" kern="1200">
-                <a:solidFill>
-                  <a:schemeClr val="tx1"/>
-                </a:solidFill>
-                <a:latin typeface="+mn-lt"/>
-                <a:ea typeface="+mn-ea"/>
-                <a:cs typeface="+mn-cs"/>
-              </a:defRPr>
-            </a:lvl7pPr>
-            <a:lvl8pPr marL="3429000" indent="-228600" algn="l" defTabSz="914400" rtl="0" eaLnBrk="1" latinLnBrk="0" hangingPunct="1">
-              <a:spcBef>
-                <a:spcPct val="20000"/>
-              </a:spcBef>
-              <a:buClr>
-                <a:schemeClr val="tx2"/>
-              </a:buClr>
-              <a:buFont typeface="Arial" pitchFamily="34" charset="0"/>
-              <a:buChar char="•"/>
-              <a:defRPr sz="1600" kern="1200">
-                <a:solidFill>
-                  <a:schemeClr val="tx1"/>
-                </a:solidFill>
-                <a:latin typeface="+mn-lt"/>
-                <a:ea typeface="+mn-ea"/>
-                <a:cs typeface="+mn-cs"/>
-              </a:defRPr>
-            </a:lvl8pPr>
-            <a:lvl9pPr marL="3886200" indent="-228600" algn="l" defTabSz="914400" rtl="0" eaLnBrk="1" latinLnBrk="0" hangingPunct="1">
-              <a:spcBef>
-                <a:spcPct val="20000"/>
-              </a:spcBef>
-              <a:buClr>
-                <a:schemeClr val="tx2"/>
-              </a:buClr>
-              <a:buFont typeface="Arial" pitchFamily="34" charset="0"/>
-              <a:buChar char="•"/>
-              <a:defRPr sz="1600" kern="1200">
-                <a:solidFill>
-                  <a:schemeClr val="tx1"/>
-                </a:solidFill>
-                <a:latin typeface="+mn-lt"/>
-                <a:ea typeface="+mn-ea"/>
-                <a:cs typeface="+mn-cs"/>
-              </a:defRPr>
-            </a:lvl9pPr>
-          </a:lstStyle>
-          <a:p>
-            <a:pPr marL="342900" indent="-342900" fontAlgn="base">
-              <a:buFont typeface="Arial" panose="020B0604020202020204" pitchFamily="34" charset="0"/>
-              <a:buChar char="•"/>
-            </a:pPr>
-            <a:r>
-              <a:rPr lang="en-US" b="0" dirty="0"/>
-              <a:t>Less bugs get shipped to production </a:t>
-            </a:r>
-            <a:endParaRPr lang="en-US" b="0" dirty="0" smtClean="0"/>
-          </a:p>
-          <a:p>
-            <a:pPr marL="342900" indent="-342900" fontAlgn="base">
-              <a:buFont typeface="Arial" panose="020B0604020202020204" pitchFamily="34" charset="0"/>
-              <a:buChar char="•"/>
-            </a:pPr>
-            <a:r>
-              <a:rPr lang="en-US" b="0" dirty="0" smtClean="0"/>
-              <a:t>Building </a:t>
-            </a:r>
-            <a:r>
-              <a:rPr lang="en-US" b="0" dirty="0"/>
-              <a:t>the release is easy </a:t>
-            </a:r>
-            <a:endParaRPr lang="en-US" b="0" dirty="0" smtClean="0"/>
-          </a:p>
-          <a:p>
-            <a:pPr marL="342900" indent="-342900" fontAlgn="base">
-              <a:buFont typeface="Arial" panose="020B0604020202020204" pitchFamily="34" charset="0"/>
-              <a:buChar char="•"/>
-            </a:pPr>
-            <a:r>
-              <a:rPr lang="en-US" b="0" dirty="0" smtClean="0"/>
-              <a:t>Less </a:t>
-            </a:r>
-            <a:r>
-              <a:rPr lang="en-US" b="0" dirty="0"/>
-              <a:t>context switching </a:t>
-            </a:r>
-            <a:endParaRPr lang="en-US" b="0" dirty="0" smtClean="0"/>
-          </a:p>
-          <a:p>
-            <a:pPr marL="342900" indent="-342900" fontAlgn="base">
-              <a:buFont typeface="Arial" panose="020B0604020202020204" pitchFamily="34" charset="0"/>
-              <a:buChar char="•"/>
-            </a:pPr>
-            <a:r>
-              <a:rPr lang="en-US" b="0" dirty="0" smtClean="0"/>
-              <a:t>Economy testing costs</a:t>
-            </a:r>
-            <a:endParaRPr lang="en-US" dirty="0"/>
-          </a:p>
-        </p:txBody>
-      </p:sp>
-      <p:sp>
-        <p:nvSpPr>
-          <p:cNvPr id="8" name="Pentagon 7"/>
-          <p:cNvSpPr/>
-          <p:nvPr/>
-        </p:nvSpPr>
-        <p:spPr>
-          <a:xfrm>
-            <a:off x="0" y="260648"/>
-            <a:ext cx="5004048" cy="648072"/>
-          </a:xfrm>
-          <a:prstGeom prst="homePlate">
-            <a:avLst/>
-          </a:prstGeom>
-        </p:spPr>
-        <p:style>
-          <a:lnRef idx="1">
-            <a:schemeClr val="accent4"/>
-          </a:lnRef>
-          <a:fillRef idx="2">
-            <a:schemeClr val="accent4"/>
-          </a:fillRef>
-          <a:effectRef idx="1">
-            <a:schemeClr val="accent4"/>
-          </a:effectRef>
-          <a:fontRef idx="minor">
-            <a:schemeClr val="dk1"/>
-          </a:fontRef>
-        </p:style>
-        <p:txBody>
-          <a:bodyPr rtlCol="0" anchor="ctr"/>
-          <a:lstStyle/>
-          <a:p>
-            <a:pPr algn="ctr"/>
-            <a:r>
-              <a:rPr lang="en-US" sz="2400" dirty="0"/>
-              <a:t>Continuous </a:t>
-            </a:r>
-            <a:r>
-              <a:rPr lang="en-US" sz="2400" dirty="0" smtClean="0"/>
-              <a:t>Integration</a:t>
-            </a:r>
-            <a:endParaRPr lang="en-US" sz="2400" dirty="0"/>
-          </a:p>
-        </p:txBody>
-      </p:sp>
-    </p:spTree>
-    <p:extLst>
-      <p:ext uri="{BB962C8B-B14F-4D97-AF65-F5344CB8AC3E}">
-        <p14:creationId xmlns:p14="http://schemas.microsoft.com/office/powerpoint/2010/main" val="742008525"/>
-      </p:ext>
-    </p:extLst>
-  </p:cSld>
-  <p:clrMapOvr>
-    <a:masterClrMapping/>
-  </p:clrMapOvr>
-  <p:timing>
-    <p:tnLst>
-      <p:par>
-        <p:cTn id="1" dur="indefinite" restart="never" nodeType="tmRoot"/>
-      </p:par>
-    </p:tnLst>
-  </p:timing>
-</p:sld>
-</file>
-
-<file path=ppt/slides/slide4.xml><?xml version="1.0" encoding="utf-8"?>
-<p:sld xmlns:a="http://schemas.openxmlformats.org/drawingml/2006/main" xmlns:r="http://schemas.openxmlformats.org/officeDocument/2006/relationships" xmlns:p="http://schemas.openxmlformats.org/presentationml/2006/main">
-  <p:cSld>
-    <p:spTree>
-      <p:nvGrpSpPr>
-        <p:cNvPr id="1" name=""/>
-        <p:cNvGrpSpPr/>
-        <p:nvPr/>
-      </p:nvGrpSpPr>
-      <p:grpSpPr>
-        <a:xfrm>
-          <a:off x="0" y="0"/>
-          <a:ext cx="0" cy="0"/>
-          <a:chOff x="0" y="0"/>
-          <a:chExt cx="0" cy="0"/>
-        </a:xfrm>
-      </p:grpSpPr>
-      <p:sp>
-        <p:nvSpPr>
-          <p:cNvPr id="2" name="Title 1"/>
-          <p:cNvSpPr>
-            <a:spLocks noGrp="1"/>
-          </p:cNvSpPr>
-          <p:nvPr>
-            <p:ph type="title"/>
-          </p:nvPr>
-        </p:nvSpPr>
-        <p:spPr>
-          <a:xfrm>
-            <a:off x="457200" y="152718"/>
-            <a:ext cx="8003232" cy="1371600"/>
-          </a:xfrm>
-          <a:gradFill flip="none" rotWithShape="1">
-            <a:gsLst>
-              <a:gs pos="0">
-                <a:schemeClr val="bg1"/>
-              </a:gs>
-              <a:gs pos="100000">
-                <a:schemeClr val="accent3">
-                  <a:lumMod val="40000"/>
-                  <a:lumOff val="60000"/>
-                </a:schemeClr>
-              </a:gs>
-            </a:gsLst>
-            <a:lin ang="16200000" scaled="1"/>
-            <a:tileRect/>
-          </a:gradFill>
-        </p:spPr>
-        <p:txBody>
-          <a:bodyPr>
-            <a:normAutofit/>
-          </a:bodyPr>
-          <a:lstStyle/>
-          <a:p>
-            <a:r>
-              <a:rPr lang="en-US" dirty="0"/>
-              <a:t>What is an </a:t>
-            </a:r>
-            <a:r>
-              <a:rPr lang="en-US" dirty="0" smtClean="0"/>
-              <a:t>Continuous Deployment?</a:t>
-            </a:r>
-            <a:endParaRPr lang="en-US" dirty="0"/>
-          </a:p>
-        </p:txBody>
-      </p:sp>
-      <p:sp>
-        <p:nvSpPr>
-          <p:cNvPr id="3" name="Content Placeholder 2"/>
-          <p:cNvSpPr>
-            <a:spLocks noGrp="1"/>
-          </p:cNvSpPr>
-          <p:nvPr>
-            <p:ph idx="1"/>
-          </p:nvPr>
-        </p:nvSpPr>
-        <p:spPr>
-          <a:xfrm>
-            <a:off x="457200" y="1752601"/>
-            <a:ext cx="7620000" cy="2180456"/>
-          </a:xfrm>
-        </p:spPr>
-        <p:txBody>
-          <a:bodyPr/>
-          <a:lstStyle/>
-          <a:p>
-            <a:pPr indent="457200"/>
-            <a:r>
-              <a:rPr lang="en-US" b="0" dirty="0"/>
-              <a:t>Continuous </a:t>
-            </a:r>
-            <a:r>
-              <a:rPr lang="en-US" b="0" dirty="0" smtClean="0"/>
-              <a:t>deployment </a:t>
-            </a:r>
-            <a:r>
-              <a:rPr lang="en-US" b="0" dirty="0"/>
-              <a:t>is an extension of continuous </a:t>
-            </a:r>
-            <a:r>
-              <a:rPr lang="en-US" b="0" dirty="0" smtClean="0"/>
-              <a:t>integration. With </a:t>
-            </a:r>
-            <a:r>
-              <a:rPr lang="en-US" b="0" dirty="0"/>
-              <a:t>this practice, every change that passes all stages of your production pipeline is released to your customers. </a:t>
-            </a:r>
-            <a:endParaRPr lang="en-US" b="0" dirty="0" smtClean="0"/>
-          </a:p>
-          <a:p>
-            <a:pPr indent="457200"/>
-            <a:r>
-              <a:rPr lang="en-US" b="0" dirty="0" smtClean="0"/>
-              <a:t>There's </a:t>
-            </a:r>
-            <a:r>
-              <a:rPr lang="en-US" b="0" dirty="0"/>
-              <a:t>no human intervention, and only a failed test will prevent a new change to be deployed to production.</a:t>
-            </a:r>
-            <a:endParaRPr lang="en-US" dirty="0"/>
-          </a:p>
-        </p:txBody>
-      </p:sp>
-      <p:pic>
-        <p:nvPicPr>
-          <p:cNvPr id="4098" name="Picture 2" descr="Image result for Continuous Deployment"/>
-          <p:cNvPicPr>
-            <a:picLocks noChangeAspect="1" noChangeArrowheads="1"/>
-          </p:cNvPicPr>
-          <p:nvPr/>
-        </p:nvPicPr>
-        <p:blipFill>
-          <a:blip r:embed="rId3">
-            <a:extLst>
-              <a:ext uri="{28A0092B-C50C-407E-A947-70E740481C1C}">
-                <a14:useLocalDpi xmlns:a14="http://schemas.microsoft.com/office/drawing/2010/main" val="0"/>
-              </a:ext>
-            </a:extLst>
-          </a:blip>
-          <a:srcRect/>
-          <a:stretch>
-            <a:fillRect/>
-          </a:stretch>
-        </p:blipFill>
-        <p:spPr bwMode="auto">
-          <a:xfrm>
-            <a:off x="-108520" y="3861048"/>
-            <a:ext cx="4824536" cy="2753477"/>
-          </a:xfrm>
-          <a:prstGeom prst="rect">
-            <a:avLst/>
-          </a:prstGeom>
-          <a:noFill/>
-          <a:extLst>
-            <a:ext uri="{909E8E84-426E-40DD-AFC4-6F175D3DCCD1}">
-              <a14:hiddenFill xmlns:a14="http://schemas.microsoft.com/office/drawing/2010/main">
-                <a:solidFill>
-                  <a:srgbClr val="FFFFFF"/>
-                </a:solidFill>
-              </a14:hiddenFill>
-            </a:ext>
-          </a:extLst>
-        </p:spPr>
-      </p:pic>
-      <p:pic>
-        <p:nvPicPr>
-          <p:cNvPr id="6" name="Picture 2" descr="Image result for Continuous Deployment"/>
-          <p:cNvPicPr>
-            <a:picLocks noChangeAspect="1" noChangeArrowheads="1"/>
-          </p:cNvPicPr>
-          <p:nvPr/>
-        </p:nvPicPr>
-        <p:blipFill>
-          <a:blip r:embed="rId3">
-            <a:extLst>
-              <a:ext uri="{28A0092B-C50C-407E-A947-70E740481C1C}">
-                <a14:useLocalDpi xmlns:a14="http://schemas.microsoft.com/office/drawing/2010/main" val="0"/>
-              </a:ext>
-            </a:extLst>
-          </a:blip>
-          <a:srcRect/>
-          <a:stretch>
-            <a:fillRect/>
-          </a:stretch>
-        </p:blipFill>
-        <p:spPr bwMode="auto">
-          <a:xfrm>
-            <a:off x="4211960" y="4005064"/>
-            <a:ext cx="4824536" cy="2753477"/>
-          </a:xfrm>
-          <a:prstGeom prst="rect">
-            <a:avLst/>
-          </a:prstGeom>
-          <a:noFill/>
-          <a:extLst>
-            <a:ext uri="{909E8E84-426E-40DD-AFC4-6F175D3DCCD1}">
-              <a14:hiddenFill xmlns:a14="http://schemas.microsoft.com/office/drawing/2010/main">
-                <a:solidFill>
-                  <a:srgbClr val="FFFFFF"/>
-                </a:solidFill>
-              </a14:hiddenFill>
-            </a:ext>
-          </a:extLst>
-        </p:spPr>
-      </p:pic>
-    </p:spTree>
-    <p:extLst>
-      <p:ext uri="{BB962C8B-B14F-4D97-AF65-F5344CB8AC3E}">
-        <p14:creationId xmlns:p14="http://schemas.microsoft.com/office/powerpoint/2010/main" val="363347603"/>
-      </p:ext>
-    </p:extLst>
-  </p:cSld>
-  <p:clrMapOvr>
-    <a:masterClrMapping/>
-  </p:clrMapOvr>
-  <p:timing>
-    <p:tnLst>
-      <p:par>
-        <p:cTn id="1" dur="indefinite" restart="never" nodeType="tmRoot"/>
-      </p:par>
-    </p:tnLst>
-  </p:timing>
-</p:sld>
-</file>
-
-<file path=ppt/slides/slide5.xml><?xml version="1.0" encoding="utf-8"?>
-<p:sld xmlns:a="http://schemas.openxmlformats.org/drawingml/2006/main" xmlns:r="http://schemas.openxmlformats.org/officeDocument/2006/relationships" xmlns:p="http://schemas.openxmlformats.org/presentationml/2006/main">
-  <p:cSld>
-    <p:spTree>
-      <p:nvGrpSpPr>
-        <p:cNvPr id="1" name=""/>
-        <p:cNvGrpSpPr/>
-        <p:nvPr/>
-      </p:nvGrpSpPr>
-      <p:grpSpPr>
-        <a:xfrm>
-          <a:off x="0" y="0"/>
-          <a:ext cx="0" cy="0"/>
-          <a:chOff x="0" y="0"/>
-          <a:chExt cx="0" cy="0"/>
-        </a:xfrm>
-      </p:grpSpPr>
-      <p:sp>
-        <p:nvSpPr>
-          <p:cNvPr id="2" name="Title 1"/>
-          <p:cNvSpPr>
-            <a:spLocks noGrp="1"/>
-          </p:cNvSpPr>
-          <p:nvPr>
-            <p:ph type="title"/>
-          </p:nvPr>
-        </p:nvSpPr>
-        <p:spPr>
-          <a:xfrm>
-            <a:off x="457200" y="1196752"/>
-            <a:ext cx="3970784" cy="903630"/>
-          </a:xfrm>
-        </p:spPr>
-        <p:txBody>
-          <a:bodyPr>
-            <a:normAutofit/>
-          </a:bodyPr>
-          <a:lstStyle/>
-          <a:p>
-            <a:r>
-              <a:rPr lang="en-US" sz="3200" dirty="0" smtClean="0"/>
-              <a:t>What we </a:t>
-            </a:r>
-            <a:r>
-              <a:rPr lang="en-US" sz="3200" dirty="0" err="1" smtClean="0"/>
-              <a:t>neeD</a:t>
-            </a:r>
-            <a:endParaRPr lang="en-US" sz="3200" dirty="0"/>
-          </a:p>
-        </p:txBody>
-      </p:sp>
-      <p:sp>
-        <p:nvSpPr>
-          <p:cNvPr id="3" name="Content Placeholder 2"/>
-          <p:cNvSpPr>
-            <a:spLocks noGrp="1"/>
-          </p:cNvSpPr>
-          <p:nvPr>
-            <p:ph idx="1"/>
-          </p:nvPr>
-        </p:nvSpPr>
-        <p:spPr>
-          <a:xfrm>
-            <a:off x="457200" y="2328665"/>
-            <a:ext cx="3898776" cy="2468488"/>
-          </a:xfrm>
-        </p:spPr>
-        <p:style>
-          <a:lnRef idx="2">
-            <a:schemeClr val="accent5"/>
-          </a:lnRef>
-          <a:fillRef idx="1">
-            <a:schemeClr val="lt1"/>
-          </a:fillRef>
-          <a:effectRef idx="0">
-            <a:schemeClr val="accent5"/>
-          </a:effectRef>
-          <a:fontRef idx="minor">
-            <a:schemeClr val="dk1"/>
-          </a:fontRef>
-        </p:style>
-        <p:txBody>
-          <a:bodyPr>
-            <a:normAutofit/>
-          </a:bodyPr>
-          <a:lstStyle/>
-          <a:p>
-            <a:pPr marL="342900" indent="-342900" fontAlgn="base">
-              <a:buFont typeface="Arial" panose="020B0604020202020204" pitchFamily="34" charset="0"/>
-              <a:buChar char="•"/>
-            </a:pPr>
-            <a:r>
-              <a:rPr lang="en-US" sz="2400" b="0" dirty="0" smtClean="0"/>
-              <a:t>High</a:t>
-            </a:r>
-            <a:r>
-              <a:rPr lang="uk-UA" sz="2400" b="0" dirty="0" smtClean="0"/>
-              <a:t> </a:t>
-            </a:r>
-            <a:r>
-              <a:rPr lang="en-US" sz="2400" b="0" dirty="0" smtClean="0"/>
-              <a:t>quality tests</a:t>
-            </a:r>
-            <a:endParaRPr lang="en-US" sz="2400" b="0" dirty="0"/>
-          </a:p>
-          <a:p>
-            <a:pPr marL="342900" indent="-342900" fontAlgn="base">
-              <a:buFont typeface="Arial" panose="020B0604020202020204" pitchFamily="34" charset="0"/>
-              <a:buChar char="•"/>
-            </a:pPr>
-            <a:r>
-              <a:rPr lang="en-US" sz="2400" b="0" dirty="0"/>
-              <a:t>Actual </a:t>
-            </a:r>
-            <a:r>
-              <a:rPr lang="en-US" sz="2400" b="0" dirty="0" smtClean="0"/>
-              <a:t>documentation</a:t>
-            </a:r>
-            <a:endParaRPr lang="uk-UA" sz="2400" b="0" dirty="0" smtClean="0"/>
-          </a:p>
-          <a:p>
-            <a:pPr marL="342900" indent="-342900" fontAlgn="base">
-              <a:buFont typeface="Arial" panose="020B0604020202020204" pitchFamily="34" charset="0"/>
-              <a:buChar char="•"/>
-            </a:pPr>
-            <a:r>
-              <a:rPr lang="en-US" sz="2400" b="0" dirty="0" smtClean="0"/>
-              <a:t>Using </a:t>
-            </a:r>
-            <a:r>
-              <a:rPr lang="en-US" sz="2400" b="0" dirty="0"/>
-              <a:t>flag </a:t>
-            </a:r>
-            <a:r>
-              <a:rPr lang="en-US" sz="2400" b="0" dirty="0" smtClean="0"/>
-              <a:t>features</a:t>
-            </a:r>
-            <a:r>
-              <a:rPr lang="uk-UA" sz="2400" b="0" dirty="0" smtClean="0"/>
-              <a:t> </a:t>
-            </a:r>
-            <a:r>
-              <a:rPr lang="en-US" sz="2400" b="0" dirty="0" smtClean="0"/>
-              <a:t>(</a:t>
-            </a:r>
-            <a:r>
-              <a:rPr lang="en-US" sz="2400" b="0" dirty="0"/>
-              <a:t>recommended)</a:t>
-            </a:r>
-            <a:endParaRPr lang="en-US" sz="2400" b="0" dirty="0" smtClean="0"/>
-          </a:p>
-          <a:p>
-            <a:endParaRPr lang="en-US" dirty="0"/>
-          </a:p>
-        </p:txBody>
-      </p:sp>
-      <p:sp>
-        <p:nvSpPr>
-          <p:cNvPr id="4" name="Title 1"/>
-          <p:cNvSpPr txBox="1">
-            <a:spLocks/>
-          </p:cNvSpPr>
-          <p:nvPr/>
-        </p:nvSpPr>
-        <p:spPr>
-          <a:xfrm>
-            <a:off x="4751136" y="1196752"/>
-            <a:ext cx="3970784" cy="903630"/>
-          </a:xfrm>
-          <a:prstGeom prst="rect">
-            <a:avLst/>
-          </a:prstGeom>
-        </p:spPr>
-        <p:txBody>
-          <a:bodyPr vert="horz" lIns="91440" tIns="45720" rIns="91440" bIns="45720" rtlCol="0" anchor="b">
-            <a:normAutofit/>
-          </a:bodyPr>
-          <a:lstStyle>
-            <a:lvl1pPr algn="l" defTabSz="914400" rtl="0" eaLnBrk="1" latinLnBrk="0" hangingPunct="1">
-              <a:spcBef>
-                <a:spcPct val="0"/>
-              </a:spcBef>
-              <a:buNone/>
-              <a:defRPr sz="3600" kern="1200" cap="all" spc="-60" baseline="0">
-                <a:solidFill>
-                  <a:schemeClr val="tx2"/>
-                </a:solidFill>
-                <a:latin typeface="+mj-lt"/>
-                <a:ea typeface="+mj-ea"/>
-                <a:cs typeface="+mj-cs"/>
-              </a:defRPr>
-            </a:lvl1pPr>
-          </a:lstStyle>
-          <a:p>
-            <a:r>
-              <a:rPr lang="en-US" sz="3200" dirty="0" smtClean="0">
-                <a:solidFill>
-                  <a:srgbClr val="92D050"/>
-                </a:solidFill>
-              </a:rPr>
-              <a:t>What we Gain</a:t>
-            </a:r>
-            <a:endParaRPr lang="en-US" sz="3200" dirty="0">
-              <a:solidFill>
-                <a:srgbClr val="92D050"/>
-              </a:solidFill>
-            </a:endParaRPr>
-          </a:p>
-        </p:txBody>
-      </p:sp>
-      <p:sp>
-        <p:nvSpPr>
-          <p:cNvPr id="5" name="Content Placeholder 2"/>
-          <p:cNvSpPr txBox="1">
-            <a:spLocks/>
-          </p:cNvSpPr>
-          <p:nvPr/>
-        </p:nvSpPr>
-        <p:spPr>
-          <a:xfrm>
-            <a:off x="4735990" y="2335424"/>
-            <a:ext cx="3898776" cy="2448273"/>
-          </a:xfrm>
-          <a:prstGeom prst="rect">
-            <a:avLst/>
-          </a:prstGeom>
-          <a:ln>
-            <a:solidFill>
-              <a:srgbClr val="92D050"/>
-            </a:solidFill>
-          </a:ln>
-        </p:spPr>
-        <p:style>
-          <a:lnRef idx="2">
-            <a:schemeClr val="accent6"/>
-          </a:lnRef>
-          <a:fillRef idx="1">
-            <a:schemeClr val="lt1"/>
-          </a:fillRef>
-          <a:effectRef idx="0">
-            <a:schemeClr val="accent6"/>
-          </a:effectRef>
-          <a:fontRef idx="minor">
-            <a:schemeClr val="dk1"/>
-          </a:fontRef>
-        </p:style>
-        <p:txBody>
-          <a:bodyPr vert="horz" lIns="91440" tIns="45720" rIns="91440" bIns="45720" rtlCol="0">
-            <a:normAutofit/>
-          </a:bodyPr>
-          <a:lstStyle>
-            <a:lvl1pPr marL="0" indent="0" algn="l" defTabSz="914400" rtl="0" eaLnBrk="1" latinLnBrk="0" hangingPunct="1">
-              <a:spcBef>
-                <a:spcPct val="20000"/>
-              </a:spcBef>
-              <a:spcAft>
-                <a:spcPts val="600"/>
-              </a:spcAft>
-              <a:buFont typeface="Arial" pitchFamily="34" charset="0"/>
-              <a:buNone/>
-              <a:defRPr sz="2000" b="1" kern="1200">
-                <a:solidFill>
-                  <a:schemeClr val="tx1"/>
-                </a:solidFill>
-                <a:latin typeface="+mn-lt"/>
-                <a:ea typeface="+mn-ea"/>
-                <a:cs typeface="+mn-cs"/>
-              </a:defRPr>
-            </a:lvl1pPr>
-            <a:lvl2pPr marL="457200" indent="-182880" algn="l" defTabSz="914400" rtl="0" eaLnBrk="1" latinLnBrk="0" hangingPunct="1">
-              <a:spcBef>
-                <a:spcPct val="20000"/>
-              </a:spcBef>
-              <a:buClr>
-                <a:schemeClr val="tx2"/>
-              </a:buClr>
-              <a:buFont typeface="Arial" pitchFamily="34" charset="0"/>
-              <a:buChar char="•"/>
-              <a:defRPr sz="2000" kern="1200">
-                <a:solidFill>
-                  <a:schemeClr val="tx1"/>
-                </a:solidFill>
-                <a:latin typeface="+mn-lt"/>
-                <a:ea typeface="+mn-ea"/>
-                <a:cs typeface="+mn-cs"/>
-              </a:defRPr>
-            </a:lvl2pPr>
-            <a:lvl3pPr marL="1143000" indent="-228600" algn="l" defTabSz="914400" rtl="0" eaLnBrk="1" latinLnBrk="0" hangingPunct="1">
-              <a:spcBef>
-                <a:spcPct val="20000"/>
-              </a:spcBef>
-              <a:buClr>
-                <a:schemeClr val="tx2"/>
-              </a:buClr>
-              <a:buFont typeface="Arial" pitchFamily="34" charset="0"/>
-              <a:buChar char="•"/>
-              <a:defRPr sz="1800" kern="1200">
-                <a:solidFill>
-                  <a:schemeClr val="tx1"/>
-                </a:solidFill>
-                <a:latin typeface="+mn-lt"/>
-                <a:ea typeface="+mn-ea"/>
-                <a:cs typeface="+mn-cs"/>
-              </a:defRPr>
-            </a:lvl3pPr>
-            <a:lvl4pPr marL="1600200" indent="-228600" algn="l" defTabSz="914400" rtl="0" eaLnBrk="1" latinLnBrk="0" hangingPunct="1">
-              <a:spcBef>
-                <a:spcPct val="20000"/>
-              </a:spcBef>
-              <a:buClr>
-                <a:schemeClr val="tx2"/>
-              </a:buClr>
-              <a:buFont typeface="Arial" pitchFamily="34" charset="0"/>
-              <a:buChar char="•"/>
-              <a:defRPr sz="1800" kern="1200">
-                <a:solidFill>
-                  <a:schemeClr val="tx1"/>
-                </a:solidFill>
-                <a:latin typeface="+mn-lt"/>
-                <a:ea typeface="+mn-ea"/>
-                <a:cs typeface="+mn-cs"/>
-              </a:defRPr>
-            </a:lvl4pPr>
-            <a:lvl5pPr marL="2057400" indent="-228600" algn="l" defTabSz="914400" rtl="0" eaLnBrk="1" latinLnBrk="0" hangingPunct="1">
-              <a:spcBef>
-                <a:spcPct val="20000"/>
-              </a:spcBef>
-              <a:buClr>
-                <a:schemeClr val="tx2"/>
-              </a:buClr>
-              <a:buFont typeface="Arial" pitchFamily="34" charset="0"/>
-              <a:buChar char="•"/>
-              <a:defRPr sz="1800" kern="1200" baseline="0">
-                <a:solidFill>
-                  <a:schemeClr val="tx1"/>
-                </a:solidFill>
-                <a:latin typeface="+mn-lt"/>
-                <a:ea typeface="+mn-ea"/>
-                <a:cs typeface="+mn-cs"/>
-              </a:defRPr>
-            </a:lvl5pPr>
-            <a:lvl6pPr marL="2514600" indent="-228600" algn="l" defTabSz="914400" rtl="0" eaLnBrk="1" latinLnBrk="0" hangingPunct="1">
-              <a:spcBef>
-                <a:spcPct val="20000"/>
-              </a:spcBef>
-              <a:buClr>
-                <a:schemeClr val="tx2"/>
-              </a:buClr>
-              <a:buFont typeface="Arial" pitchFamily="34" charset="0"/>
-              <a:buChar char="•"/>
-              <a:defRPr sz="1600" kern="1200">
-                <a:solidFill>
-                  <a:schemeClr val="tx1"/>
-                </a:solidFill>
-                <a:latin typeface="+mn-lt"/>
-                <a:ea typeface="+mn-ea"/>
-                <a:cs typeface="+mn-cs"/>
-              </a:defRPr>
-            </a:lvl6pPr>
-            <a:lvl7pPr marL="2971800" indent="-228600" algn="l" defTabSz="914400" rtl="0" eaLnBrk="1" latinLnBrk="0" hangingPunct="1">
-              <a:spcBef>
-                <a:spcPct val="20000"/>
-              </a:spcBef>
-              <a:buClr>
-                <a:schemeClr val="tx2"/>
-              </a:buClr>
-              <a:buFont typeface="Arial" pitchFamily="34" charset="0"/>
-              <a:buChar char="•"/>
-              <a:defRPr sz="1600" kern="1200">
-                <a:solidFill>
-                  <a:schemeClr val="tx1"/>
-                </a:solidFill>
-                <a:latin typeface="+mn-lt"/>
-                <a:ea typeface="+mn-ea"/>
-                <a:cs typeface="+mn-cs"/>
-              </a:defRPr>
-            </a:lvl7pPr>
-            <a:lvl8pPr marL="3429000" indent="-228600" algn="l" defTabSz="914400" rtl="0" eaLnBrk="1" latinLnBrk="0" hangingPunct="1">
-              <a:spcBef>
-                <a:spcPct val="20000"/>
-              </a:spcBef>
-              <a:buClr>
-                <a:schemeClr val="tx2"/>
-              </a:buClr>
-              <a:buFont typeface="Arial" pitchFamily="34" charset="0"/>
-              <a:buChar char="•"/>
-              <a:defRPr sz="1600" kern="1200">
-                <a:solidFill>
-                  <a:schemeClr val="tx1"/>
-                </a:solidFill>
-                <a:latin typeface="+mn-lt"/>
-                <a:ea typeface="+mn-ea"/>
-                <a:cs typeface="+mn-cs"/>
-              </a:defRPr>
-            </a:lvl8pPr>
-            <a:lvl9pPr marL="3886200" indent="-228600" algn="l" defTabSz="914400" rtl="0" eaLnBrk="1" latinLnBrk="0" hangingPunct="1">
-              <a:spcBef>
-                <a:spcPct val="20000"/>
-              </a:spcBef>
-              <a:buClr>
-                <a:schemeClr val="tx2"/>
-              </a:buClr>
-              <a:buFont typeface="Arial" pitchFamily="34" charset="0"/>
-              <a:buChar char="•"/>
-              <a:defRPr sz="1600" kern="1200">
-                <a:solidFill>
-                  <a:schemeClr val="tx1"/>
-                </a:solidFill>
-                <a:latin typeface="+mn-lt"/>
-                <a:ea typeface="+mn-ea"/>
-                <a:cs typeface="+mn-cs"/>
-              </a:defRPr>
-            </a:lvl9pPr>
-          </a:lstStyle>
-          <a:p>
-            <a:pPr marL="342900" indent="-342900" fontAlgn="base">
-              <a:buFont typeface="Arial" panose="020B0604020202020204" pitchFamily="34" charset="0"/>
-              <a:buChar char="•"/>
-            </a:pPr>
-            <a:r>
-              <a:rPr lang="en-US" sz="2400" b="0" dirty="0" smtClean="0"/>
-              <a:t>Faster development</a:t>
-            </a:r>
-          </a:p>
-          <a:p>
-            <a:pPr marL="342900" indent="-342900" fontAlgn="base">
-              <a:buFont typeface="Arial" panose="020B0604020202020204" pitchFamily="34" charset="0"/>
-              <a:buChar char="•"/>
-            </a:pPr>
-            <a:r>
-              <a:rPr lang="en-US" sz="2400" b="0" dirty="0"/>
-              <a:t>Releases are less risky </a:t>
-            </a:r>
-            <a:endParaRPr lang="en-US" sz="2400" b="0" dirty="0" smtClean="0"/>
-          </a:p>
-          <a:p>
-            <a:pPr marL="342900" indent="-342900" fontAlgn="base">
-              <a:buFont typeface="Arial" panose="020B0604020202020204" pitchFamily="34" charset="0"/>
-              <a:buChar char="•"/>
-            </a:pPr>
-            <a:r>
-              <a:rPr lang="en-US" sz="2400" b="0" dirty="0"/>
-              <a:t>S</a:t>
-            </a:r>
-            <a:r>
-              <a:rPr lang="en-US" sz="2400" b="0" dirty="0" smtClean="0"/>
-              <a:t>atisfied </a:t>
-            </a:r>
-            <a:r>
-              <a:rPr lang="en-US" sz="2400" b="0" dirty="0"/>
-              <a:t>customer</a:t>
-            </a:r>
-            <a:endParaRPr lang="en-US" sz="2400" dirty="0"/>
-          </a:p>
-        </p:txBody>
-      </p:sp>
-      <p:sp>
-        <p:nvSpPr>
-          <p:cNvPr id="8" name="Pentagon 7"/>
-          <p:cNvSpPr/>
-          <p:nvPr/>
-        </p:nvSpPr>
-        <p:spPr>
-          <a:xfrm>
-            <a:off x="0" y="260648"/>
-            <a:ext cx="5004048" cy="648072"/>
-          </a:xfrm>
-          <a:prstGeom prst="homePlate">
-            <a:avLst/>
-          </a:prstGeom>
-        </p:spPr>
-        <p:style>
-          <a:lnRef idx="1">
-            <a:schemeClr val="accent4"/>
-          </a:lnRef>
-          <a:fillRef idx="2">
-            <a:schemeClr val="accent4"/>
-          </a:fillRef>
-          <a:effectRef idx="1">
-            <a:schemeClr val="accent4"/>
-          </a:effectRef>
-          <a:fontRef idx="minor">
-            <a:schemeClr val="dk1"/>
-          </a:fontRef>
-        </p:style>
-        <p:txBody>
-          <a:bodyPr rtlCol="0" anchor="ctr"/>
-          <a:lstStyle/>
-          <a:p>
-            <a:pPr algn="ctr"/>
-            <a:r>
-              <a:rPr lang="en-US" sz="2400" dirty="0"/>
-              <a:t>Continuous </a:t>
-            </a:r>
-            <a:r>
-              <a:rPr lang="en-US" sz="2400" dirty="0" smtClean="0"/>
-              <a:t>Deployment</a:t>
-            </a:r>
-            <a:endParaRPr lang="en-US" sz="2400" dirty="0"/>
-          </a:p>
-        </p:txBody>
-      </p:sp>
-    </p:spTree>
-    <p:extLst>
-      <p:ext uri="{BB962C8B-B14F-4D97-AF65-F5344CB8AC3E}">
-        <p14:creationId xmlns:p14="http://schemas.microsoft.com/office/powerpoint/2010/main" val="48026965"/>
-      </p:ext>
-    </p:extLst>
-  </p:cSld>
-  <p:clrMapOvr>
-    <a:masterClrMapping/>
-  </p:clrMapOvr>
-  <p:timing>
-    <p:tnLst>
-      <p:par>
-        <p:cTn id="1" dur="indefinite" restart="never" nodeType="tmRoot"/>
-      </p:par>
-    </p:tnLst>
-  </p:timing>
-</p:sld>
-</file>
-
-<file path=ppt/slides/slide6.xml><?xml version="1.0" encoding="utf-8"?>
-<p:sld xmlns:a="http://schemas.openxmlformats.org/drawingml/2006/main" xmlns:r="http://schemas.openxmlformats.org/officeDocument/2006/relationships" xmlns:p="http://schemas.openxmlformats.org/presentationml/2006/main">
-  <p:cSld>
-    <p:spTree>
-      <p:nvGrpSpPr>
-        <p:cNvPr id="1" name=""/>
-        <p:cNvGrpSpPr/>
-        <p:nvPr/>
-      </p:nvGrpSpPr>
-      <p:grpSpPr>
-        <a:xfrm>
-          <a:off x="0" y="0"/>
-          <a:ext cx="0" cy="0"/>
-          <a:chOff x="0" y="0"/>
-          <a:chExt cx="0" cy="0"/>
-        </a:xfrm>
-      </p:grpSpPr>
-      <p:sp>
-        <p:nvSpPr>
-          <p:cNvPr id="2" name="Title 1"/>
-          <p:cNvSpPr>
-            <a:spLocks noGrp="1"/>
-          </p:cNvSpPr>
-          <p:nvPr>
-            <p:ph type="title"/>
-          </p:nvPr>
-        </p:nvSpPr>
-        <p:spPr>
-          <a:xfrm>
-            <a:off x="457200" y="152718"/>
-            <a:ext cx="5791200" cy="1044034"/>
-          </a:xfrm>
-        </p:spPr>
-        <p:txBody>
-          <a:bodyPr>
-            <a:scene3d>
-              <a:camera prst="orthographicFront">
-                <a:rot lat="0" lon="0" rev="0"/>
-              </a:camera>
-              <a:lightRig rig="contrasting" dir="t">
-                <a:rot lat="0" lon="0" rev="4500000"/>
-              </a:lightRig>
-            </a:scene3d>
-            <a:sp3d contourW="6350" prstMaterial="metal">
-              <a:bevelT w="127000" h="31750" prst="relaxedInset"/>
-              <a:contourClr>
-                <a:schemeClr val="accent1">
-                  <a:shade val="75000"/>
-                </a:schemeClr>
-              </a:contourClr>
-            </a:sp3d>
-          </a:bodyPr>
-          <a:lstStyle/>
-          <a:p>
-            <a:r>
-              <a:rPr lang="en-US" b="1" spc="0" dirty="0" smtClean="0">
-                <a:ln w="0"/>
-                <a:gradFill flip="none">
-                  <a:gsLst>
-                    <a:gs pos="0">
-                      <a:schemeClr val="accent1">
-                        <a:tint val="75000"/>
-                        <a:shade val="75000"/>
-                        <a:satMod val="170000"/>
-                      </a:schemeClr>
-                    </a:gs>
-                    <a:gs pos="49000">
-                      <a:schemeClr val="accent1">
-                        <a:tint val="88000"/>
-                        <a:shade val="65000"/>
-                        <a:satMod val="172000"/>
-                      </a:schemeClr>
-                    </a:gs>
-                    <a:gs pos="50000">
-                      <a:schemeClr val="accent1">
-                        <a:shade val="65000"/>
-                        <a:satMod val="130000"/>
-                      </a:schemeClr>
-                    </a:gs>
-                    <a:gs pos="92000">
-                      <a:schemeClr val="accent1">
-                        <a:shade val="50000"/>
-                        <a:satMod val="120000"/>
-                      </a:schemeClr>
-                    </a:gs>
-                    <a:gs pos="100000">
-                      <a:schemeClr val="accent1">
-                        <a:shade val="48000"/>
-                        <a:satMod val="120000"/>
-                      </a:schemeClr>
-                    </a:gs>
-                  </a:gsLst>
-                  <a:lin ang="5400000"/>
-                </a:gradFill>
-                <a:effectLst>
-                  <a:reflection blurRad="12700" stA="50000" endPos="50000" dist="5000" dir="5400000" sy="-100000" rotWithShape="0"/>
-                </a:effectLst>
-              </a:rPr>
-              <a:t>Scheme of work</a:t>
-            </a:r>
-            <a:endParaRPr lang="en-US" b="1" spc="0" dirty="0">
-              <a:ln w="0"/>
-              <a:gradFill flip="none">
-                <a:gsLst>
-                  <a:gs pos="0">
-                    <a:schemeClr val="accent1">
-                      <a:tint val="75000"/>
-                      <a:shade val="75000"/>
-                      <a:satMod val="170000"/>
-                    </a:schemeClr>
-                  </a:gs>
-                  <a:gs pos="49000">
-                    <a:schemeClr val="accent1">
-                      <a:tint val="88000"/>
-                      <a:shade val="65000"/>
-                      <a:satMod val="172000"/>
-                    </a:schemeClr>
-                  </a:gs>
-                  <a:gs pos="50000">
-                    <a:schemeClr val="accent1">
-                      <a:shade val="65000"/>
-                      <a:satMod val="130000"/>
-                    </a:schemeClr>
-                  </a:gs>
-                  <a:gs pos="92000">
-                    <a:schemeClr val="accent1">
-                      <a:shade val="50000"/>
-                      <a:satMod val="120000"/>
-                    </a:schemeClr>
-                  </a:gs>
-                  <a:gs pos="100000">
-                    <a:schemeClr val="accent1">
-                      <a:shade val="48000"/>
-                      <a:satMod val="120000"/>
-                    </a:schemeClr>
-                  </a:gs>
-                </a:gsLst>
-                <a:lin ang="5400000"/>
-              </a:gradFill>
-              <a:effectLst>
-                <a:reflection blurRad="12700" stA="50000" endPos="50000" dist="5000" dir="5400000" sy="-100000" rotWithShape="0"/>
-              </a:effectLst>
-            </a:endParaRPr>
-          </a:p>
-        </p:txBody>
-      </p:sp>
-      <p:pic>
-        <p:nvPicPr>
-          <p:cNvPr id="2050" name="Picture 2" descr="Image result for Continuous integration"/>
-          <p:cNvPicPr>
-            <a:picLocks noChangeAspect="1" noChangeArrowheads="1"/>
-          </p:cNvPicPr>
-          <p:nvPr/>
-        </p:nvPicPr>
-        <p:blipFill>
-          <a:blip r:embed="rId2">
-            <a:extLst>
-              <a:ext uri="{28A0092B-C50C-407E-A947-70E740481C1C}">
-                <a14:useLocalDpi xmlns:a14="http://schemas.microsoft.com/office/drawing/2010/main" val="0"/>
-              </a:ext>
-            </a:extLst>
-          </a:blip>
-          <a:srcRect/>
-          <a:stretch>
-            <a:fillRect/>
-          </a:stretch>
-        </p:blipFill>
-        <p:spPr bwMode="auto">
-          <a:xfrm>
-            <a:off x="467544" y="1882552"/>
-            <a:ext cx="8105775" cy="4610100"/>
-          </a:xfrm>
-          <a:prstGeom prst="rect">
-            <a:avLst/>
-          </a:prstGeom>
-          <a:noFill/>
-          <a:extLst>
-            <a:ext uri="{909E8E84-426E-40DD-AFC4-6F175D3DCCD1}">
-              <a14:hiddenFill xmlns:a14="http://schemas.microsoft.com/office/drawing/2010/main">
-                <a:solidFill>
-                  <a:srgbClr val="FFFFFF"/>
-                </a:solidFill>
-              </a14:hiddenFill>
-            </a:ext>
-          </a:extLst>
-        </p:spPr>
-      </p:pic>
-    </p:spTree>
-    <p:extLst>
-      <p:ext uri="{BB962C8B-B14F-4D97-AF65-F5344CB8AC3E}">
-        <p14:creationId xmlns:p14="http://schemas.microsoft.com/office/powerpoint/2010/main" val="1500014617"/>
-      </p:ext>
-    </p:extLst>
-  </p:cSld>
-  <p:clrMapOvr>
-    <a:masterClrMapping/>
-  </p:clrMapOvr>
-  <p:timing>
-    <p:tnLst>
-      <p:par>
-        <p:cTn id="1" dur="indefinite" restart="never" nodeType="tmRoot"/>
-      </p:par>
-    </p:tnLst>
-  </p:timing>
-</p:sld>
-</file>
-
-<file path=ppt/slides/slide7.xml><?xml version="1.0" encoding="utf-8"?>
+<file path=ppt/slides/slide10.xml><?xml version="1.0" encoding="utf-8"?>
 <p:sld xmlns:a="http://schemas.openxmlformats.org/drawingml/2006/main" xmlns:r="http://schemas.openxmlformats.org/officeDocument/2006/relationships" xmlns:p="http://schemas.openxmlformats.org/presentationml/2006/main">
   <p:cSld>
     <p:spTree>
@@ -6619,6 +5833,3893 @@
     <p:bldLst>
       <p:bldP spid="4" grpId="0" animBg="1"/>
     </p:bldLst>
+  </p:timing>
+</p:sld>
+</file>
+
+<file path=ppt/slides/slide11.xml><?xml version="1.0" encoding="utf-8"?>
+<p:sld xmlns:a="http://schemas.openxmlformats.org/drawingml/2006/main" xmlns:r="http://schemas.openxmlformats.org/officeDocument/2006/relationships" xmlns:p="http://schemas.openxmlformats.org/presentationml/2006/main">
+  <p:cSld>
+    <p:spTree>
+      <p:nvGrpSpPr>
+        <p:cNvPr id="1" name=""/>
+        <p:cNvGrpSpPr/>
+        <p:nvPr/>
+      </p:nvGrpSpPr>
+      <p:grpSpPr>
+        <a:xfrm>
+          <a:off x="0" y="0"/>
+          <a:ext cx="0" cy="0"/>
+          <a:chOff x="0" y="0"/>
+          <a:chExt cx="0" cy="0"/>
+        </a:xfrm>
+      </p:grpSpPr>
+      <p:sp>
+        <p:nvSpPr>
+          <p:cNvPr id="2" name="Title 1"/>
+          <p:cNvSpPr>
+            <a:spLocks noGrp="1"/>
+          </p:cNvSpPr>
+          <p:nvPr>
+            <p:ph type="title"/>
+          </p:nvPr>
+        </p:nvSpPr>
+        <p:spPr>
+          <a:xfrm>
+            <a:off x="467544" y="332656"/>
+            <a:ext cx="8147248" cy="903630"/>
+          </a:xfrm>
+        </p:spPr>
+        <p:txBody>
+          <a:bodyPr>
+            <a:normAutofit/>
+          </a:bodyPr>
+          <a:lstStyle/>
+          <a:p>
+            <a:r>
+              <a:rPr lang="en-US" cap="none" spc="0" dirty="0" err="1" smtClean="0">
+                <a:ln>
+                  <a:solidFill>
+                    <a:schemeClr val="tx1"/>
+                  </a:solidFill>
+                </a:ln>
+                <a:solidFill>
+                  <a:srgbClr val="00B0F0"/>
+                </a:solidFill>
+              </a:rPr>
+              <a:t>Blue</a:t>
+            </a:r>
+            <a:r>
+              <a:rPr lang="en-US" cap="none" spc="0" dirty="0" err="1" smtClean="0">
+                <a:ln>
+                  <a:solidFill>
+                    <a:schemeClr val="tx1"/>
+                  </a:solidFill>
+                </a:ln>
+                <a:solidFill>
+                  <a:srgbClr val="00FF99"/>
+                </a:solidFill>
+              </a:rPr>
+              <a:t>Green</a:t>
+            </a:r>
+            <a:r>
+              <a:rPr lang="en-US" cap="none" spc="0" dirty="0" err="1" smtClean="0">
+                <a:solidFill>
+                  <a:schemeClr val="tx1"/>
+                </a:solidFill>
+              </a:rPr>
+              <a:t>Deployment</a:t>
+            </a:r>
+            <a:endParaRPr lang="en-US" cap="none" spc="0" dirty="0">
+              <a:solidFill>
+                <a:schemeClr val="tx1"/>
+              </a:solidFill>
+            </a:endParaRPr>
+          </a:p>
+        </p:txBody>
+      </p:sp>
+      <p:sp>
+        <p:nvSpPr>
+          <p:cNvPr id="3" name="Content Placeholder 2"/>
+          <p:cNvSpPr>
+            <a:spLocks noGrp="1"/>
+          </p:cNvSpPr>
+          <p:nvPr>
+            <p:ph idx="1"/>
+          </p:nvPr>
+        </p:nvSpPr>
+        <p:spPr>
+          <a:xfrm>
+            <a:off x="539552" y="1484784"/>
+            <a:ext cx="8363272" cy="596279"/>
+          </a:xfrm>
+        </p:spPr>
+        <p:txBody>
+          <a:bodyPr/>
+          <a:lstStyle/>
+          <a:p>
+            <a:r>
+              <a:rPr lang="en-US" dirty="0" smtClean="0"/>
+              <a:t>For what? </a:t>
+            </a:r>
+            <a:r>
+              <a:rPr lang="en-US" b="0" dirty="0" smtClean="0"/>
+              <a:t>To minimize a downtime </a:t>
+            </a:r>
+            <a:r>
+              <a:rPr lang="en-US" b="0" dirty="0"/>
+              <a:t>and the risk of deployment </a:t>
+            </a:r>
+            <a:r>
+              <a:rPr lang="en-US" b="0" dirty="0" smtClean="0"/>
+              <a:t>failure.</a:t>
+            </a:r>
+            <a:endParaRPr lang="en-US" dirty="0"/>
+          </a:p>
+        </p:txBody>
+      </p:sp>
+      <p:sp>
+        <p:nvSpPr>
+          <p:cNvPr id="4" name="TextBox 3"/>
+          <p:cNvSpPr txBox="1"/>
+          <p:nvPr/>
+        </p:nvSpPr>
+        <p:spPr>
+          <a:xfrm>
+            <a:off x="561819" y="2132856"/>
+            <a:ext cx="2520280" cy="369332"/>
+          </a:xfrm>
+          <a:prstGeom prst="rect">
+            <a:avLst/>
+          </a:prstGeom>
+          <a:noFill/>
+        </p:spPr>
+        <p:txBody>
+          <a:bodyPr wrap="square" rtlCol="0">
+            <a:spAutoFit/>
+          </a:bodyPr>
+          <a:lstStyle/>
+          <a:p>
+            <a:r>
+              <a:rPr lang="en-US" b="1" dirty="0" smtClean="0"/>
+              <a:t>Problem resolving:</a:t>
+            </a:r>
+            <a:endParaRPr lang="en-US" b="1" dirty="0"/>
+          </a:p>
+        </p:txBody>
+      </p:sp>
+      <p:pic>
+        <p:nvPicPr>
+          <p:cNvPr id="1026" name="Picture 2" descr="https://martinfowler.com/bliki/images/canaryRelease/canary-release-1.png"/>
+          <p:cNvPicPr>
+            <a:picLocks noChangeAspect="1" noChangeArrowheads="1"/>
+          </p:cNvPicPr>
+          <p:nvPr/>
+        </p:nvPicPr>
+        <p:blipFill>
+          <a:blip r:embed="rId3">
+            <a:extLst>
+              <a:ext uri="{28A0092B-C50C-407E-A947-70E740481C1C}">
+                <a14:useLocalDpi xmlns:a14="http://schemas.microsoft.com/office/drawing/2010/main" val="0"/>
+              </a:ext>
+            </a:extLst>
+          </a:blip>
+          <a:srcRect/>
+          <a:stretch>
+            <a:fillRect/>
+          </a:stretch>
+        </p:blipFill>
+        <p:spPr bwMode="auto">
+          <a:xfrm>
+            <a:off x="561819" y="2924944"/>
+            <a:ext cx="8513906" cy="3015044"/>
+          </a:xfrm>
+          <a:prstGeom prst="rect">
+            <a:avLst/>
+          </a:prstGeom>
+          <a:noFill/>
+          <a:extLst>
+            <a:ext uri="{909E8E84-426E-40DD-AFC4-6F175D3DCCD1}">
+              <a14:hiddenFill xmlns:a14="http://schemas.microsoft.com/office/drawing/2010/main">
+                <a:solidFill>
+                  <a:srgbClr val="FFFFFF"/>
+                </a:solidFill>
+              </a14:hiddenFill>
+            </a:ext>
+          </a:extLst>
+        </p:spPr>
+      </p:pic>
+    </p:spTree>
+    <p:extLst>
+      <p:ext uri="{BB962C8B-B14F-4D97-AF65-F5344CB8AC3E}">
+        <p14:creationId xmlns:p14="http://schemas.microsoft.com/office/powerpoint/2010/main" val="341184001"/>
+      </p:ext>
+    </p:extLst>
+  </p:cSld>
+  <p:clrMapOvr>
+    <a:masterClrMapping/>
+  </p:clrMapOvr>
+  <p:timing>
+    <p:tnLst>
+      <p:par>
+        <p:cTn id="1" dur="indefinite" restart="never" nodeType="tmRoot"/>
+      </p:par>
+    </p:tnLst>
+  </p:timing>
+</p:sld>
+</file>
+
+<file path=ppt/slides/slide12.xml><?xml version="1.0" encoding="utf-8"?>
+<p:sld xmlns:a="http://schemas.openxmlformats.org/drawingml/2006/main" xmlns:r="http://schemas.openxmlformats.org/officeDocument/2006/relationships" xmlns:p="http://schemas.openxmlformats.org/presentationml/2006/main">
+  <p:cSld>
+    <p:spTree>
+      <p:nvGrpSpPr>
+        <p:cNvPr id="1" name=""/>
+        <p:cNvGrpSpPr/>
+        <p:nvPr/>
+      </p:nvGrpSpPr>
+      <p:grpSpPr>
+        <a:xfrm>
+          <a:off x="0" y="0"/>
+          <a:ext cx="0" cy="0"/>
+          <a:chOff x="0" y="0"/>
+          <a:chExt cx="0" cy="0"/>
+        </a:xfrm>
+      </p:grpSpPr>
+      <p:sp>
+        <p:nvSpPr>
+          <p:cNvPr id="2" name="Title 1"/>
+          <p:cNvSpPr>
+            <a:spLocks noGrp="1"/>
+          </p:cNvSpPr>
+          <p:nvPr>
+            <p:ph type="title"/>
+          </p:nvPr>
+        </p:nvSpPr>
+        <p:spPr>
+          <a:xfrm>
+            <a:off x="2965790" y="116632"/>
+            <a:ext cx="5067488" cy="900018"/>
+          </a:xfrm>
+        </p:spPr>
+        <p:txBody>
+          <a:bodyPr/>
+          <a:lstStyle/>
+          <a:p>
+            <a:r>
+              <a:rPr lang="en-US" cap="none" spc="0" dirty="0" smtClean="0">
+                <a:ln>
+                  <a:solidFill>
+                    <a:schemeClr val="tx1"/>
+                  </a:solidFill>
+                </a:ln>
+                <a:solidFill>
+                  <a:srgbClr val="FFFF00"/>
+                </a:solidFill>
+              </a:rPr>
+              <a:t>Canary</a:t>
+            </a:r>
+            <a:r>
+              <a:rPr lang="en-US" cap="none" spc="0" dirty="0" smtClean="0">
+                <a:solidFill>
+                  <a:srgbClr val="FFFF00"/>
+                </a:solidFill>
+              </a:rPr>
+              <a:t> </a:t>
+            </a:r>
+            <a:r>
+              <a:rPr lang="en-US" cap="none" spc="0" dirty="0" smtClean="0">
+                <a:solidFill>
+                  <a:schemeClr val="tx1"/>
+                </a:solidFill>
+              </a:rPr>
+              <a:t>release</a:t>
+            </a:r>
+            <a:endParaRPr lang="en-US" cap="none" spc="0" dirty="0">
+              <a:solidFill>
+                <a:schemeClr val="tx1"/>
+              </a:solidFill>
+            </a:endParaRPr>
+          </a:p>
+        </p:txBody>
+      </p:sp>
+      <p:pic>
+        <p:nvPicPr>
+          <p:cNvPr id="2050" name="Picture 2" descr="Image result for canary"/>
+          <p:cNvPicPr>
+            <a:picLocks noChangeAspect="1" noChangeArrowheads="1" noCrop="1"/>
+          </p:cNvPicPr>
+          <p:nvPr/>
+        </p:nvPicPr>
+        <p:blipFill>
+          <a:blip r:embed="rId3" cstate="print">
+            <a:extLst>
+              <a:ext uri="{28A0092B-C50C-407E-A947-70E740481C1C}">
+                <a14:useLocalDpi xmlns:a14="http://schemas.microsoft.com/office/drawing/2010/main" val="0"/>
+              </a:ext>
+            </a:extLst>
+          </a:blip>
+          <a:srcRect/>
+          <a:stretch>
+            <a:fillRect/>
+          </a:stretch>
+        </p:blipFill>
+        <p:spPr bwMode="auto">
+          <a:xfrm>
+            <a:off x="0" y="-2"/>
+            <a:ext cx="2830347" cy="2721297"/>
+          </a:xfrm>
+          <a:prstGeom prst="rect">
+            <a:avLst/>
+          </a:prstGeom>
+          <a:noFill/>
+          <a:extLst>
+            <a:ext uri="{909E8E84-426E-40DD-AFC4-6F175D3DCCD1}">
+              <a14:hiddenFill xmlns:a14="http://schemas.microsoft.com/office/drawing/2010/main">
+                <a:solidFill>
+                  <a:srgbClr val="FFFFFF"/>
+                </a:solidFill>
+              </a14:hiddenFill>
+            </a:ext>
+          </a:extLst>
+        </p:spPr>
+      </p:pic>
+      <p:sp>
+        <p:nvSpPr>
+          <p:cNvPr id="3" name="Content Placeholder 2"/>
+          <p:cNvSpPr>
+            <a:spLocks noGrp="1"/>
+          </p:cNvSpPr>
+          <p:nvPr>
+            <p:ph idx="1"/>
+          </p:nvPr>
+        </p:nvSpPr>
+        <p:spPr>
+          <a:xfrm>
+            <a:off x="1331640" y="1752601"/>
+            <a:ext cx="6745560" cy="1244352"/>
+          </a:xfrm>
+        </p:spPr>
+        <p:txBody>
+          <a:bodyPr/>
+          <a:lstStyle/>
+          <a:p>
+            <a:r>
+              <a:rPr lang="en-US" dirty="0" smtClean="0"/>
+              <a:t>For what? </a:t>
+            </a:r>
+            <a:r>
+              <a:rPr lang="en-US" b="0" dirty="0" smtClean="0"/>
+              <a:t>To</a:t>
+            </a:r>
+            <a:r>
+              <a:rPr lang="en-US" dirty="0" smtClean="0"/>
+              <a:t> </a:t>
+            </a:r>
+            <a:r>
+              <a:rPr lang="en-US" b="0" dirty="0" smtClean="0"/>
+              <a:t>reduce </a:t>
+            </a:r>
+            <a:r>
+              <a:rPr lang="en-US" b="0" dirty="0"/>
+              <a:t>the risk of introducing a new software version in </a:t>
+            </a:r>
+            <a:r>
+              <a:rPr lang="en-US" b="0" dirty="0" smtClean="0"/>
+              <a:t>production.</a:t>
+            </a:r>
+          </a:p>
+          <a:p>
+            <a:r>
+              <a:rPr lang="en-US" dirty="0" smtClean="0"/>
+              <a:t>Problem resolving:</a:t>
+            </a:r>
+            <a:endParaRPr lang="en-US" dirty="0"/>
+          </a:p>
+        </p:txBody>
+      </p:sp>
+      <p:pic>
+        <p:nvPicPr>
+          <p:cNvPr id="2052" name="Picture 4" descr="https://martinfowler.com/bliki/images/canaryRelease/canary-release-2.png"/>
+          <p:cNvPicPr>
+            <a:picLocks noChangeAspect="1" noChangeArrowheads="1"/>
+          </p:cNvPicPr>
+          <p:nvPr/>
+        </p:nvPicPr>
+        <p:blipFill>
+          <a:blip r:embed="rId4">
+            <a:extLst>
+              <a:ext uri="{28A0092B-C50C-407E-A947-70E740481C1C}">
+                <a14:useLocalDpi xmlns:a14="http://schemas.microsoft.com/office/drawing/2010/main" val="0"/>
+              </a:ext>
+            </a:extLst>
+          </a:blip>
+          <a:srcRect/>
+          <a:stretch>
+            <a:fillRect/>
+          </a:stretch>
+        </p:blipFill>
+        <p:spPr bwMode="auto">
+          <a:xfrm>
+            <a:off x="1187624" y="3140968"/>
+            <a:ext cx="7759194" cy="2747777"/>
+          </a:xfrm>
+          <a:prstGeom prst="rect">
+            <a:avLst/>
+          </a:prstGeom>
+          <a:noFill/>
+          <a:extLst>
+            <a:ext uri="{909E8E84-426E-40DD-AFC4-6F175D3DCCD1}">
+              <a14:hiddenFill xmlns:a14="http://schemas.microsoft.com/office/drawing/2010/main">
+                <a:solidFill>
+                  <a:srgbClr val="FFFFFF"/>
+                </a:solidFill>
+              </a14:hiddenFill>
+            </a:ext>
+          </a:extLst>
+        </p:spPr>
+      </p:pic>
+    </p:spTree>
+    <p:extLst>
+      <p:ext uri="{BB962C8B-B14F-4D97-AF65-F5344CB8AC3E}">
+        <p14:creationId xmlns:p14="http://schemas.microsoft.com/office/powerpoint/2010/main" val="4005913224"/>
+      </p:ext>
+    </p:extLst>
+  </p:cSld>
+  <p:clrMapOvr>
+    <a:masterClrMapping/>
+  </p:clrMapOvr>
+  <p:timing>
+    <p:tnLst>
+      <p:par>
+        <p:cTn id="1" dur="indefinite" restart="never" nodeType="tmRoot"/>
+      </p:par>
+    </p:tnLst>
+  </p:timing>
+</p:sld>
+</file>
+
+<file path=ppt/slides/slide13.xml><?xml version="1.0" encoding="utf-8"?>
+<p:sld xmlns:a="http://schemas.openxmlformats.org/drawingml/2006/main" xmlns:r="http://schemas.openxmlformats.org/officeDocument/2006/relationships" xmlns:p="http://schemas.openxmlformats.org/presentationml/2006/main">
+  <p:cSld>
+    <p:spTree>
+      <p:nvGrpSpPr>
+        <p:cNvPr id="1" name=""/>
+        <p:cNvGrpSpPr/>
+        <p:nvPr/>
+      </p:nvGrpSpPr>
+      <p:grpSpPr>
+        <a:xfrm>
+          <a:off x="0" y="0"/>
+          <a:ext cx="0" cy="0"/>
+          <a:chOff x="0" y="0"/>
+          <a:chExt cx="0" cy="0"/>
+        </a:xfrm>
+      </p:grpSpPr>
+      <p:sp>
+        <p:nvSpPr>
+          <p:cNvPr id="2" name="Title 1"/>
+          <p:cNvSpPr>
+            <a:spLocks noGrp="1"/>
+          </p:cNvSpPr>
+          <p:nvPr>
+            <p:ph type="title"/>
+          </p:nvPr>
+        </p:nvSpPr>
+        <p:spPr>
+          <a:xfrm>
+            <a:off x="395536" y="332656"/>
+            <a:ext cx="5791200" cy="648072"/>
+          </a:xfrm>
+        </p:spPr>
+        <p:txBody>
+          <a:bodyPr>
+            <a:prstTxWarp prst="textInflate">
+              <a:avLst/>
+            </a:prstTxWarp>
+            <a:normAutofit/>
+          </a:bodyPr>
+          <a:lstStyle/>
+          <a:p>
+            <a:r>
+              <a:rPr lang="en-US" cap="none" spc="0" dirty="0" smtClean="0">
+                <a:solidFill>
+                  <a:schemeClr val="tx1"/>
+                </a:solidFill>
+              </a:rPr>
+              <a:t>Chaos </a:t>
+            </a:r>
+            <a:r>
+              <a:rPr lang="en-US" cap="none" spc="0" dirty="0" smtClean="0">
+                <a:ln>
+                  <a:solidFill>
+                    <a:schemeClr val="tx1"/>
+                  </a:solidFill>
+                </a:ln>
+                <a:solidFill>
+                  <a:srgbClr val="CC6600"/>
+                </a:solidFill>
+              </a:rPr>
+              <a:t>Monkey</a:t>
+            </a:r>
+            <a:endParaRPr lang="en-US" cap="none" spc="0" dirty="0">
+              <a:ln>
+                <a:solidFill>
+                  <a:schemeClr val="tx1"/>
+                </a:solidFill>
+              </a:ln>
+              <a:solidFill>
+                <a:srgbClr val="CC6600"/>
+              </a:solidFill>
+            </a:endParaRPr>
+          </a:p>
+        </p:txBody>
+      </p:sp>
+      <p:sp>
+        <p:nvSpPr>
+          <p:cNvPr id="3" name="Content Placeholder 2"/>
+          <p:cNvSpPr>
+            <a:spLocks noGrp="1"/>
+          </p:cNvSpPr>
+          <p:nvPr>
+            <p:ph idx="1"/>
+          </p:nvPr>
+        </p:nvSpPr>
+        <p:spPr>
+          <a:xfrm>
+            <a:off x="416346" y="3212976"/>
+            <a:ext cx="7620000" cy="2736304"/>
+          </a:xfrm>
+        </p:spPr>
+        <p:txBody>
+          <a:bodyPr>
+            <a:normAutofit/>
+          </a:bodyPr>
+          <a:lstStyle/>
+          <a:p>
+            <a:r>
+              <a:rPr lang="en-US" dirty="0" smtClean="0"/>
+              <a:t>For what? </a:t>
+            </a:r>
+            <a:r>
+              <a:rPr lang="en-US" b="0" dirty="0" smtClean="0"/>
+              <a:t>To prevent</a:t>
+            </a:r>
+            <a:r>
+              <a:rPr lang="en-US" b="0" dirty="0"/>
+              <a:t> major unexpected </a:t>
+            </a:r>
+            <a:r>
+              <a:rPr lang="en-US" b="0" dirty="0" smtClean="0"/>
+              <a:t>failures.</a:t>
+            </a:r>
+          </a:p>
+          <a:p>
+            <a:endParaRPr lang="en-US" b="0" dirty="0" smtClean="0"/>
+          </a:p>
+          <a:p>
+            <a:r>
+              <a:rPr lang="en-US" dirty="0"/>
+              <a:t>Where? </a:t>
+            </a:r>
+            <a:r>
+              <a:rPr lang="en-US" b="0" dirty="0" smtClean="0"/>
+              <a:t>Amazon Web Services.</a:t>
+            </a:r>
+            <a:endParaRPr lang="en-US" b="0" dirty="0"/>
+          </a:p>
+          <a:p>
+            <a:endParaRPr lang="en-US" b="0" dirty="0"/>
+          </a:p>
+          <a:p>
+            <a:r>
+              <a:rPr lang="en-US" dirty="0"/>
+              <a:t>Problem resolving: </a:t>
+            </a:r>
+            <a:r>
+              <a:rPr lang="en-US" b="0" dirty="0"/>
+              <a:t>to simulate failures in a real environment and to check that the computer system continues to work</a:t>
+            </a:r>
+            <a:r>
+              <a:rPr lang="en-US" b="0" dirty="0" smtClean="0"/>
+              <a:t>.</a:t>
+            </a:r>
+          </a:p>
+          <a:p>
+            <a:endParaRPr lang="en-US" b="0" dirty="0"/>
+          </a:p>
+          <a:p>
+            <a:endParaRPr lang="en-US" b="0" dirty="0"/>
+          </a:p>
+        </p:txBody>
+      </p:sp>
+      <p:pic>
+        <p:nvPicPr>
+          <p:cNvPr id="3074" name="Picture 2" descr="Image result for chaos monkey"/>
+          <p:cNvPicPr>
+            <a:picLocks noChangeAspect="1" noChangeArrowheads="1"/>
+          </p:cNvPicPr>
+          <p:nvPr/>
+        </p:nvPicPr>
+        <p:blipFill>
+          <a:blip r:embed="rId3">
+            <a:extLst>
+              <a:ext uri="{28A0092B-C50C-407E-A947-70E740481C1C}">
+                <a14:useLocalDpi xmlns:a14="http://schemas.microsoft.com/office/drawing/2010/main" val="0"/>
+              </a:ext>
+            </a:extLst>
+          </a:blip>
+          <a:srcRect/>
+          <a:stretch>
+            <a:fillRect/>
+          </a:stretch>
+        </p:blipFill>
+        <p:spPr bwMode="auto">
+          <a:xfrm>
+            <a:off x="395536" y="1124744"/>
+            <a:ext cx="8280920" cy="1874214"/>
+          </a:xfrm>
+          <a:prstGeom prst="rect">
+            <a:avLst/>
+          </a:prstGeom>
+          <a:noFill/>
+          <a:extLst>
+            <a:ext uri="{909E8E84-426E-40DD-AFC4-6F175D3DCCD1}">
+              <a14:hiddenFill xmlns:a14="http://schemas.microsoft.com/office/drawing/2010/main">
+                <a:solidFill>
+                  <a:srgbClr val="FFFFFF"/>
+                </a:solidFill>
+              </a14:hiddenFill>
+            </a:ext>
+          </a:extLst>
+        </p:spPr>
+      </p:pic>
+    </p:spTree>
+    <p:extLst>
+      <p:ext uri="{BB962C8B-B14F-4D97-AF65-F5344CB8AC3E}">
+        <p14:creationId xmlns:p14="http://schemas.microsoft.com/office/powerpoint/2010/main" val="2768389229"/>
+      </p:ext>
+    </p:extLst>
+  </p:cSld>
+  <p:clrMapOvr>
+    <a:masterClrMapping/>
+  </p:clrMapOvr>
+  <p:timing>
+    <p:tnLst>
+      <p:par>
+        <p:cTn id="1" dur="indefinite" restart="never" nodeType="tmRoot"/>
+      </p:par>
+    </p:tnLst>
+  </p:timing>
+</p:sld>
+</file>
+
+<file path=ppt/slides/slide14.xml><?xml version="1.0" encoding="utf-8"?>
+<p:sld xmlns:a="http://schemas.openxmlformats.org/drawingml/2006/main" xmlns:r="http://schemas.openxmlformats.org/officeDocument/2006/relationships" xmlns:p="http://schemas.openxmlformats.org/presentationml/2006/main">
+  <p:cSld>
+    <p:bg>
+      <p:bgPr>
+        <a:blipFill dpi="0" rotWithShape="1">
+          <a:blip r:embed="rId2">
+            <a:lum/>
+          </a:blip>
+          <a:srcRect/>
+          <a:stretch>
+            <a:fillRect l="-4000" r="-4000"/>
+          </a:stretch>
+        </a:blipFill>
+        <a:effectLst/>
+      </p:bgPr>
+    </p:bg>
+    <p:spTree>
+      <p:nvGrpSpPr>
+        <p:cNvPr id="1" name=""/>
+        <p:cNvGrpSpPr/>
+        <p:nvPr/>
+      </p:nvGrpSpPr>
+      <p:grpSpPr>
+        <a:xfrm>
+          <a:off x="0" y="0"/>
+          <a:ext cx="0" cy="0"/>
+          <a:chOff x="0" y="0"/>
+          <a:chExt cx="0" cy="0"/>
+        </a:xfrm>
+      </p:grpSpPr>
+      <p:sp>
+        <p:nvSpPr>
+          <p:cNvPr id="4" name="5-Point Star 3"/>
+          <p:cNvSpPr/>
+          <p:nvPr/>
+        </p:nvSpPr>
+        <p:spPr>
+          <a:xfrm>
+            <a:off x="6180219" y="4552862"/>
+            <a:ext cx="408005" cy="388306"/>
+          </a:xfrm>
+          <a:prstGeom prst="star5">
+            <a:avLst/>
+          </a:prstGeom>
+        </p:spPr>
+        <p:style>
+          <a:lnRef idx="2">
+            <a:schemeClr val="accent2">
+              <a:shade val="50000"/>
+            </a:schemeClr>
+          </a:lnRef>
+          <a:fillRef idx="1">
+            <a:schemeClr val="accent2"/>
+          </a:fillRef>
+          <a:effectRef idx="0">
+            <a:schemeClr val="accent2"/>
+          </a:effectRef>
+          <a:fontRef idx="minor">
+            <a:schemeClr val="lt1"/>
+          </a:fontRef>
+        </p:style>
+        <p:txBody>
+          <a:bodyPr rtlCol="0" anchor="ctr"/>
+          <a:lstStyle/>
+          <a:p>
+            <a:pPr algn="ctr"/>
+            <a:endParaRPr lang="en-US"/>
+          </a:p>
+        </p:txBody>
+      </p:sp>
+      <p:sp>
+        <p:nvSpPr>
+          <p:cNvPr id="5" name="5-Point Star 4"/>
+          <p:cNvSpPr/>
+          <p:nvPr/>
+        </p:nvSpPr>
+        <p:spPr>
+          <a:xfrm>
+            <a:off x="1547664" y="404664"/>
+            <a:ext cx="576064" cy="576064"/>
+          </a:xfrm>
+          <a:prstGeom prst="star5">
+            <a:avLst/>
+          </a:prstGeom>
+        </p:spPr>
+        <p:style>
+          <a:lnRef idx="2">
+            <a:schemeClr val="accent2">
+              <a:shade val="50000"/>
+            </a:schemeClr>
+          </a:lnRef>
+          <a:fillRef idx="1">
+            <a:schemeClr val="accent2"/>
+          </a:fillRef>
+          <a:effectRef idx="0">
+            <a:schemeClr val="accent2"/>
+          </a:effectRef>
+          <a:fontRef idx="minor">
+            <a:schemeClr val="lt1"/>
+          </a:fontRef>
+        </p:style>
+        <p:txBody>
+          <a:bodyPr rtlCol="0" anchor="ctr"/>
+          <a:lstStyle/>
+          <a:p>
+            <a:pPr algn="ctr"/>
+            <a:endParaRPr lang="en-US"/>
+          </a:p>
+        </p:txBody>
+      </p:sp>
+      <p:sp>
+        <p:nvSpPr>
+          <p:cNvPr id="6" name="5-Point Star 5"/>
+          <p:cNvSpPr/>
+          <p:nvPr/>
+        </p:nvSpPr>
+        <p:spPr>
+          <a:xfrm>
+            <a:off x="7380312" y="980728"/>
+            <a:ext cx="576064" cy="576064"/>
+          </a:xfrm>
+          <a:prstGeom prst="star5">
+            <a:avLst/>
+          </a:prstGeom>
+        </p:spPr>
+        <p:style>
+          <a:lnRef idx="2">
+            <a:schemeClr val="accent2">
+              <a:shade val="50000"/>
+            </a:schemeClr>
+          </a:lnRef>
+          <a:fillRef idx="1">
+            <a:schemeClr val="accent2"/>
+          </a:fillRef>
+          <a:effectRef idx="0">
+            <a:schemeClr val="accent2"/>
+          </a:effectRef>
+          <a:fontRef idx="minor">
+            <a:schemeClr val="lt1"/>
+          </a:fontRef>
+        </p:style>
+        <p:txBody>
+          <a:bodyPr rtlCol="0" anchor="ctr"/>
+          <a:lstStyle/>
+          <a:p>
+            <a:pPr algn="ctr"/>
+            <a:endParaRPr lang="en-US"/>
+          </a:p>
+        </p:txBody>
+      </p:sp>
+      <p:sp>
+        <p:nvSpPr>
+          <p:cNvPr id="7" name="5-Point Star 6"/>
+          <p:cNvSpPr/>
+          <p:nvPr/>
+        </p:nvSpPr>
+        <p:spPr>
+          <a:xfrm>
+            <a:off x="971600" y="4293096"/>
+            <a:ext cx="720080" cy="648072"/>
+          </a:xfrm>
+          <a:prstGeom prst="star5">
+            <a:avLst/>
+          </a:prstGeom>
+        </p:spPr>
+        <p:style>
+          <a:lnRef idx="2">
+            <a:schemeClr val="accent2">
+              <a:shade val="50000"/>
+            </a:schemeClr>
+          </a:lnRef>
+          <a:fillRef idx="1">
+            <a:schemeClr val="accent2"/>
+          </a:fillRef>
+          <a:effectRef idx="0">
+            <a:schemeClr val="accent2"/>
+          </a:effectRef>
+          <a:fontRef idx="minor">
+            <a:schemeClr val="lt1"/>
+          </a:fontRef>
+        </p:style>
+        <p:txBody>
+          <a:bodyPr rtlCol="0" anchor="ctr"/>
+          <a:lstStyle/>
+          <a:p>
+            <a:pPr algn="ctr"/>
+            <a:endParaRPr lang="en-US"/>
+          </a:p>
+        </p:txBody>
+      </p:sp>
+      <p:sp>
+        <p:nvSpPr>
+          <p:cNvPr id="8" name="5-Point Star 7"/>
+          <p:cNvSpPr/>
+          <p:nvPr/>
+        </p:nvSpPr>
+        <p:spPr>
+          <a:xfrm>
+            <a:off x="3563888" y="6165304"/>
+            <a:ext cx="360040" cy="288032"/>
+          </a:xfrm>
+          <a:prstGeom prst="star5">
+            <a:avLst/>
+          </a:prstGeom>
+        </p:spPr>
+        <p:style>
+          <a:lnRef idx="2">
+            <a:schemeClr val="accent2">
+              <a:shade val="50000"/>
+            </a:schemeClr>
+          </a:lnRef>
+          <a:fillRef idx="1">
+            <a:schemeClr val="accent2"/>
+          </a:fillRef>
+          <a:effectRef idx="0">
+            <a:schemeClr val="accent2"/>
+          </a:effectRef>
+          <a:fontRef idx="minor">
+            <a:schemeClr val="lt1"/>
+          </a:fontRef>
+        </p:style>
+        <p:txBody>
+          <a:bodyPr rtlCol="0" anchor="ctr"/>
+          <a:lstStyle/>
+          <a:p>
+            <a:pPr algn="ctr"/>
+            <a:endParaRPr lang="en-US"/>
+          </a:p>
+        </p:txBody>
+      </p:sp>
+      <p:sp>
+        <p:nvSpPr>
+          <p:cNvPr id="9" name="5-Point Star 8"/>
+          <p:cNvSpPr/>
+          <p:nvPr/>
+        </p:nvSpPr>
+        <p:spPr>
+          <a:xfrm>
+            <a:off x="7985086" y="3429000"/>
+            <a:ext cx="576064" cy="576064"/>
+          </a:xfrm>
+          <a:prstGeom prst="star5">
+            <a:avLst/>
+          </a:prstGeom>
+        </p:spPr>
+        <p:style>
+          <a:lnRef idx="2">
+            <a:schemeClr val="accent2">
+              <a:shade val="50000"/>
+            </a:schemeClr>
+          </a:lnRef>
+          <a:fillRef idx="1">
+            <a:schemeClr val="accent2"/>
+          </a:fillRef>
+          <a:effectRef idx="0">
+            <a:schemeClr val="accent2"/>
+          </a:effectRef>
+          <a:fontRef idx="minor">
+            <a:schemeClr val="lt1"/>
+          </a:fontRef>
+        </p:style>
+        <p:txBody>
+          <a:bodyPr rtlCol="0" anchor="ctr"/>
+          <a:lstStyle/>
+          <a:p>
+            <a:pPr algn="ctr"/>
+            <a:endParaRPr lang="en-US"/>
+          </a:p>
+        </p:txBody>
+      </p:sp>
+      <p:sp>
+        <p:nvSpPr>
+          <p:cNvPr id="10" name="5-Point Star 9"/>
+          <p:cNvSpPr/>
+          <p:nvPr/>
+        </p:nvSpPr>
+        <p:spPr>
+          <a:xfrm>
+            <a:off x="4499992" y="1421160"/>
+            <a:ext cx="288032" cy="288032"/>
+          </a:xfrm>
+          <a:prstGeom prst="star5">
+            <a:avLst/>
+          </a:prstGeom>
+        </p:spPr>
+        <p:style>
+          <a:lnRef idx="2">
+            <a:schemeClr val="accent2">
+              <a:shade val="50000"/>
+            </a:schemeClr>
+          </a:lnRef>
+          <a:fillRef idx="1">
+            <a:schemeClr val="accent2"/>
+          </a:fillRef>
+          <a:effectRef idx="0">
+            <a:schemeClr val="accent2"/>
+          </a:effectRef>
+          <a:fontRef idx="minor">
+            <a:schemeClr val="lt1"/>
+          </a:fontRef>
+        </p:style>
+        <p:txBody>
+          <a:bodyPr rtlCol="0" anchor="ctr"/>
+          <a:lstStyle/>
+          <a:p>
+            <a:pPr algn="ctr"/>
+            <a:endParaRPr lang="en-US"/>
+          </a:p>
+        </p:txBody>
+      </p:sp>
+      <p:sp>
+        <p:nvSpPr>
+          <p:cNvPr id="11" name="5-Point Star 10"/>
+          <p:cNvSpPr/>
+          <p:nvPr/>
+        </p:nvSpPr>
+        <p:spPr>
+          <a:xfrm>
+            <a:off x="8676456" y="6309321"/>
+            <a:ext cx="467544" cy="452076"/>
+          </a:xfrm>
+          <a:prstGeom prst="star5">
+            <a:avLst/>
+          </a:prstGeom>
+        </p:spPr>
+        <p:style>
+          <a:lnRef idx="2">
+            <a:schemeClr val="accent2">
+              <a:shade val="50000"/>
+            </a:schemeClr>
+          </a:lnRef>
+          <a:fillRef idx="1">
+            <a:schemeClr val="accent2"/>
+          </a:fillRef>
+          <a:effectRef idx="0">
+            <a:schemeClr val="accent2"/>
+          </a:effectRef>
+          <a:fontRef idx="minor">
+            <a:schemeClr val="lt1"/>
+          </a:fontRef>
+        </p:style>
+        <p:txBody>
+          <a:bodyPr rtlCol="0" anchor="ctr"/>
+          <a:lstStyle/>
+          <a:p>
+            <a:pPr algn="ctr"/>
+            <a:endParaRPr lang="en-US"/>
+          </a:p>
+        </p:txBody>
+      </p:sp>
+    </p:spTree>
+    <p:extLst>
+      <p:ext uri="{BB962C8B-B14F-4D97-AF65-F5344CB8AC3E}">
+        <p14:creationId xmlns:p14="http://schemas.microsoft.com/office/powerpoint/2010/main" val="2380489838"/>
+      </p:ext>
+    </p:extLst>
+  </p:cSld>
+  <p:clrMapOvr>
+    <a:masterClrMapping/>
+  </p:clrMapOvr>
+  <p:timing>
+    <p:tnLst>
+      <p:par>
+        <p:cTn id="1" dur="indefinite" restart="never" nodeType="tmRoot"/>
+      </p:par>
+    </p:tnLst>
+  </p:timing>
+</p:sld>
+</file>
+
+<file path=ppt/slides/slide2.xml><?xml version="1.0" encoding="utf-8"?>
+<p:sld xmlns:a="http://schemas.openxmlformats.org/drawingml/2006/main" xmlns:r="http://schemas.openxmlformats.org/officeDocument/2006/relationships" xmlns:p="http://schemas.openxmlformats.org/presentationml/2006/main">
+  <p:cSld>
+    <p:spTree>
+      <p:nvGrpSpPr>
+        <p:cNvPr id="1" name=""/>
+        <p:cNvGrpSpPr/>
+        <p:nvPr/>
+      </p:nvGrpSpPr>
+      <p:grpSpPr>
+        <a:xfrm>
+          <a:off x="0" y="0"/>
+          <a:ext cx="0" cy="0"/>
+          <a:chOff x="0" y="0"/>
+          <a:chExt cx="0" cy="0"/>
+        </a:xfrm>
+      </p:grpSpPr>
+      <p:sp>
+        <p:nvSpPr>
+          <p:cNvPr id="2" name="Title 1"/>
+          <p:cNvSpPr>
+            <a:spLocks noGrp="1"/>
+          </p:cNvSpPr>
+          <p:nvPr>
+            <p:ph type="title"/>
+          </p:nvPr>
+        </p:nvSpPr>
+        <p:spPr>
+          <a:xfrm>
+            <a:off x="971600" y="188640"/>
+            <a:ext cx="7272808" cy="1371600"/>
+          </a:xfrm>
+        </p:spPr>
+        <p:txBody>
+          <a:bodyPr>
+            <a:normAutofit/>
+          </a:bodyPr>
+          <a:lstStyle/>
+          <a:p>
+            <a:r>
+              <a:rPr lang="en-US" dirty="0" smtClean="0"/>
+              <a:t>What is a Continuous Integration?</a:t>
+            </a:r>
+            <a:endParaRPr lang="en-US" dirty="0"/>
+          </a:p>
+        </p:txBody>
+      </p:sp>
+      <p:sp>
+        <p:nvSpPr>
+          <p:cNvPr id="3" name="Content Placeholder 2"/>
+          <p:cNvSpPr>
+            <a:spLocks noGrp="1"/>
+          </p:cNvSpPr>
+          <p:nvPr>
+            <p:ph idx="1"/>
+          </p:nvPr>
+        </p:nvSpPr>
+        <p:spPr>
+          <a:xfrm>
+            <a:off x="1187624" y="1700808"/>
+            <a:ext cx="6552728" cy="1800200"/>
+          </a:xfrm>
+        </p:spPr>
+        <p:txBody>
+          <a:bodyPr>
+            <a:normAutofit/>
+          </a:bodyPr>
+          <a:lstStyle/>
+          <a:p>
+            <a:pPr indent="457200"/>
+            <a:r>
+              <a:rPr lang="en-US" dirty="0"/>
+              <a:t>Continuous Integration (CI) is a development practice that requires developers to integrate code into a shared repository several times a day. Each check-in is then verified by an automated build, allowing teams to detect problems early. </a:t>
+            </a:r>
+            <a:endParaRPr lang="en-US" dirty="0" smtClean="0"/>
+          </a:p>
+          <a:p>
+            <a:endParaRPr lang="en-US" dirty="0"/>
+          </a:p>
+        </p:txBody>
+      </p:sp>
+      <p:pic>
+        <p:nvPicPr>
+          <p:cNvPr id="1026" name="Picture 2" descr="Related image"/>
+          <p:cNvPicPr>
+            <a:picLocks noChangeAspect="1" noChangeArrowheads="1"/>
+          </p:cNvPicPr>
+          <p:nvPr/>
+        </p:nvPicPr>
+        <p:blipFill>
+          <a:blip r:embed="rId3">
+            <a:extLst>
+              <a:ext uri="{28A0092B-C50C-407E-A947-70E740481C1C}">
+                <a14:useLocalDpi xmlns:a14="http://schemas.microsoft.com/office/drawing/2010/main" val="0"/>
+              </a:ext>
+            </a:extLst>
+          </a:blip>
+          <a:srcRect/>
+          <a:stretch>
+            <a:fillRect/>
+          </a:stretch>
+        </p:blipFill>
+        <p:spPr bwMode="auto">
+          <a:xfrm>
+            <a:off x="2231999" y="3429000"/>
+            <a:ext cx="4248472" cy="2989863"/>
+          </a:xfrm>
+          <a:prstGeom prst="rect">
+            <a:avLst/>
+          </a:prstGeom>
+          <a:ln>
+            <a:noFill/>
+          </a:ln>
+          <a:effectLst>
+            <a:outerShdw blurRad="292100" dist="139700" dir="2700000" algn="tl" rotWithShape="0">
+              <a:srgbClr val="333333">
+                <a:alpha val="65000"/>
+              </a:srgbClr>
+            </a:outerShdw>
+          </a:effectLst>
+          <a:extLst>
+            <a:ext uri="{909E8E84-426E-40DD-AFC4-6F175D3DCCD1}">
+              <a14:hiddenFill xmlns:a14="http://schemas.microsoft.com/office/drawing/2010/main">
+                <a:solidFill>
+                  <a:srgbClr val="FFFFFF"/>
+                </a:solidFill>
+              </a14:hiddenFill>
+            </a:ext>
+          </a:extLst>
+        </p:spPr>
+      </p:pic>
+    </p:spTree>
+    <p:extLst>
+      <p:ext uri="{BB962C8B-B14F-4D97-AF65-F5344CB8AC3E}">
+        <p14:creationId xmlns:p14="http://schemas.microsoft.com/office/powerpoint/2010/main" val="2234027227"/>
+      </p:ext>
+    </p:extLst>
+  </p:cSld>
+  <p:clrMapOvr>
+    <a:masterClrMapping/>
+  </p:clrMapOvr>
+  <p:timing>
+    <p:tnLst>
+      <p:par>
+        <p:cTn id="1" dur="indefinite" restart="never" nodeType="tmRoot"/>
+      </p:par>
+    </p:tnLst>
+  </p:timing>
+</p:sld>
+</file>
+
+<file path=ppt/slides/slide3.xml><?xml version="1.0" encoding="utf-8"?>
+<p:sld xmlns:a="http://schemas.openxmlformats.org/drawingml/2006/main" xmlns:r="http://schemas.openxmlformats.org/officeDocument/2006/relationships" xmlns:p="http://schemas.openxmlformats.org/presentationml/2006/main">
+  <p:cSld>
+    <p:spTree>
+      <p:nvGrpSpPr>
+        <p:cNvPr id="1" name=""/>
+        <p:cNvGrpSpPr/>
+        <p:nvPr/>
+      </p:nvGrpSpPr>
+      <p:grpSpPr>
+        <a:xfrm>
+          <a:off x="0" y="0"/>
+          <a:ext cx="0" cy="0"/>
+          <a:chOff x="0" y="0"/>
+          <a:chExt cx="0" cy="0"/>
+        </a:xfrm>
+      </p:grpSpPr>
+      <p:sp>
+        <p:nvSpPr>
+          <p:cNvPr id="2" name="Title 1"/>
+          <p:cNvSpPr>
+            <a:spLocks noGrp="1"/>
+          </p:cNvSpPr>
+          <p:nvPr>
+            <p:ph type="title"/>
+          </p:nvPr>
+        </p:nvSpPr>
+        <p:spPr>
+          <a:xfrm>
+            <a:off x="457200" y="1196752"/>
+            <a:ext cx="3970784" cy="903630"/>
+          </a:xfrm>
+        </p:spPr>
+        <p:txBody>
+          <a:bodyPr>
+            <a:normAutofit/>
+          </a:bodyPr>
+          <a:lstStyle/>
+          <a:p>
+            <a:r>
+              <a:rPr lang="en-US" sz="3200" dirty="0" smtClean="0"/>
+              <a:t>What we </a:t>
+            </a:r>
+            <a:r>
+              <a:rPr lang="en-US" sz="3200" dirty="0" err="1" smtClean="0"/>
+              <a:t>neeD</a:t>
+            </a:r>
+            <a:endParaRPr lang="en-US" sz="3200" dirty="0"/>
+          </a:p>
+        </p:txBody>
+      </p:sp>
+      <p:sp>
+        <p:nvSpPr>
+          <p:cNvPr id="3" name="Content Placeholder 2"/>
+          <p:cNvSpPr>
+            <a:spLocks noGrp="1"/>
+          </p:cNvSpPr>
+          <p:nvPr>
+            <p:ph idx="1"/>
+          </p:nvPr>
+        </p:nvSpPr>
+        <p:spPr>
+          <a:xfrm>
+            <a:off x="457200" y="2328665"/>
+            <a:ext cx="3898776" cy="2468488"/>
+          </a:xfrm>
+        </p:spPr>
+        <p:style>
+          <a:lnRef idx="2">
+            <a:schemeClr val="accent5"/>
+          </a:lnRef>
+          <a:fillRef idx="1">
+            <a:schemeClr val="lt1"/>
+          </a:fillRef>
+          <a:effectRef idx="0">
+            <a:schemeClr val="accent5"/>
+          </a:effectRef>
+          <a:fontRef idx="minor">
+            <a:schemeClr val="dk1"/>
+          </a:fontRef>
+        </p:style>
+        <p:txBody>
+          <a:bodyPr>
+            <a:normAutofit/>
+          </a:bodyPr>
+          <a:lstStyle/>
+          <a:p>
+            <a:pPr marL="342900" indent="-342900" fontAlgn="base">
+              <a:buFont typeface="Arial" panose="020B0604020202020204" pitchFamily="34" charset="0"/>
+              <a:buChar char="•"/>
+            </a:pPr>
+            <a:r>
+              <a:rPr lang="en-US" sz="2400" b="0" dirty="0" smtClean="0"/>
+              <a:t>Automated tests</a:t>
+            </a:r>
+            <a:endParaRPr lang="en-US" sz="2400" b="0" dirty="0"/>
+          </a:p>
+          <a:p>
+            <a:pPr marL="342900" indent="-342900" fontAlgn="base">
+              <a:buFont typeface="Arial" panose="020B0604020202020204" pitchFamily="34" charset="0"/>
+              <a:buChar char="•"/>
+            </a:pPr>
+            <a:r>
+              <a:rPr lang="en-US" sz="2400" b="0" dirty="0" smtClean="0"/>
+              <a:t>Continuous integration server</a:t>
+            </a:r>
+          </a:p>
+          <a:p>
+            <a:pPr marL="342900" indent="-342900" fontAlgn="base">
+              <a:buFont typeface="Arial" panose="020B0604020202020204" pitchFamily="34" charset="0"/>
+              <a:buChar char="•"/>
+            </a:pPr>
+            <a:r>
+              <a:rPr lang="en-US" sz="2400" b="0" dirty="0" smtClean="0"/>
+              <a:t>Merge our changes more often</a:t>
+            </a:r>
+          </a:p>
+          <a:p>
+            <a:endParaRPr lang="en-US" dirty="0"/>
+          </a:p>
+        </p:txBody>
+      </p:sp>
+      <p:sp>
+        <p:nvSpPr>
+          <p:cNvPr id="4" name="Title 1"/>
+          <p:cNvSpPr txBox="1">
+            <a:spLocks/>
+          </p:cNvSpPr>
+          <p:nvPr/>
+        </p:nvSpPr>
+        <p:spPr>
+          <a:xfrm>
+            <a:off x="4751136" y="1196752"/>
+            <a:ext cx="3970784" cy="903630"/>
+          </a:xfrm>
+          <a:prstGeom prst="rect">
+            <a:avLst/>
+          </a:prstGeom>
+        </p:spPr>
+        <p:txBody>
+          <a:bodyPr vert="horz" lIns="91440" tIns="45720" rIns="91440" bIns="45720" rtlCol="0" anchor="b">
+            <a:normAutofit/>
+          </a:bodyPr>
+          <a:lstStyle>
+            <a:lvl1pPr algn="l" defTabSz="914400" rtl="0" eaLnBrk="1" latinLnBrk="0" hangingPunct="1">
+              <a:spcBef>
+                <a:spcPct val="0"/>
+              </a:spcBef>
+              <a:buNone/>
+              <a:defRPr sz="3600" kern="1200" cap="all" spc="-60" baseline="0">
+                <a:solidFill>
+                  <a:schemeClr val="tx2"/>
+                </a:solidFill>
+                <a:latin typeface="+mj-lt"/>
+                <a:ea typeface="+mj-ea"/>
+                <a:cs typeface="+mj-cs"/>
+              </a:defRPr>
+            </a:lvl1pPr>
+          </a:lstStyle>
+          <a:p>
+            <a:r>
+              <a:rPr lang="en-US" sz="3200" dirty="0" smtClean="0">
+                <a:solidFill>
+                  <a:srgbClr val="92D050"/>
+                </a:solidFill>
+              </a:rPr>
+              <a:t>What we Gain</a:t>
+            </a:r>
+            <a:endParaRPr lang="en-US" sz="3200" dirty="0">
+              <a:solidFill>
+                <a:srgbClr val="92D050"/>
+              </a:solidFill>
+            </a:endParaRPr>
+          </a:p>
+        </p:txBody>
+      </p:sp>
+      <p:sp>
+        <p:nvSpPr>
+          <p:cNvPr id="5" name="Content Placeholder 2"/>
+          <p:cNvSpPr txBox="1">
+            <a:spLocks/>
+          </p:cNvSpPr>
+          <p:nvPr/>
+        </p:nvSpPr>
+        <p:spPr>
+          <a:xfrm>
+            <a:off x="4735990" y="2335424"/>
+            <a:ext cx="3898776" cy="2448273"/>
+          </a:xfrm>
+          <a:prstGeom prst="rect">
+            <a:avLst/>
+          </a:prstGeom>
+          <a:ln>
+            <a:solidFill>
+              <a:srgbClr val="92D050"/>
+            </a:solidFill>
+          </a:ln>
+        </p:spPr>
+        <p:style>
+          <a:lnRef idx="2">
+            <a:schemeClr val="accent6"/>
+          </a:lnRef>
+          <a:fillRef idx="1">
+            <a:schemeClr val="lt1"/>
+          </a:fillRef>
+          <a:effectRef idx="0">
+            <a:schemeClr val="accent6"/>
+          </a:effectRef>
+          <a:fontRef idx="minor">
+            <a:schemeClr val="dk1"/>
+          </a:fontRef>
+        </p:style>
+        <p:txBody>
+          <a:bodyPr vert="horz" lIns="91440" tIns="45720" rIns="91440" bIns="45720" rtlCol="0">
+            <a:normAutofit/>
+          </a:bodyPr>
+          <a:lstStyle>
+            <a:lvl1pPr marL="0" indent="0" algn="l" defTabSz="914400" rtl="0" eaLnBrk="1" latinLnBrk="0" hangingPunct="1">
+              <a:spcBef>
+                <a:spcPct val="20000"/>
+              </a:spcBef>
+              <a:spcAft>
+                <a:spcPts val="600"/>
+              </a:spcAft>
+              <a:buFont typeface="Arial" pitchFamily="34" charset="0"/>
+              <a:buNone/>
+              <a:defRPr sz="2000" b="1" kern="1200">
+                <a:solidFill>
+                  <a:schemeClr val="tx1"/>
+                </a:solidFill>
+                <a:latin typeface="+mn-lt"/>
+                <a:ea typeface="+mn-ea"/>
+                <a:cs typeface="+mn-cs"/>
+              </a:defRPr>
+            </a:lvl1pPr>
+            <a:lvl2pPr marL="457200" indent="-182880" algn="l" defTabSz="914400" rtl="0" eaLnBrk="1" latinLnBrk="0" hangingPunct="1">
+              <a:spcBef>
+                <a:spcPct val="20000"/>
+              </a:spcBef>
+              <a:buClr>
+                <a:schemeClr val="tx2"/>
+              </a:buClr>
+              <a:buFont typeface="Arial" pitchFamily="34" charset="0"/>
+              <a:buChar char="•"/>
+              <a:defRPr sz="2000" kern="1200">
+                <a:solidFill>
+                  <a:schemeClr val="tx1"/>
+                </a:solidFill>
+                <a:latin typeface="+mn-lt"/>
+                <a:ea typeface="+mn-ea"/>
+                <a:cs typeface="+mn-cs"/>
+              </a:defRPr>
+            </a:lvl2pPr>
+            <a:lvl3pPr marL="1143000" indent="-228600" algn="l" defTabSz="914400" rtl="0" eaLnBrk="1" latinLnBrk="0" hangingPunct="1">
+              <a:spcBef>
+                <a:spcPct val="20000"/>
+              </a:spcBef>
+              <a:buClr>
+                <a:schemeClr val="tx2"/>
+              </a:buClr>
+              <a:buFont typeface="Arial" pitchFamily="34" charset="0"/>
+              <a:buChar char="•"/>
+              <a:defRPr sz="1800" kern="1200">
+                <a:solidFill>
+                  <a:schemeClr val="tx1"/>
+                </a:solidFill>
+                <a:latin typeface="+mn-lt"/>
+                <a:ea typeface="+mn-ea"/>
+                <a:cs typeface="+mn-cs"/>
+              </a:defRPr>
+            </a:lvl3pPr>
+            <a:lvl4pPr marL="1600200" indent="-228600" algn="l" defTabSz="914400" rtl="0" eaLnBrk="1" latinLnBrk="0" hangingPunct="1">
+              <a:spcBef>
+                <a:spcPct val="20000"/>
+              </a:spcBef>
+              <a:buClr>
+                <a:schemeClr val="tx2"/>
+              </a:buClr>
+              <a:buFont typeface="Arial" pitchFamily="34" charset="0"/>
+              <a:buChar char="•"/>
+              <a:defRPr sz="1800" kern="1200">
+                <a:solidFill>
+                  <a:schemeClr val="tx1"/>
+                </a:solidFill>
+                <a:latin typeface="+mn-lt"/>
+                <a:ea typeface="+mn-ea"/>
+                <a:cs typeface="+mn-cs"/>
+              </a:defRPr>
+            </a:lvl4pPr>
+            <a:lvl5pPr marL="2057400" indent="-228600" algn="l" defTabSz="914400" rtl="0" eaLnBrk="1" latinLnBrk="0" hangingPunct="1">
+              <a:spcBef>
+                <a:spcPct val="20000"/>
+              </a:spcBef>
+              <a:buClr>
+                <a:schemeClr val="tx2"/>
+              </a:buClr>
+              <a:buFont typeface="Arial" pitchFamily="34" charset="0"/>
+              <a:buChar char="•"/>
+              <a:defRPr sz="1800" kern="1200" baseline="0">
+                <a:solidFill>
+                  <a:schemeClr val="tx1"/>
+                </a:solidFill>
+                <a:latin typeface="+mn-lt"/>
+                <a:ea typeface="+mn-ea"/>
+                <a:cs typeface="+mn-cs"/>
+              </a:defRPr>
+            </a:lvl5pPr>
+            <a:lvl6pPr marL="2514600" indent="-228600" algn="l" defTabSz="914400" rtl="0" eaLnBrk="1" latinLnBrk="0" hangingPunct="1">
+              <a:spcBef>
+                <a:spcPct val="20000"/>
+              </a:spcBef>
+              <a:buClr>
+                <a:schemeClr val="tx2"/>
+              </a:buClr>
+              <a:buFont typeface="Arial" pitchFamily="34" charset="0"/>
+              <a:buChar char="•"/>
+              <a:defRPr sz="1600" kern="1200">
+                <a:solidFill>
+                  <a:schemeClr val="tx1"/>
+                </a:solidFill>
+                <a:latin typeface="+mn-lt"/>
+                <a:ea typeface="+mn-ea"/>
+                <a:cs typeface="+mn-cs"/>
+              </a:defRPr>
+            </a:lvl6pPr>
+            <a:lvl7pPr marL="2971800" indent="-228600" algn="l" defTabSz="914400" rtl="0" eaLnBrk="1" latinLnBrk="0" hangingPunct="1">
+              <a:spcBef>
+                <a:spcPct val="20000"/>
+              </a:spcBef>
+              <a:buClr>
+                <a:schemeClr val="tx2"/>
+              </a:buClr>
+              <a:buFont typeface="Arial" pitchFamily="34" charset="0"/>
+              <a:buChar char="•"/>
+              <a:defRPr sz="1600" kern="1200">
+                <a:solidFill>
+                  <a:schemeClr val="tx1"/>
+                </a:solidFill>
+                <a:latin typeface="+mn-lt"/>
+                <a:ea typeface="+mn-ea"/>
+                <a:cs typeface="+mn-cs"/>
+              </a:defRPr>
+            </a:lvl7pPr>
+            <a:lvl8pPr marL="3429000" indent="-228600" algn="l" defTabSz="914400" rtl="0" eaLnBrk="1" latinLnBrk="0" hangingPunct="1">
+              <a:spcBef>
+                <a:spcPct val="20000"/>
+              </a:spcBef>
+              <a:buClr>
+                <a:schemeClr val="tx2"/>
+              </a:buClr>
+              <a:buFont typeface="Arial" pitchFamily="34" charset="0"/>
+              <a:buChar char="•"/>
+              <a:defRPr sz="1600" kern="1200">
+                <a:solidFill>
+                  <a:schemeClr val="tx1"/>
+                </a:solidFill>
+                <a:latin typeface="+mn-lt"/>
+                <a:ea typeface="+mn-ea"/>
+                <a:cs typeface="+mn-cs"/>
+              </a:defRPr>
+            </a:lvl8pPr>
+            <a:lvl9pPr marL="3886200" indent="-228600" algn="l" defTabSz="914400" rtl="0" eaLnBrk="1" latinLnBrk="0" hangingPunct="1">
+              <a:spcBef>
+                <a:spcPct val="20000"/>
+              </a:spcBef>
+              <a:buClr>
+                <a:schemeClr val="tx2"/>
+              </a:buClr>
+              <a:buFont typeface="Arial" pitchFamily="34" charset="0"/>
+              <a:buChar char="•"/>
+              <a:defRPr sz="1600" kern="1200">
+                <a:solidFill>
+                  <a:schemeClr val="tx1"/>
+                </a:solidFill>
+                <a:latin typeface="+mn-lt"/>
+                <a:ea typeface="+mn-ea"/>
+                <a:cs typeface="+mn-cs"/>
+              </a:defRPr>
+            </a:lvl9pPr>
+          </a:lstStyle>
+          <a:p>
+            <a:pPr marL="342900" indent="-342900" fontAlgn="base">
+              <a:buFont typeface="Arial" panose="020B0604020202020204" pitchFamily="34" charset="0"/>
+              <a:buChar char="•"/>
+            </a:pPr>
+            <a:r>
+              <a:rPr lang="en-US" b="0" dirty="0"/>
+              <a:t>Less bugs get shipped to production </a:t>
+            </a:r>
+            <a:endParaRPr lang="en-US" b="0" dirty="0" smtClean="0"/>
+          </a:p>
+          <a:p>
+            <a:pPr marL="342900" indent="-342900" fontAlgn="base">
+              <a:buFont typeface="Arial" panose="020B0604020202020204" pitchFamily="34" charset="0"/>
+              <a:buChar char="•"/>
+            </a:pPr>
+            <a:r>
+              <a:rPr lang="en-US" b="0" dirty="0" smtClean="0"/>
+              <a:t>Building </a:t>
+            </a:r>
+            <a:r>
+              <a:rPr lang="en-US" b="0" dirty="0"/>
+              <a:t>the release is easy </a:t>
+            </a:r>
+            <a:endParaRPr lang="en-US" b="0" dirty="0" smtClean="0"/>
+          </a:p>
+          <a:p>
+            <a:pPr marL="342900" indent="-342900" fontAlgn="base">
+              <a:buFont typeface="Arial" panose="020B0604020202020204" pitchFamily="34" charset="0"/>
+              <a:buChar char="•"/>
+            </a:pPr>
+            <a:r>
+              <a:rPr lang="en-US" b="0" dirty="0" smtClean="0"/>
+              <a:t>Less </a:t>
+            </a:r>
+            <a:r>
+              <a:rPr lang="en-US" b="0" dirty="0"/>
+              <a:t>context switching </a:t>
+            </a:r>
+            <a:endParaRPr lang="en-US" b="0" dirty="0" smtClean="0"/>
+          </a:p>
+          <a:p>
+            <a:pPr marL="342900" indent="-342900" fontAlgn="base">
+              <a:buFont typeface="Arial" panose="020B0604020202020204" pitchFamily="34" charset="0"/>
+              <a:buChar char="•"/>
+            </a:pPr>
+            <a:r>
+              <a:rPr lang="en-US" b="0" dirty="0" smtClean="0"/>
+              <a:t>Economy testing costs</a:t>
+            </a:r>
+            <a:endParaRPr lang="en-US" dirty="0"/>
+          </a:p>
+        </p:txBody>
+      </p:sp>
+      <p:sp>
+        <p:nvSpPr>
+          <p:cNvPr id="8" name="Pentagon 7"/>
+          <p:cNvSpPr/>
+          <p:nvPr/>
+        </p:nvSpPr>
+        <p:spPr>
+          <a:xfrm>
+            <a:off x="0" y="260648"/>
+            <a:ext cx="5004048" cy="648072"/>
+          </a:xfrm>
+          <a:prstGeom prst="homePlate">
+            <a:avLst/>
+          </a:prstGeom>
+        </p:spPr>
+        <p:style>
+          <a:lnRef idx="1">
+            <a:schemeClr val="accent4"/>
+          </a:lnRef>
+          <a:fillRef idx="2">
+            <a:schemeClr val="accent4"/>
+          </a:fillRef>
+          <a:effectRef idx="1">
+            <a:schemeClr val="accent4"/>
+          </a:effectRef>
+          <a:fontRef idx="minor">
+            <a:schemeClr val="dk1"/>
+          </a:fontRef>
+        </p:style>
+        <p:txBody>
+          <a:bodyPr rtlCol="0" anchor="ctr"/>
+          <a:lstStyle/>
+          <a:p>
+            <a:pPr algn="ctr"/>
+            <a:r>
+              <a:rPr lang="en-US" sz="2400" dirty="0"/>
+              <a:t>Continuous </a:t>
+            </a:r>
+            <a:r>
+              <a:rPr lang="en-US" sz="2400" dirty="0" smtClean="0"/>
+              <a:t>Integration</a:t>
+            </a:r>
+            <a:endParaRPr lang="en-US" sz="2400" dirty="0"/>
+          </a:p>
+        </p:txBody>
+      </p:sp>
+    </p:spTree>
+    <p:extLst>
+      <p:ext uri="{BB962C8B-B14F-4D97-AF65-F5344CB8AC3E}">
+        <p14:creationId xmlns:p14="http://schemas.microsoft.com/office/powerpoint/2010/main" val="742008525"/>
+      </p:ext>
+    </p:extLst>
+  </p:cSld>
+  <p:clrMapOvr>
+    <a:masterClrMapping/>
+  </p:clrMapOvr>
+  <p:timing>
+    <p:tnLst>
+      <p:par>
+        <p:cTn id="1" dur="indefinite" restart="never" nodeType="tmRoot"/>
+      </p:par>
+    </p:tnLst>
+  </p:timing>
+</p:sld>
+</file>
+
+<file path=ppt/slides/slide4.xml><?xml version="1.0" encoding="utf-8"?>
+<p:sld xmlns:a="http://schemas.openxmlformats.org/drawingml/2006/main" xmlns:r="http://schemas.openxmlformats.org/officeDocument/2006/relationships" xmlns:p="http://schemas.openxmlformats.org/presentationml/2006/main">
+  <p:cSld>
+    <p:bg>
+      <p:bgPr>
+        <a:gradFill flip="none" rotWithShape="1">
+          <a:gsLst>
+            <a:gs pos="100000">
+              <a:schemeClr val="bg1"/>
+            </a:gs>
+            <a:gs pos="0">
+              <a:schemeClr val="accent1">
+                <a:tint val="23500"/>
+                <a:satMod val="160000"/>
+              </a:schemeClr>
+            </a:gs>
+          </a:gsLst>
+          <a:lin ang="16200000" scaled="1"/>
+          <a:tileRect/>
+        </a:gradFill>
+        <a:effectLst/>
+      </p:bgPr>
+    </p:bg>
+    <p:spTree>
+      <p:nvGrpSpPr>
+        <p:cNvPr id="1" name=""/>
+        <p:cNvGrpSpPr/>
+        <p:nvPr/>
+      </p:nvGrpSpPr>
+      <p:grpSpPr>
+        <a:xfrm>
+          <a:off x="0" y="0"/>
+          <a:ext cx="0" cy="0"/>
+          <a:chOff x="0" y="0"/>
+          <a:chExt cx="0" cy="0"/>
+        </a:xfrm>
+      </p:grpSpPr>
+      <p:pic>
+        <p:nvPicPr>
+          <p:cNvPr id="1028" name="Picture 4"/>
+          <p:cNvPicPr>
+            <a:picLocks noChangeAspect="1" noChangeArrowheads="1"/>
+          </p:cNvPicPr>
+          <p:nvPr/>
+        </p:nvPicPr>
+        <p:blipFill>
+          <a:blip r:embed="rId3">
+            <a:extLst>
+              <a:ext uri="{28A0092B-C50C-407E-A947-70E740481C1C}">
+                <a14:useLocalDpi xmlns:a14="http://schemas.microsoft.com/office/drawing/2010/main" val="0"/>
+              </a:ext>
+            </a:extLst>
+          </a:blip>
+          <a:srcRect/>
+          <a:stretch>
+            <a:fillRect/>
+          </a:stretch>
+        </p:blipFill>
+        <p:spPr bwMode="auto">
+          <a:xfrm>
+            <a:off x="27722" y="836712"/>
+            <a:ext cx="5923213" cy="2133225"/>
+          </a:xfrm>
+          <a:prstGeom prst="rect">
+            <a:avLst/>
+          </a:prstGeom>
+          <a:noFill/>
+          <a:ln>
+            <a:noFill/>
+          </a:ln>
+          <a:effectLst/>
+          <a:extLst>
+            <a:ext uri="{909E8E84-426E-40DD-AFC4-6F175D3DCCD1}">
+              <a14:hiddenFill xmlns:a14="http://schemas.microsoft.com/office/drawing/2010/main">
+                <a:solidFill>
+                  <a:schemeClr val="accent1"/>
+                </a:solidFill>
+              </a14:hiddenFill>
+            </a:ext>
+            <a:ext uri="{91240B29-F687-4F45-9708-019B960494DF}">
+              <a14:hiddenLine xmlns:a14="http://schemas.microsoft.com/office/drawing/2010/main" w="9525">
+                <a:solidFill>
+                  <a:schemeClr val="tx1"/>
+                </a:solidFill>
+                <a:miter lim="800000"/>
+                <a:headEnd/>
+                <a:tailEnd/>
+              </a14:hiddenLine>
+            </a:ext>
+            <a:ext uri="{AF507438-7753-43E0-B8FC-AC1667EBCBE1}">
+              <a14:hiddenEffects xmlns:a14="http://schemas.microsoft.com/office/drawing/2010/main">
+                <a:effectLst>
+                  <a:outerShdw dist="35921" dir="2700000" algn="ctr" rotWithShape="0">
+                    <a:schemeClr val="bg2"/>
+                  </a:outerShdw>
+                </a:effectLst>
+              </a14:hiddenEffects>
+            </a:ext>
+          </a:extLst>
+        </p:spPr>
+      </p:pic>
+      <p:sp>
+        <p:nvSpPr>
+          <p:cNvPr id="7" name="Line Callout 1 6"/>
+          <p:cNvSpPr/>
+          <p:nvPr/>
+        </p:nvSpPr>
+        <p:spPr>
+          <a:xfrm>
+            <a:off x="6094951" y="3051842"/>
+            <a:ext cx="2736304" cy="1817318"/>
+          </a:xfrm>
+          <a:prstGeom prst="borderCallout1">
+            <a:avLst>
+              <a:gd name="adj1" fmla="val 1005"/>
+              <a:gd name="adj2" fmla="val 604"/>
+              <a:gd name="adj3" fmla="val -58004"/>
+              <a:gd name="adj4" fmla="val -11132"/>
+            </a:avLst>
+          </a:prstGeom>
+          <a:effectLst>
+            <a:outerShdw blurRad="50800" dist="38100" dir="2700000" algn="tl" rotWithShape="0">
+              <a:prstClr val="black">
+                <a:alpha val="40000"/>
+              </a:prstClr>
+            </a:outerShdw>
+          </a:effectLst>
+        </p:spPr>
+        <p:style>
+          <a:lnRef idx="2">
+            <a:schemeClr val="accent4">
+              <a:shade val="50000"/>
+            </a:schemeClr>
+          </a:lnRef>
+          <a:fillRef idx="1">
+            <a:schemeClr val="accent4"/>
+          </a:fillRef>
+          <a:effectRef idx="0">
+            <a:schemeClr val="accent4"/>
+          </a:effectRef>
+          <a:fontRef idx="minor">
+            <a:schemeClr val="lt1"/>
+          </a:fontRef>
+        </p:style>
+        <p:txBody>
+          <a:bodyPr rtlCol="0" anchor="ctr"/>
+          <a:lstStyle/>
+          <a:p>
+            <a:pPr algn="ctr"/>
+            <a:r>
+              <a:rPr lang="en-US" b="1" dirty="0" smtClean="0"/>
+              <a:t>Integration Testing </a:t>
+            </a:r>
+            <a:r>
+              <a:rPr lang="en-US" dirty="0" smtClean="0"/>
+              <a:t>is </a:t>
+            </a:r>
+            <a:r>
+              <a:rPr lang="en-US" dirty="0"/>
+              <a:t>the phase in </a:t>
+            </a:r>
+            <a:r>
+              <a:rPr lang="en-US" dirty="0" smtClean="0"/>
+              <a:t>software </a:t>
+            </a:r>
+            <a:r>
+              <a:rPr lang="en-US" b="1" dirty="0" smtClean="0"/>
+              <a:t>testing</a:t>
+            </a:r>
+            <a:r>
+              <a:rPr lang="en-US" dirty="0"/>
+              <a:t> in which individual software modules are combined and tested as a group.</a:t>
+            </a:r>
+          </a:p>
+        </p:txBody>
+      </p:sp>
+      <p:sp>
+        <p:nvSpPr>
+          <p:cNvPr id="12" name="Line Callout 1 11"/>
+          <p:cNvSpPr/>
+          <p:nvPr/>
+        </p:nvSpPr>
+        <p:spPr>
+          <a:xfrm>
+            <a:off x="1990495" y="4429988"/>
+            <a:ext cx="2736304" cy="1591299"/>
+          </a:xfrm>
+          <a:prstGeom prst="borderCallout1">
+            <a:avLst>
+              <a:gd name="adj1" fmla="val -1310"/>
+              <a:gd name="adj2" fmla="val 49564"/>
+              <a:gd name="adj3" fmla="val -113615"/>
+              <a:gd name="adj4" fmla="val 38217"/>
+            </a:avLst>
+          </a:prstGeom>
+          <a:effectLst>
+            <a:outerShdw blurRad="50800" dist="38100" dir="2700000" algn="tl" rotWithShape="0">
+              <a:prstClr val="black">
+                <a:alpha val="40000"/>
+              </a:prstClr>
+            </a:outerShdw>
+          </a:effectLst>
+        </p:spPr>
+        <p:style>
+          <a:lnRef idx="2">
+            <a:schemeClr val="accent4">
+              <a:shade val="50000"/>
+            </a:schemeClr>
+          </a:lnRef>
+          <a:fillRef idx="1">
+            <a:schemeClr val="accent4"/>
+          </a:fillRef>
+          <a:effectRef idx="0">
+            <a:schemeClr val="accent4"/>
+          </a:effectRef>
+          <a:fontRef idx="minor">
+            <a:schemeClr val="lt1"/>
+          </a:fontRef>
+        </p:style>
+        <p:txBody>
+          <a:bodyPr rtlCol="0" anchor="ctr"/>
+          <a:lstStyle/>
+          <a:p>
+            <a:pPr algn="ctr"/>
+            <a:r>
+              <a:rPr lang="en-US" b="1" dirty="0"/>
+              <a:t>Unit Testing</a:t>
+            </a:r>
+            <a:r>
+              <a:rPr lang="en-US" dirty="0"/>
+              <a:t> is a level of software testing where individual units/ components of a software are tested.</a:t>
+            </a:r>
+          </a:p>
+        </p:txBody>
+      </p:sp>
+      <p:sp>
+        <p:nvSpPr>
+          <p:cNvPr id="11" name="AutoShape 6" descr="What is IntegrationTesting"/>
+          <p:cNvSpPr>
+            <a:spLocks noChangeAspect="1" noChangeArrowheads="1"/>
+          </p:cNvSpPr>
+          <p:nvPr/>
+        </p:nvSpPr>
+        <p:spPr bwMode="auto">
+          <a:xfrm>
+            <a:off x="155575" y="-144463"/>
+            <a:ext cx="304800" cy="304801"/>
+          </a:xfrm>
+          <a:prstGeom prst="rect">
+            <a:avLst/>
+          </a:prstGeom>
+          <a:noFill/>
+          <a:extLst>
+            <a:ext uri="{909E8E84-426E-40DD-AFC4-6F175D3DCCD1}">
+              <a14:hiddenFill xmlns:a14="http://schemas.microsoft.com/office/drawing/2010/main">
+                <a:solidFill>
+                  <a:srgbClr val="FFFFFF"/>
+                </a:solidFill>
+              </a14:hiddenFill>
+            </a:ext>
+          </a:extLst>
+        </p:spPr>
+        <p:txBody>
+          <a:bodyPr vert="horz" wrap="square" lIns="91440" tIns="45720" rIns="91440" bIns="45720" numCol="1" anchor="t" anchorCtr="0" compatLnSpc="1">
+            <a:prstTxWarp prst="textNoShape">
+              <a:avLst/>
+            </a:prstTxWarp>
+          </a:bodyPr>
+          <a:lstStyle/>
+          <a:p>
+            <a:endParaRPr lang="en-US"/>
+          </a:p>
+        </p:txBody>
+      </p:sp>
+      <p:sp>
+        <p:nvSpPr>
+          <p:cNvPr id="13" name="AutoShape 8" descr="What is IntegrationTesting"/>
+          <p:cNvSpPr>
+            <a:spLocks noChangeAspect="1" noChangeArrowheads="1"/>
+          </p:cNvSpPr>
+          <p:nvPr/>
+        </p:nvSpPr>
+        <p:spPr bwMode="auto">
+          <a:xfrm>
+            <a:off x="307975" y="7937"/>
+            <a:ext cx="304800" cy="304801"/>
+          </a:xfrm>
+          <a:prstGeom prst="rect">
+            <a:avLst/>
+          </a:prstGeom>
+          <a:noFill/>
+          <a:extLst>
+            <a:ext uri="{909E8E84-426E-40DD-AFC4-6F175D3DCCD1}">
+              <a14:hiddenFill xmlns:a14="http://schemas.microsoft.com/office/drawing/2010/main">
+                <a:solidFill>
+                  <a:srgbClr val="FFFFFF"/>
+                </a:solidFill>
+              </a14:hiddenFill>
+            </a:ext>
+          </a:extLst>
+        </p:spPr>
+        <p:txBody>
+          <a:bodyPr vert="horz" wrap="square" lIns="91440" tIns="45720" rIns="91440" bIns="45720" numCol="1" anchor="t" anchorCtr="0" compatLnSpc="1">
+            <a:prstTxWarp prst="textNoShape">
+              <a:avLst/>
+            </a:prstTxWarp>
+          </a:bodyPr>
+          <a:lstStyle/>
+          <a:p>
+            <a:endParaRPr lang="en-US"/>
+          </a:p>
+        </p:txBody>
+      </p:sp>
+      <p:sp>
+        <p:nvSpPr>
+          <p:cNvPr id="14" name="AutoShape 12" descr="Animated GIF"/>
+          <p:cNvSpPr>
+            <a:spLocks noChangeAspect="1" noChangeArrowheads="1"/>
+          </p:cNvSpPr>
+          <p:nvPr/>
+        </p:nvSpPr>
+        <p:spPr bwMode="auto">
+          <a:xfrm>
+            <a:off x="460375" y="160337"/>
+            <a:ext cx="304800" cy="304801"/>
+          </a:xfrm>
+          <a:prstGeom prst="rect">
+            <a:avLst/>
+          </a:prstGeom>
+          <a:noFill/>
+          <a:extLst>
+            <a:ext uri="{909E8E84-426E-40DD-AFC4-6F175D3DCCD1}">
+              <a14:hiddenFill xmlns:a14="http://schemas.microsoft.com/office/drawing/2010/main">
+                <a:solidFill>
+                  <a:srgbClr val="FFFFFF"/>
+                </a:solidFill>
+              </a14:hiddenFill>
+            </a:ext>
+          </a:extLst>
+        </p:spPr>
+        <p:txBody>
+          <a:bodyPr vert="horz" wrap="square" lIns="91440" tIns="45720" rIns="91440" bIns="45720" numCol="1" anchor="t" anchorCtr="0" compatLnSpc="1">
+            <a:prstTxWarp prst="textNoShape">
+              <a:avLst/>
+            </a:prstTxWarp>
+          </a:bodyPr>
+          <a:lstStyle/>
+          <a:p>
+            <a:endParaRPr lang="en-US"/>
+          </a:p>
+        </p:txBody>
+      </p:sp>
+    </p:spTree>
+    <p:extLst>
+      <p:ext uri="{BB962C8B-B14F-4D97-AF65-F5344CB8AC3E}">
+        <p14:creationId xmlns:p14="http://schemas.microsoft.com/office/powerpoint/2010/main" val="1418166342"/>
+      </p:ext>
+    </p:extLst>
+  </p:cSld>
+  <p:clrMapOvr>
+    <a:masterClrMapping/>
+  </p:clrMapOvr>
+  <p:timing>
+    <p:tnLst>
+      <p:par>
+        <p:cTn id="1" dur="indefinite" restart="never" nodeType="tmRoot"/>
+      </p:par>
+    </p:tnLst>
+  </p:timing>
+</p:sld>
+</file>
+
+<file path=ppt/slides/slide5.xml><?xml version="1.0" encoding="utf-8"?>
+<p:sld xmlns:a="http://schemas.openxmlformats.org/drawingml/2006/main" xmlns:r="http://schemas.openxmlformats.org/officeDocument/2006/relationships" xmlns:p="http://schemas.openxmlformats.org/presentationml/2006/main">
+  <p:cSld>
+    <p:spTree>
+      <p:nvGrpSpPr>
+        <p:cNvPr id="1" name=""/>
+        <p:cNvGrpSpPr/>
+        <p:nvPr/>
+      </p:nvGrpSpPr>
+      <p:grpSpPr>
+        <a:xfrm>
+          <a:off x="0" y="0"/>
+          <a:ext cx="0" cy="0"/>
+          <a:chOff x="0" y="0"/>
+          <a:chExt cx="0" cy="0"/>
+        </a:xfrm>
+      </p:grpSpPr>
+      <p:sp>
+        <p:nvSpPr>
+          <p:cNvPr id="2" name="Title 1"/>
+          <p:cNvSpPr>
+            <a:spLocks noGrp="1"/>
+          </p:cNvSpPr>
+          <p:nvPr>
+            <p:ph type="title"/>
+          </p:nvPr>
+        </p:nvSpPr>
+        <p:spPr>
+          <a:xfrm>
+            <a:off x="251520" y="152718"/>
+            <a:ext cx="8280920" cy="683994"/>
+          </a:xfrm>
+        </p:spPr>
+        <p:txBody>
+          <a:bodyPr>
+            <a:normAutofit/>
+          </a:bodyPr>
+          <a:lstStyle/>
+          <a:p>
+            <a:pPr marL="342900" indent="-342900" fontAlgn="base"/>
+            <a:r>
+              <a:rPr lang="en-US" sz="2800" dirty="0"/>
+              <a:t>Continuous </a:t>
+            </a:r>
+            <a:r>
+              <a:rPr lang="en-US" sz="2800" dirty="0" smtClean="0"/>
+              <a:t>integration </a:t>
+            </a:r>
+            <a:r>
+              <a:rPr lang="en-US" sz="2800" dirty="0" err="1" smtClean="0"/>
+              <a:t>serverS</a:t>
+            </a:r>
+            <a:endParaRPr lang="en-US" sz="2800" dirty="0"/>
+          </a:p>
+        </p:txBody>
+      </p:sp>
+      <p:pic>
+        <p:nvPicPr>
+          <p:cNvPr id="2050" name="Picture 2"/>
+          <p:cNvPicPr>
+            <a:picLocks noChangeAspect="1" noChangeArrowheads="1"/>
+          </p:cNvPicPr>
+          <p:nvPr/>
+        </p:nvPicPr>
+        <p:blipFill>
+          <a:blip r:embed="rId2">
+            <a:extLst>
+              <a:ext uri="{28A0092B-C50C-407E-A947-70E740481C1C}">
+                <a14:useLocalDpi xmlns:a14="http://schemas.microsoft.com/office/drawing/2010/main" val="0"/>
+              </a:ext>
+            </a:extLst>
+          </a:blip>
+          <a:srcRect/>
+          <a:stretch>
+            <a:fillRect/>
+          </a:stretch>
+        </p:blipFill>
+        <p:spPr bwMode="auto">
+          <a:xfrm>
+            <a:off x="292273" y="1052735"/>
+            <a:ext cx="2126353" cy="3981257"/>
+          </a:xfrm>
+          <a:prstGeom prst="rect">
+            <a:avLst/>
+          </a:prstGeom>
+          <a:noFill/>
+          <a:ln>
+            <a:noFill/>
+          </a:ln>
+          <a:extLst>
+            <a:ext uri="{909E8E84-426E-40DD-AFC4-6F175D3DCCD1}">
+              <a14:hiddenFill xmlns:a14="http://schemas.microsoft.com/office/drawing/2010/main">
+                <a:solidFill>
+                  <a:schemeClr val="accent1"/>
+                </a:solidFill>
+              </a14:hiddenFill>
+            </a:ext>
+            <a:ext uri="{91240B29-F687-4F45-9708-019B960494DF}">
+              <a14:hiddenLine xmlns:a14="http://schemas.microsoft.com/office/drawing/2010/main" w="9525">
+                <a:solidFill>
+                  <a:schemeClr val="tx1"/>
+                </a:solidFill>
+                <a:miter lim="800000"/>
+                <a:headEnd/>
+                <a:tailEnd/>
+              </a14:hiddenLine>
+            </a:ext>
+          </a:extLst>
+        </p:spPr>
+      </p:pic>
+      <p:pic>
+        <p:nvPicPr>
+          <p:cNvPr id="4098" name="Picture 2" descr="jenkins logo"/>
+          <p:cNvPicPr>
+            <a:picLocks noChangeAspect="1" noChangeArrowheads="1"/>
+          </p:cNvPicPr>
+          <p:nvPr/>
+        </p:nvPicPr>
+        <p:blipFill>
+          <a:blip r:embed="rId3">
+            <a:extLst>
+              <a:ext uri="{28A0092B-C50C-407E-A947-70E740481C1C}">
+                <a14:useLocalDpi xmlns:a14="http://schemas.microsoft.com/office/drawing/2010/main" val="0"/>
+              </a:ext>
+            </a:extLst>
+          </a:blip>
+          <a:srcRect/>
+          <a:stretch>
+            <a:fillRect/>
+          </a:stretch>
+        </p:blipFill>
+        <p:spPr bwMode="auto">
+          <a:xfrm>
+            <a:off x="3206766" y="1212704"/>
+            <a:ext cx="2857500" cy="914401"/>
+          </a:xfrm>
+          <a:prstGeom prst="rect">
+            <a:avLst/>
+          </a:prstGeom>
+          <a:noFill/>
+          <a:extLst>
+            <a:ext uri="{909E8E84-426E-40DD-AFC4-6F175D3DCCD1}">
+              <a14:hiddenFill xmlns:a14="http://schemas.microsoft.com/office/drawing/2010/main">
+                <a:solidFill>
+                  <a:srgbClr val="FFFFFF"/>
+                </a:solidFill>
+              </a14:hiddenFill>
+            </a:ext>
+          </a:extLst>
+        </p:spPr>
+      </p:pic>
+      <p:pic>
+        <p:nvPicPr>
+          <p:cNvPr id="4100" name="Picture 4" descr="TeamCity logo"/>
+          <p:cNvPicPr>
+            <a:picLocks noChangeAspect="1" noChangeArrowheads="1"/>
+          </p:cNvPicPr>
+          <p:nvPr/>
+        </p:nvPicPr>
+        <p:blipFill>
+          <a:blip r:embed="rId4">
+            <a:extLst>
+              <a:ext uri="{28A0092B-C50C-407E-A947-70E740481C1C}">
+                <a14:useLocalDpi xmlns:a14="http://schemas.microsoft.com/office/drawing/2010/main" val="0"/>
+              </a:ext>
+            </a:extLst>
+          </a:blip>
+          <a:srcRect/>
+          <a:stretch>
+            <a:fillRect/>
+          </a:stretch>
+        </p:blipFill>
+        <p:spPr bwMode="auto">
+          <a:xfrm>
+            <a:off x="6225406" y="1221560"/>
+            <a:ext cx="1821802" cy="1821803"/>
+          </a:xfrm>
+          <a:prstGeom prst="rect">
+            <a:avLst/>
+          </a:prstGeom>
+          <a:noFill/>
+          <a:extLst>
+            <a:ext uri="{909E8E84-426E-40DD-AFC4-6F175D3DCCD1}">
+              <a14:hiddenFill xmlns:a14="http://schemas.microsoft.com/office/drawing/2010/main">
+                <a:solidFill>
+                  <a:srgbClr val="FFFFFF"/>
+                </a:solidFill>
+              </a14:hiddenFill>
+            </a:ext>
+          </a:extLst>
+        </p:spPr>
+      </p:pic>
+      <p:pic>
+        <p:nvPicPr>
+          <p:cNvPr id="4104" name="Picture 8" descr="https://www.code-maze.com/wp-content/uploads/2016/02/TravisCI-logo-gray.png"/>
+          <p:cNvPicPr>
+            <a:picLocks noChangeAspect="1" noChangeArrowheads="1"/>
+          </p:cNvPicPr>
+          <p:nvPr/>
+        </p:nvPicPr>
+        <p:blipFill>
+          <a:blip r:embed="rId5">
+            <a:extLst>
+              <a:ext uri="{28A0092B-C50C-407E-A947-70E740481C1C}">
+                <a14:useLocalDpi xmlns:a14="http://schemas.microsoft.com/office/drawing/2010/main" val="0"/>
+              </a:ext>
+            </a:extLst>
+          </a:blip>
+          <a:srcRect/>
+          <a:stretch>
+            <a:fillRect/>
+          </a:stretch>
+        </p:blipFill>
+        <p:spPr bwMode="auto">
+          <a:xfrm>
+            <a:off x="2865103" y="2410645"/>
+            <a:ext cx="2119257" cy="686521"/>
+          </a:xfrm>
+          <a:prstGeom prst="rect">
+            <a:avLst/>
+          </a:prstGeom>
+          <a:noFill/>
+          <a:extLst>
+            <a:ext uri="{909E8E84-426E-40DD-AFC4-6F175D3DCCD1}">
+              <a14:hiddenFill xmlns:a14="http://schemas.microsoft.com/office/drawing/2010/main">
+                <a:solidFill>
+                  <a:srgbClr val="FFFFFF"/>
+                </a:solidFill>
+              </a14:hiddenFill>
+            </a:ext>
+          </a:extLst>
+        </p:spPr>
+      </p:pic>
+      <p:pic>
+        <p:nvPicPr>
+          <p:cNvPr id="4106" name="Picture 10" descr="go cd logo"/>
+          <p:cNvPicPr>
+            <a:picLocks noChangeAspect="1" noChangeArrowheads="1"/>
+          </p:cNvPicPr>
+          <p:nvPr/>
+        </p:nvPicPr>
+        <p:blipFill>
+          <a:blip r:embed="rId6">
+            <a:extLst>
+              <a:ext uri="{28A0092B-C50C-407E-A947-70E740481C1C}">
+                <a14:useLocalDpi xmlns:a14="http://schemas.microsoft.com/office/drawing/2010/main" val="0"/>
+              </a:ext>
+            </a:extLst>
+          </a:blip>
+          <a:srcRect/>
+          <a:stretch>
+            <a:fillRect/>
+          </a:stretch>
+        </p:blipFill>
+        <p:spPr bwMode="auto">
+          <a:xfrm>
+            <a:off x="4264941" y="5031480"/>
+            <a:ext cx="2639807" cy="1186430"/>
+          </a:xfrm>
+          <a:prstGeom prst="rect">
+            <a:avLst/>
+          </a:prstGeom>
+          <a:noFill/>
+          <a:extLst>
+            <a:ext uri="{909E8E84-426E-40DD-AFC4-6F175D3DCCD1}">
+              <a14:hiddenFill xmlns:a14="http://schemas.microsoft.com/office/drawing/2010/main">
+                <a:solidFill>
+                  <a:srgbClr val="FFFFFF"/>
+                </a:solidFill>
+              </a14:hiddenFill>
+            </a:ext>
+          </a:extLst>
+        </p:spPr>
+      </p:pic>
+      <p:pic>
+        <p:nvPicPr>
+          <p:cNvPr id="4108" name="Picture 12" descr="bamboo logo"/>
+          <p:cNvPicPr>
+            <a:picLocks noChangeAspect="1" noChangeArrowheads="1"/>
+          </p:cNvPicPr>
+          <p:nvPr/>
+        </p:nvPicPr>
+        <p:blipFill>
+          <a:blip r:embed="rId7">
+            <a:extLst>
+              <a:ext uri="{28A0092B-C50C-407E-A947-70E740481C1C}">
+                <a14:useLocalDpi xmlns:a14="http://schemas.microsoft.com/office/drawing/2010/main" val="0"/>
+              </a:ext>
+            </a:extLst>
+          </a:blip>
+          <a:srcRect/>
+          <a:stretch>
+            <a:fillRect/>
+          </a:stretch>
+        </p:blipFill>
+        <p:spPr bwMode="auto">
+          <a:xfrm>
+            <a:off x="4984360" y="3284984"/>
+            <a:ext cx="2250583" cy="644763"/>
+          </a:xfrm>
+          <a:prstGeom prst="rect">
+            <a:avLst/>
+          </a:prstGeom>
+          <a:noFill/>
+          <a:extLst>
+            <a:ext uri="{909E8E84-426E-40DD-AFC4-6F175D3DCCD1}">
+              <a14:hiddenFill xmlns:a14="http://schemas.microsoft.com/office/drawing/2010/main">
+                <a:solidFill>
+                  <a:srgbClr val="FFFFFF"/>
+                </a:solidFill>
+              </a14:hiddenFill>
+            </a:ext>
+          </a:extLst>
+        </p:spPr>
+      </p:pic>
+      <p:pic>
+        <p:nvPicPr>
+          <p:cNvPr id="4110" name="Picture 14" descr="gitlab logo"/>
+          <p:cNvPicPr>
+            <a:picLocks noChangeAspect="1" noChangeArrowheads="1"/>
+          </p:cNvPicPr>
+          <p:nvPr/>
+        </p:nvPicPr>
+        <p:blipFill>
+          <a:blip r:embed="rId8">
+            <a:extLst>
+              <a:ext uri="{28A0092B-C50C-407E-A947-70E740481C1C}">
+                <a14:useLocalDpi xmlns:a14="http://schemas.microsoft.com/office/drawing/2010/main" val="0"/>
+              </a:ext>
+            </a:extLst>
+          </a:blip>
+          <a:srcRect/>
+          <a:stretch>
+            <a:fillRect/>
+          </a:stretch>
+        </p:blipFill>
+        <p:spPr bwMode="auto">
+          <a:xfrm>
+            <a:off x="1630161" y="5465954"/>
+            <a:ext cx="2095641" cy="796344"/>
+          </a:xfrm>
+          <a:prstGeom prst="rect">
+            <a:avLst/>
+          </a:prstGeom>
+          <a:noFill/>
+          <a:extLst>
+            <a:ext uri="{909E8E84-426E-40DD-AFC4-6F175D3DCCD1}">
+              <a14:hiddenFill xmlns:a14="http://schemas.microsoft.com/office/drawing/2010/main">
+                <a:solidFill>
+                  <a:srgbClr val="FFFFFF"/>
+                </a:solidFill>
+              </a14:hiddenFill>
+            </a:ext>
+          </a:extLst>
+        </p:spPr>
+      </p:pic>
+      <p:pic>
+        <p:nvPicPr>
+          <p:cNvPr id="4112" name="Picture 16" descr="circleci logo"/>
+          <p:cNvPicPr>
+            <a:picLocks noChangeAspect="1" noChangeArrowheads="1"/>
+          </p:cNvPicPr>
+          <p:nvPr/>
+        </p:nvPicPr>
+        <p:blipFill>
+          <a:blip r:embed="rId9">
+            <a:extLst>
+              <a:ext uri="{28A0092B-C50C-407E-A947-70E740481C1C}">
+                <a14:useLocalDpi xmlns:a14="http://schemas.microsoft.com/office/drawing/2010/main" val="0"/>
+              </a:ext>
+            </a:extLst>
+          </a:blip>
+          <a:srcRect/>
+          <a:stretch>
+            <a:fillRect/>
+          </a:stretch>
+        </p:blipFill>
+        <p:spPr bwMode="auto">
+          <a:xfrm>
+            <a:off x="6300192" y="4221940"/>
+            <a:ext cx="2564372" cy="812052"/>
+          </a:xfrm>
+          <a:prstGeom prst="rect">
+            <a:avLst/>
+          </a:prstGeom>
+          <a:noFill/>
+          <a:extLst>
+            <a:ext uri="{909E8E84-426E-40DD-AFC4-6F175D3DCCD1}">
+              <a14:hiddenFill xmlns:a14="http://schemas.microsoft.com/office/drawing/2010/main">
+                <a:solidFill>
+                  <a:srgbClr val="FFFFFF"/>
+                </a:solidFill>
+              </a14:hiddenFill>
+            </a:ext>
+          </a:extLst>
+        </p:spPr>
+      </p:pic>
+      <p:pic>
+        <p:nvPicPr>
+          <p:cNvPr id="4114" name="Picture 18" descr="codeship logo"/>
+          <p:cNvPicPr>
+            <a:picLocks noChangeAspect="1" noChangeArrowheads="1"/>
+          </p:cNvPicPr>
+          <p:nvPr/>
+        </p:nvPicPr>
+        <p:blipFill>
+          <a:blip r:embed="rId10">
+            <a:extLst>
+              <a:ext uri="{28A0092B-C50C-407E-A947-70E740481C1C}">
+                <a14:useLocalDpi xmlns:a14="http://schemas.microsoft.com/office/drawing/2010/main" val="0"/>
+              </a:ext>
+            </a:extLst>
+          </a:blip>
+          <a:srcRect/>
+          <a:stretch>
+            <a:fillRect/>
+          </a:stretch>
+        </p:blipFill>
+        <p:spPr bwMode="auto">
+          <a:xfrm>
+            <a:off x="2901052" y="4077072"/>
+            <a:ext cx="2857500" cy="685800"/>
+          </a:xfrm>
+          <a:prstGeom prst="rect">
+            <a:avLst/>
+          </a:prstGeom>
+          <a:noFill/>
+          <a:extLst>
+            <a:ext uri="{909E8E84-426E-40DD-AFC4-6F175D3DCCD1}">
+              <a14:hiddenFill xmlns:a14="http://schemas.microsoft.com/office/drawing/2010/main">
+                <a:solidFill>
+                  <a:srgbClr val="FFFFFF"/>
+                </a:solidFill>
+              </a14:hiddenFill>
+            </a:ext>
+          </a:extLst>
+        </p:spPr>
+      </p:pic>
+    </p:spTree>
+    <p:extLst>
+      <p:ext uri="{BB962C8B-B14F-4D97-AF65-F5344CB8AC3E}">
+        <p14:creationId xmlns:p14="http://schemas.microsoft.com/office/powerpoint/2010/main" val="3778856039"/>
+      </p:ext>
+    </p:extLst>
+  </p:cSld>
+  <p:clrMapOvr>
+    <a:masterClrMapping/>
+  </p:clrMapOvr>
+  <p:timing>
+    <p:tnLst>
+      <p:par>
+        <p:cTn id="1" dur="indefinite" restart="never" nodeType="tmRoot"/>
+      </p:par>
+    </p:tnLst>
+  </p:timing>
+</p:sld>
+</file>
+
+<file path=ppt/slides/slide6.xml><?xml version="1.0" encoding="utf-8"?>
+<p:sld xmlns:a="http://schemas.openxmlformats.org/drawingml/2006/main" xmlns:r="http://schemas.openxmlformats.org/officeDocument/2006/relationships" xmlns:p="http://schemas.openxmlformats.org/presentationml/2006/main">
+  <p:cSld>
+    <p:spTree>
+      <p:nvGrpSpPr>
+        <p:cNvPr id="1" name=""/>
+        <p:cNvGrpSpPr/>
+        <p:nvPr/>
+      </p:nvGrpSpPr>
+      <p:grpSpPr>
+        <a:xfrm>
+          <a:off x="0" y="0"/>
+          <a:ext cx="0" cy="0"/>
+          <a:chOff x="0" y="0"/>
+          <a:chExt cx="0" cy="0"/>
+        </a:xfrm>
+      </p:grpSpPr>
+      <p:sp>
+        <p:nvSpPr>
+          <p:cNvPr id="2" name="Title 1"/>
+          <p:cNvSpPr>
+            <a:spLocks noGrp="1"/>
+          </p:cNvSpPr>
+          <p:nvPr>
+            <p:ph type="title"/>
+          </p:nvPr>
+        </p:nvSpPr>
+        <p:spPr>
+          <a:xfrm>
+            <a:off x="457200" y="152718"/>
+            <a:ext cx="8003232" cy="1371600"/>
+          </a:xfrm>
+          <a:gradFill flip="none" rotWithShape="1">
+            <a:gsLst>
+              <a:gs pos="0">
+                <a:schemeClr val="bg1"/>
+              </a:gs>
+              <a:gs pos="100000">
+                <a:schemeClr val="accent3">
+                  <a:lumMod val="40000"/>
+                  <a:lumOff val="60000"/>
+                </a:schemeClr>
+              </a:gs>
+            </a:gsLst>
+            <a:lin ang="16200000" scaled="1"/>
+            <a:tileRect/>
+          </a:gradFill>
+        </p:spPr>
+        <p:txBody>
+          <a:bodyPr>
+            <a:normAutofit/>
+          </a:bodyPr>
+          <a:lstStyle/>
+          <a:p>
+            <a:r>
+              <a:rPr lang="en-US" dirty="0"/>
+              <a:t>What is </a:t>
+            </a:r>
+            <a:r>
+              <a:rPr lang="en-US" dirty="0" smtClean="0"/>
+              <a:t>a Continuous Deployment?</a:t>
+            </a:r>
+            <a:endParaRPr lang="en-US" dirty="0"/>
+          </a:p>
+        </p:txBody>
+      </p:sp>
+      <p:sp>
+        <p:nvSpPr>
+          <p:cNvPr id="3" name="Content Placeholder 2"/>
+          <p:cNvSpPr>
+            <a:spLocks noGrp="1"/>
+          </p:cNvSpPr>
+          <p:nvPr>
+            <p:ph idx="1"/>
+          </p:nvPr>
+        </p:nvSpPr>
+        <p:spPr>
+          <a:xfrm>
+            <a:off x="457200" y="1752601"/>
+            <a:ext cx="7620000" cy="2180456"/>
+          </a:xfrm>
+        </p:spPr>
+        <p:txBody>
+          <a:bodyPr/>
+          <a:lstStyle/>
+          <a:p>
+            <a:pPr indent="457200"/>
+            <a:r>
+              <a:rPr lang="en-US" b="0" dirty="0"/>
+              <a:t>Continuous </a:t>
+            </a:r>
+            <a:r>
+              <a:rPr lang="en-US" b="0" dirty="0" smtClean="0"/>
+              <a:t>deployment </a:t>
+            </a:r>
+            <a:r>
+              <a:rPr lang="en-US" b="0" dirty="0"/>
+              <a:t>is an extension of continuous </a:t>
+            </a:r>
+            <a:r>
+              <a:rPr lang="en-US" b="0" dirty="0" smtClean="0"/>
+              <a:t>integration. With </a:t>
+            </a:r>
+            <a:r>
+              <a:rPr lang="en-US" b="0" dirty="0"/>
+              <a:t>this practice, every change that passes all stages of your production pipeline is released to your customers. </a:t>
+            </a:r>
+            <a:endParaRPr lang="en-US" b="0" dirty="0" smtClean="0"/>
+          </a:p>
+          <a:p>
+            <a:pPr indent="457200"/>
+            <a:r>
+              <a:rPr lang="en-US" b="0" dirty="0" smtClean="0"/>
+              <a:t>There's </a:t>
+            </a:r>
+            <a:r>
+              <a:rPr lang="en-US" b="0" dirty="0"/>
+              <a:t>no human intervention, and only a failed test will prevent a new change to be deployed to production.</a:t>
+            </a:r>
+            <a:endParaRPr lang="en-US" dirty="0"/>
+          </a:p>
+        </p:txBody>
+      </p:sp>
+      <p:pic>
+        <p:nvPicPr>
+          <p:cNvPr id="4098" name="Picture 2" descr="Image result for Continuous Deployment"/>
+          <p:cNvPicPr>
+            <a:picLocks noChangeAspect="1" noChangeArrowheads="1"/>
+          </p:cNvPicPr>
+          <p:nvPr/>
+        </p:nvPicPr>
+        <p:blipFill>
+          <a:blip r:embed="rId3">
+            <a:extLst>
+              <a:ext uri="{28A0092B-C50C-407E-A947-70E740481C1C}">
+                <a14:useLocalDpi xmlns:a14="http://schemas.microsoft.com/office/drawing/2010/main" val="0"/>
+              </a:ext>
+            </a:extLst>
+          </a:blip>
+          <a:srcRect/>
+          <a:stretch>
+            <a:fillRect/>
+          </a:stretch>
+        </p:blipFill>
+        <p:spPr bwMode="auto">
+          <a:xfrm>
+            <a:off x="-108520" y="3861048"/>
+            <a:ext cx="4824536" cy="2753477"/>
+          </a:xfrm>
+          <a:prstGeom prst="rect">
+            <a:avLst/>
+          </a:prstGeom>
+          <a:noFill/>
+          <a:extLst>
+            <a:ext uri="{909E8E84-426E-40DD-AFC4-6F175D3DCCD1}">
+              <a14:hiddenFill xmlns:a14="http://schemas.microsoft.com/office/drawing/2010/main">
+                <a:solidFill>
+                  <a:srgbClr val="FFFFFF"/>
+                </a:solidFill>
+              </a14:hiddenFill>
+            </a:ext>
+          </a:extLst>
+        </p:spPr>
+      </p:pic>
+      <p:pic>
+        <p:nvPicPr>
+          <p:cNvPr id="6" name="Picture 2" descr="Image result for Continuous Deployment"/>
+          <p:cNvPicPr>
+            <a:picLocks noChangeAspect="1" noChangeArrowheads="1"/>
+          </p:cNvPicPr>
+          <p:nvPr/>
+        </p:nvPicPr>
+        <p:blipFill>
+          <a:blip r:embed="rId3">
+            <a:extLst>
+              <a:ext uri="{28A0092B-C50C-407E-A947-70E740481C1C}">
+                <a14:useLocalDpi xmlns:a14="http://schemas.microsoft.com/office/drawing/2010/main" val="0"/>
+              </a:ext>
+            </a:extLst>
+          </a:blip>
+          <a:srcRect/>
+          <a:stretch>
+            <a:fillRect/>
+          </a:stretch>
+        </p:blipFill>
+        <p:spPr bwMode="auto">
+          <a:xfrm>
+            <a:off x="4211960" y="4005064"/>
+            <a:ext cx="4824536" cy="2753477"/>
+          </a:xfrm>
+          <a:prstGeom prst="rect">
+            <a:avLst/>
+          </a:prstGeom>
+          <a:noFill/>
+          <a:extLst>
+            <a:ext uri="{909E8E84-426E-40DD-AFC4-6F175D3DCCD1}">
+              <a14:hiddenFill xmlns:a14="http://schemas.microsoft.com/office/drawing/2010/main">
+                <a:solidFill>
+                  <a:srgbClr val="FFFFFF"/>
+                </a:solidFill>
+              </a14:hiddenFill>
+            </a:ext>
+          </a:extLst>
+        </p:spPr>
+      </p:pic>
+    </p:spTree>
+    <p:extLst>
+      <p:ext uri="{BB962C8B-B14F-4D97-AF65-F5344CB8AC3E}">
+        <p14:creationId xmlns:p14="http://schemas.microsoft.com/office/powerpoint/2010/main" val="363347603"/>
+      </p:ext>
+    </p:extLst>
+  </p:cSld>
+  <p:clrMapOvr>
+    <a:masterClrMapping/>
+  </p:clrMapOvr>
+  <p:timing>
+    <p:tnLst>
+      <p:par>
+        <p:cTn id="1" dur="indefinite" restart="never" nodeType="tmRoot"/>
+      </p:par>
+    </p:tnLst>
+  </p:timing>
+</p:sld>
+</file>
+
+<file path=ppt/slides/slide7.xml><?xml version="1.0" encoding="utf-8"?>
+<p:sld xmlns:a="http://schemas.openxmlformats.org/drawingml/2006/main" xmlns:r="http://schemas.openxmlformats.org/officeDocument/2006/relationships" xmlns:p="http://schemas.openxmlformats.org/presentationml/2006/main">
+  <p:cSld>
+    <p:spTree>
+      <p:nvGrpSpPr>
+        <p:cNvPr id="1" name=""/>
+        <p:cNvGrpSpPr/>
+        <p:nvPr/>
+      </p:nvGrpSpPr>
+      <p:grpSpPr>
+        <a:xfrm>
+          <a:off x="0" y="0"/>
+          <a:ext cx="0" cy="0"/>
+          <a:chOff x="0" y="0"/>
+          <a:chExt cx="0" cy="0"/>
+        </a:xfrm>
+      </p:grpSpPr>
+      <p:sp>
+        <p:nvSpPr>
+          <p:cNvPr id="2" name="Title 1"/>
+          <p:cNvSpPr>
+            <a:spLocks noGrp="1"/>
+          </p:cNvSpPr>
+          <p:nvPr>
+            <p:ph type="title"/>
+          </p:nvPr>
+        </p:nvSpPr>
+        <p:spPr>
+          <a:xfrm>
+            <a:off x="457200" y="1196752"/>
+            <a:ext cx="3970784" cy="903630"/>
+          </a:xfrm>
+        </p:spPr>
+        <p:txBody>
+          <a:bodyPr>
+            <a:normAutofit/>
+          </a:bodyPr>
+          <a:lstStyle/>
+          <a:p>
+            <a:r>
+              <a:rPr lang="en-US" sz="3200" dirty="0" smtClean="0"/>
+              <a:t>What we </a:t>
+            </a:r>
+            <a:r>
+              <a:rPr lang="en-US" sz="3200" dirty="0" err="1" smtClean="0"/>
+              <a:t>neeD</a:t>
+            </a:r>
+            <a:endParaRPr lang="en-US" sz="3200" dirty="0"/>
+          </a:p>
+        </p:txBody>
+      </p:sp>
+      <p:sp>
+        <p:nvSpPr>
+          <p:cNvPr id="3" name="Content Placeholder 2"/>
+          <p:cNvSpPr>
+            <a:spLocks noGrp="1"/>
+          </p:cNvSpPr>
+          <p:nvPr>
+            <p:ph idx="1"/>
+          </p:nvPr>
+        </p:nvSpPr>
+        <p:spPr>
+          <a:xfrm>
+            <a:off x="457200" y="2328665"/>
+            <a:ext cx="3898776" cy="2468488"/>
+          </a:xfrm>
+        </p:spPr>
+        <p:style>
+          <a:lnRef idx="2">
+            <a:schemeClr val="accent5"/>
+          </a:lnRef>
+          <a:fillRef idx="1">
+            <a:schemeClr val="lt1"/>
+          </a:fillRef>
+          <a:effectRef idx="0">
+            <a:schemeClr val="accent5"/>
+          </a:effectRef>
+          <a:fontRef idx="minor">
+            <a:schemeClr val="dk1"/>
+          </a:fontRef>
+        </p:style>
+        <p:txBody>
+          <a:bodyPr>
+            <a:normAutofit/>
+          </a:bodyPr>
+          <a:lstStyle/>
+          <a:p>
+            <a:pPr marL="342900" indent="-342900" fontAlgn="base">
+              <a:buFont typeface="Arial" panose="020B0604020202020204" pitchFamily="34" charset="0"/>
+              <a:buChar char="•"/>
+            </a:pPr>
+            <a:r>
+              <a:rPr lang="en-US" sz="2400" b="0" dirty="0" smtClean="0"/>
+              <a:t>High</a:t>
+            </a:r>
+            <a:r>
+              <a:rPr lang="uk-UA" sz="2400" b="0" dirty="0" smtClean="0"/>
+              <a:t> </a:t>
+            </a:r>
+            <a:r>
+              <a:rPr lang="en-US" sz="2400" b="0" dirty="0" smtClean="0"/>
+              <a:t>quality tests</a:t>
+            </a:r>
+            <a:endParaRPr lang="en-US" sz="2400" b="0" dirty="0"/>
+          </a:p>
+          <a:p>
+            <a:pPr marL="342900" indent="-342900" fontAlgn="base">
+              <a:buFont typeface="Arial" panose="020B0604020202020204" pitchFamily="34" charset="0"/>
+              <a:buChar char="•"/>
+            </a:pPr>
+            <a:r>
+              <a:rPr lang="en-US" sz="2400" b="0" dirty="0"/>
+              <a:t>Actual </a:t>
+            </a:r>
+            <a:r>
+              <a:rPr lang="en-US" sz="2400" b="0" dirty="0" smtClean="0"/>
+              <a:t>documentation</a:t>
+            </a:r>
+            <a:endParaRPr lang="uk-UA" sz="2400" b="0" dirty="0" smtClean="0"/>
+          </a:p>
+          <a:p>
+            <a:pPr marL="342900" indent="-342900" fontAlgn="base">
+              <a:buFont typeface="Arial" panose="020B0604020202020204" pitchFamily="34" charset="0"/>
+              <a:buChar char="•"/>
+            </a:pPr>
+            <a:r>
+              <a:rPr lang="en-US" sz="2400" b="0" dirty="0" smtClean="0"/>
+              <a:t>Using </a:t>
+            </a:r>
+            <a:r>
+              <a:rPr lang="en-US" sz="2400" b="0" dirty="0"/>
+              <a:t>flag </a:t>
+            </a:r>
+            <a:r>
+              <a:rPr lang="en-US" sz="2400" b="0" dirty="0" smtClean="0"/>
+              <a:t>features</a:t>
+            </a:r>
+            <a:r>
+              <a:rPr lang="uk-UA" sz="2400" b="0" dirty="0" smtClean="0"/>
+              <a:t> </a:t>
+            </a:r>
+            <a:r>
+              <a:rPr lang="en-US" sz="2400" b="0" dirty="0" smtClean="0"/>
+              <a:t>(</a:t>
+            </a:r>
+            <a:r>
+              <a:rPr lang="en-US" sz="2400" b="0" dirty="0"/>
+              <a:t>recommended)</a:t>
+            </a:r>
+            <a:endParaRPr lang="en-US" sz="2400" b="0" dirty="0" smtClean="0"/>
+          </a:p>
+          <a:p>
+            <a:endParaRPr lang="en-US" dirty="0"/>
+          </a:p>
+        </p:txBody>
+      </p:sp>
+      <p:sp>
+        <p:nvSpPr>
+          <p:cNvPr id="4" name="Title 1"/>
+          <p:cNvSpPr txBox="1">
+            <a:spLocks/>
+          </p:cNvSpPr>
+          <p:nvPr/>
+        </p:nvSpPr>
+        <p:spPr>
+          <a:xfrm>
+            <a:off x="4751136" y="1196752"/>
+            <a:ext cx="3970784" cy="903630"/>
+          </a:xfrm>
+          <a:prstGeom prst="rect">
+            <a:avLst/>
+          </a:prstGeom>
+        </p:spPr>
+        <p:txBody>
+          <a:bodyPr vert="horz" lIns="91440" tIns="45720" rIns="91440" bIns="45720" rtlCol="0" anchor="b">
+            <a:normAutofit/>
+          </a:bodyPr>
+          <a:lstStyle>
+            <a:lvl1pPr algn="l" defTabSz="914400" rtl="0" eaLnBrk="1" latinLnBrk="0" hangingPunct="1">
+              <a:spcBef>
+                <a:spcPct val="0"/>
+              </a:spcBef>
+              <a:buNone/>
+              <a:defRPr sz="3600" kern="1200" cap="all" spc="-60" baseline="0">
+                <a:solidFill>
+                  <a:schemeClr val="tx2"/>
+                </a:solidFill>
+                <a:latin typeface="+mj-lt"/>
+                <a:ea typeface="+mj-ea"/>
+                <a:cs typeface="+mj-cs"/>
+              </a:defRPr>
+            </a:lvl1pPr>
+          </a:lstStyle>
+          <a:p>
+            <a:r>
+              <a:rPr lang="en-US" sz="3200" dirty="0" smtClean="0">
+                <a:solidFill>
+                  <a:srgbClr val="92D050"/>
+                </a:solidFill>
+              </a:rPr>
+              <a:t>What we Gain</a:t>
+            </a:r>
+            <a:endParaRPr lang="en-US" sz="3200" dirty="0">
+              <a:solidFill>
+                <a:srgbClr val="92D050"/>
+              </a:solidFill>
+            </a:endParaRPr>
+          </a:p>
+        </p:txBody>
+      </p:sp>
+      <p:sp>
+        <p:nvSpPr>
+          <p:cNvPr id="5" name="Content Placeholder 2"/>
+          <p:cNvSpPr txBox="1">
+            <a:spLocks/>
+          </p:cNvSpPr>
+          <p:nvPr/>
+        </p:nvSpPr>
+        <p:spPr>
+          <a:xfrm>
+            <a:off x="4735990" y="2335424"/>
+            <a:ext cx="3898776" cy="2448273"/>
+          </a:xfrm>
+          <a:prstGeom prst="rect">
+            <a:avLst/>
+          </a:prstGeom>
+          <a:ln>
+            <a:solidFill>
+              <a:srgbClr val="92D050"/>
+            </a:solidFill>
+          </a:ln>
+        </p:spPr>
+        <p:style>
+          <a:lnRef idx="2">
+            <a:schemeClr val="accent6"/>
+          </a:lnRef>
+          <a:fillRef idx="1">
+            <a:schemeClr val="lt1"/>
+          </a:fillRef>
+          <a:effectRef idx="0">
+            <a:schemeClr val="accent6"/>
+          </a:effectRef>
+          <a:fontRef idx="minor">
+            <a:schemeClr val="dk1"/>
+          </a:fontRef>
+        </p:style>
+        <p:txBody>
+          <a:bodyPr vert="horz" lIns="91440" tIns="45720" rIns="91440" bIns="45720" rtlCol="0">
+            <a:normAutofit/>
+          </a:bodyPr>
+          <a:lstStyle>
+            <a:lvl1pPr marL="0" indent="0" algn="l" defTabSz="914400" rtl="0" eaLnBrk="1" latinLnBrk="0" hangingPunct="1">
+              <a:spcBef>
+                <a:spcPct val="20000"/>
+              </a:spcBef>
+              <a:spcAft>
+                <a:spcPts val="600"/>
+              </a:spcAft>
+              <a:buFont typeface="Arial" pitchFamily="34" charset="0"/>
+              <a:buNone/>
+              <a:defRPr sz="2000" b="1" kern="1200">
+                <a:solidFill>
+                  <a:schemeClr val="tx1"/>
+                </a:solidFill>
+                <a:latin typeface="+mn-lt"/>
+                <a:ea typeface="+mn-ea"/>
+                <a:cs typeface="+mn-cs"/>
+              </a:defRPr>
+            </a:lvl1pPr>
+            <a:lvl2pPr marL="457200" indent="-182880" algn="l" defTabSz="914400" rtl="0" eaLnBrk="1" latinLnBrk="0" hangingPunct="1">
+              <a:spcBef>
+                <a:spcPct val="20000"/>
+              </a:spcBef>
+              <a:buClr>
+                <a:schemeClr val="tx2"/>
+              </a:buClr>
+              <a:buFont typeface="Arial" pitchFamily="34" charset="0"/>
+              <a:buChar char="•"/>
+              <a:defRPr sz="2000" kern="1200">
+                <a:solidFill>
+                  <a:schemeClr val="tx1"/>
+                </a:solidFill>
+                <a:latin typeface="+mn-lt"/>
+                <a:ea typeface="+mn-ea"/>
+                <a:cs typeface="+mn-cs"/>
+              </a:defRPr>
+            </a:lvl2pPr>
+            <a:lvl3pPr marL="1143000" indent="-228600" algn="l" defTabSz="914400" rtl="0" eaLnBrk="1" latinLnBrk="0" hangingPunct="1">
+              <a:spcBef>
+                <a:spcPct val="20000"/>
+              </a:spcBef>
+              <a:buClr>
+                <a:schemeClr val="tx2"/>
+              </a:buClr>
+              <a:buFont typeface="Arial" pitchFamily="34" charset="0"/>
+              <a:buChar char="•"/>
+              <a:defRPr sz="1800" kern="1200">
+                <a:solidFill>
+                  <a:schemeClr val="tx1"/>
+                </a:solidFill>
+                <a:latin typeface="+mn-lt"/>
+                <a:ea typeface="+mn-ea"/>
+                <a:cs typeface="+mn-cs"/>
+              </a:defRPr>
+            </a:lvl3pPr>
+            <a:lvl4pPr marL="1600200" indent="-228600" algn="l" defTabSz="914400" rtl="0" eaLnBrk="1" latinLnBrk="0" hangingPunct="1">
+              <a:spcBef>
+                <a:spcPct val="20000"/>
+              </a:spcBef>
+              <a:buClr>
+                <a:schemeClr val="tx2"/>
+              </a:buClr>
+              <a:buFont typeface="Arial" pitchFamily="34" charset="0"/>
+              <a:buChar char="•"/>
+              <a:defRPr sz="1800" kern="1200">
+                <a:solidFill>
+                  <a:schemeClr val="tx1"/>
+                </a:solidFill>
+                <a:latin typeface="+mn-lt"/>
+                <a:ea typeface="+mn-ea"/>
+                <a:cs typeface="+mn-cs"/>
+              </a:defRPr>
+            </a:lvl4pPr>
+            <a:lvl5pPr marL="2057400" indent="-228600" algn="l" defTabSz="914400" rtl="0" eaLnBrk="1" latinLnBrk="0" hangingPunct="1">
+              <a:spcBef>
+                <a:spcPct val="20000"/>
+              </a:spcBef>
+              <a:buClr>
+                <a:schemeClr val="tx2"/>
+              </a:buClr>
+              <a:buFont typeface="Arial" pitchFamily="34" charset="0"/>
+              <a:buChar char="•"/>
+              <a:defRPr sz="1800" kern="1200" baseline="0">
+                <a:solidFill>
+                  <a:schemeClr val="tx1"/>
+                </a:solidFill>
+                <a:latin typeface="+mn-lt"/>
+                <a:ea typeface="+mn-ea"/>
+                <a:cs typeface="+mn-cs"/>
+              </a:defRPr>
+            </a:lvl5pPr>
+            <a:lvl6pPr marL="2514600" indent="-228600" algn="l" defTabSz="914400" rtl="0" eaLnBrk="1" latinLnBrk="0" hangingPunct="1">
+              <a:spcBef>
+                <a:spcPct val="20000"/>
+              </a:spcBef>
+              <a:buClr>
+                <a:schemeClr val="tx2"/>
+              </a:buClr>
+              <a:buFont typeface="Arial" pitchFamily="34" charset="0"/>
+              <a:buChar char="•"/>
+              <a:defRPr sz="1600" kern="1200">
+                <a:solidFill>
+                  <a:schemeClr val="tx1"/>
+                </a:solidFill>
+                <a:latin typeface="+mn-lt"/>
+                <a:ea typeface="+mn-ea"/>
+                <a:cs typeface="+mn-cs"/>
+              </a:defRPr>
+            </a:lvl6pPr>
+            <a:lvl7pPr marL="2971800" indent="-228600" algn="l" defTabSz="914400" rtl="0" eaLnBrk="1" latinLnBrk="0" hangingPunct="1">
+              <a:spcBef>
+                <a:spcPct val="20000"/>
+              </a:spcBef>
+              <a:buClr>
+                <a:schemeClr val="tx2"/>
+              </a:buClr>
+              <a:buFont typeface="Arial" pitchFamily="34" charset="0"/>
+              <a:buChar char="•"/>
+              <a:defRPr sz="1600" kern="1200">
+                <a:solidFill>
+                  <a:schemeClr val="tx1"/>
+                </a:solidFill>
+                <a:latin typeface="+mn-lt"/>
+                <a:ea typeface="+mn-ea"/>
+                <a:cs typeface="+mn-cs"/>
+              </a:defRPr>
+            </a:lvl7pPr>
+            <a:lvl8pPr marL="3429000" indent="-228600" algn="l" defTabSz="914400" rtl="0" eaLnBrk="1" latinLnBrk="0" hangingPunct="1">
+              <a:spcBef>
+                <a:spcPct val="20000"/>
+              </a:spcBef>
+              <a:buClr>
+                <a:schemeClr val="tx2"/>
+              </a:buClr>
+              <a:buFont typeface="Arial" pitchFamily="34" charset="0"/>
+              <a:buChar char="•"/>
+              <a:defRPr sz="1600" kern="1200">
+                <a:solidFill>
+                  <a:schemeClr val="tx1"/>
+                </a:solidFill>
+                <a:latin typeface="+mn-lt"/>
+                <a:ea typeface="+mn-ea"/>
+                <a:cs typeface="+mn-cs"/>
+              </a:defRPr>
+            </a:lvl8pPr>
+            <a:lvl9pPr marL="3886200" indent="-228600" algn="l" defTabSz="914400" rtl="0" eaLnBrk="1" latinLnBrk="0" hangingPunct="1">
+              <a:spcBef>
+                <a:spcPct val="20000"/>
+              </a:spcBef>
+              <a:buClr>
+                <a:schemeClr val="tx2"/>
+              </a:buClr>
+              <a:buFont typeface="Arial" pitchFamily="34" charset="0"/>
+              <a:buChar char="•"/>
+              <a:defRPr sz="1600" kern="1200">
+                <a:solidFill>
+                  <a:schemeClr val="tx1"/>
+                </a:solidFill>
+                <a:latin typeface="+mn-lt"/>
+                <a:ea typeface="+mn-ea"/>
+                <a:cs typeface="+mn-cs"/>
+              </a:defRPr>
+            </a:lvl9pPr>
+          </a:lstStyle>
+          <a:p>
+            <a:pPr marL="342900" indent="-342900" fontAlgn="base">
+              <a:buFont typeface="Arial" panose="020B0604020202020204" pitchFamily="34" charset="0"/>
+              <a:buChar char="•"/>
+            </a:pPr>
+            <a:r>
+              <a:rPr lang="en-US" sz="2400" b="0" dirty="0" smtClean="0"/>
+              <a:t>Faster development</a:t>
+            </a:r>
+          </a:p>
+          <a:p>
+            <a:pPr marL="342900" indent="-342900" fontAlgn="base">
+              <a:buFont typeface="Arial" panose="020B0604020202020204" pitchFamily="34" charset="0"/>
+              <a:buChar char="•"/>
+            </a:pPr>
+            <a:r>
+              <a:rPr lang="en-US" sz="2400" b="0" dirty="0"/>
+              <a:t>Releases are less risky </a:t>
+            </a:r>
+            <a:endParaRPr lang="en-US" sz="2400" b="0" dirty="0" smtClean="0"/>
+          </a:p>
+          <a:p>
+            <a:pPr marL="342900" indent="-342900" fontAlgn="base">
+              <a:buFont typeface="Arial" panose="020B0604020202020204" pitchFamily="34" charset="0"/>
+              <a:buChar char="•"/>
+            </a:pPr>
+            <a:r>
+              <a:rPr lang="en-US" sz="2400" b="0" dirty="0"/>
+              <a:t>S</a:t>
+            </a:r>
+            <a:r>
+              <a:rPr lang="en-US" sz="2400" b="0" dirty="0" smtClean="0"/>
+              <a:t>atisfied </a:t>
+            </a:r>
+            <a:r>
+              <a:rPr lang="en-US" sz="2400" b="0" dirty="0"/>
+              <a:t>customer</a:t>
+            </a:r>
+            <a:endParaRPr lang="en-US" sz="2400" dirty="0"/>
+          </a:p>
+        </p:txBody>
+      </p:sp>
+      <p:sp>
+        <p:nvSpPr>
+          <p:cNvPr id="8" name="Pentagon 7"/>
+          <p:cNvSpPr/>
+          <p:nvPr/>
+        </p:nvSpPr>
+        <p:spPr>
+          <a:xfrm>
+            <a:off x="0" y="260648"/>
+            <a:ext cx="5004048" cy="648072"/>
+          </a:xfrm>
+          <a:prstGeom prst="homePlate">
+            <a:avLst/>
+          </a:prstGeom>
+        </p:spPr>
+        <p:style>
+          <a:lnRef idx="1">
+            <a:schemeClr val="accent4"/>
+          </a:lnRef>
+          <a:fillRef idx="2">
+            <a:schemeClr val="accent4"/>
+          </a:fillRef>
+          <a:effectRef idx="1">
+            <a:schemeClr val="accent4"/>
+          </a:effectRef>
+          <a:fontRef idx="minor">
+            <a:schemeClr val="dk1"/>
+          </a:fontRef>
+        </p:style>
+        <p:txBody>
+          <a:bodyPr rtlCol="0" anchor="ctr"/>
+          <a:lstStyle/>
+          <a:p>
+            <a:pPr algn="ctr"/>
+            <a:r>
+              <a:rPr lang="en-US" sz="2400" dirty="0"/>
+              <a:t>Continuous </a:t>
+            </a:r>
+            <a:r>
+              <a:rPr lang="en-US" sz="2400" dirty="0" smtClean="0"/>
+              <a:t>Deployment</a:t>
+            </a:r>
+            <a:endParaRPr lang="en-US" sz="2400" dirty="0"/>
+          </a:p>
+        </p:txBody>
+      </p:sp>
+    </p:spTree>
+    <p:extLst>
+      <p:ext uri="{BB962C8B-B14F-4D97-AF65-F5344CB8AC3E}">
+        <p14:creationId xmlns:p14="http://schemas.microsoft.com/office/powerpoint/2010/main" val="48026965"/>
+      </p:ext>
+    </p:extLst>
+  </p:cSld>
+  <p:clrMapOvr>
+    <a:masterClrMapping/>
+  </p:clrMapOvr>
+  <p:timing>
+    <p:tnLst>
+      <p:par>
+        <p:cTn id="1" dur="indefinite" restart="never" nodeType="tmRoot"/>
+      </p:par>
+    </p:tnLst>
+  </p:timing>
+</p:sld>
+</file>
+
+<file path=ppt/slides/slide8.xml><?xml version="1.0" encoding="utf-8"?>
+<p:sld xmlns:a="http://schemas.openxmlformats.org/drawingml/2006/main" xmlns:r="http://schemas.openxmlformats.org/officeDocument/2006/relationships" xmlns:p="http://schemas.openxmlformats.org/presentationml/2006/main">
+  <p:cSld>
+    <p:spTree>
+      <p:nvGrpSpPr>
+        <p:cNvPr id="1" name=""/>
+        <p:cNvGrpSpPr/>
+        <p:nvPr/>
+      </p:nvGrpSpPr>
+      <p:grpSpPr>
+        <a:xfrm>
+          <a:off x="0" y="0"/>
+          <a:ext cx="0" cy="0"/>
+          <a:chOff x="0" y="0"/>
+          <a:chExt cx="0" cy="0"/>
+        </a:xfrm>
+      </p:grpSpPr>
+      <p:sp>
+        <p:nvSpPr>
+          <p:cNvPr id="2" name="Title 1"/>
+          <p:cNvSpPr>
+            <a:spLocks noGrp="1"/>
+          </p:cNvSpPr>
+          <p:nvPr>
+            <p:ph type="title"/>
+          </p:nvPr>
+        </p:nvSpPr>
+        <p:spPr>
+          <a:xfrm>
+            <a:off x="5220072" y="187778"/>
+            <a:ext cx="2808312" cy="793812"/>
+          </a:xfrm>
+        </p:spPr>
+        <p:txBody>
+          <a:bodyPr/>
+          <a:lstStyle/>
+          <a:p>
+            <a:r>
+              <a:rPr lang="en-US" cap="none" spc="0" dirty="0" smtClean="0">
+                <a:solidFill>
+                  <a:schemeClr val="tx1"/>
+                </a:solidFill>
+              </a:rPr>
+              <a:t>Testing</a:t>
+            </a:r>
+            <a:endParaRPr lang="en-US" dirty="0"/>
+          </a:p>
+        </p:txBody>
+      </p:sp>
+      <p:sp>
+        <p:nvSpPr>
+          <p:cNvPr id="4" name="Pentagon 3"/>
+          <p:cNvSpPr/>
+          <p:nvPr/>
+        </p:nvSpPr>
+        <p:spPr>
+          <a:xfrm>
+            <a:off x="0" y="260648"/>
+            <a:ext cx="5004048" cy="648072"/>
+          </a:xfrm>
+          <a:prstGeom prst="homePlate">
+            <a:avLst/>
+          </a:prstGeom>
+        </p:spPr>
+        <p:style>
+          <a:lnRef idx="1">
+            <a:schemeClr val="accent4"/>
+          </a:lnRef>
+          <a:fillRef idx="2">
+            <a:schemeClr val="accent4"/>
+          </a:fillRef>
+          <a:effectRef idx="1">
+            <a:schemeClr val="accent4"/>
+          </a:effectRef>
+          <a:fontRef idx="minor">
+            <a:schemeClr val="dk1"/>
+          </a:fontRef>
+        </p:style>
+        <p:txBody>
+          <a:bodyPr rtlCol="0" anchor="ctr"/>
+          <a:lstStyle/>
+          <a:p>
+            <a:pPr algn="ctr"/>
+            <a:r>
+              <a:rPr lang="en-US" sz="2400" dirty="0"/>
+              <a:t>Continuous </a:t>
+            </a:r>
+            <a:r>
+              <a:rPr lang="en-US" sz="2400" dirty="0" smtClean="0"/>
+              <a:t>Deployment</a:t>
+            </a:r>
+            <a:endParaRPr lang="en-US" sz="2400" dirty="0"/>
+          </a:p>
+        </p:txBody>
+      </p:sp>
+      <p:pic>
+        <p:nvPicPr>
+          <p:cNvPr id="6" name="Picture 6" descr="Image result for Continuous Deployment"/>
+          <p:cNvPicPr>
+            <a:picLocks noChangeAspect="1" noChangeArrowheads="1"/>
+          </p:cNvPicPr>
+          <p:nvPr/>
+        </p:nvPicPr>
+        <p:blipFill rotWithShape="1">
+          <a:blip r:embed="rId2">
+            <a:extLst>
+              <a:ext uri="{28A0092B-C50C-407E-A947-70E740481C1C}">
+                <a14:useLocalDpi xmlns:a14="http://schemas.microsoft.com/office/drawing/2010/main" val="0"/>
+              </a:ext>
+            </a:extLst>
+          </a:blip>
+          <a:srcRect t="63054"/>
+          <a:stretch/>
+        </p:blipFill>
+        <p:spPr bwMode="auto">
+          <a:xfrm>
+            <a:off x="-175763" y="1894251"/>
+            <a:ext cx="9217024" cy="1188452"/>
+          </a:xfrm>
+          <a:prstGeom prst="rect">
+            <a:avLst/>
+          </a:prstGeom>
+          <a:noFill/>
+          <a:extLst>
+            <a:ext uri="{909E8E84-426E-40DD-AFC4-6F175D3DCCD1}">
+              <a14:hiddenFill xmlns:a14="http://schemas.microsoft.com/office/drawing/2010/main">
+                <a:solidFill>
+                  <a:srgbClr val="FFFFFF"/>
+                </a:solidFill>
+              </a14:hiddenFill>
+            </a:ext>
+          </a:extLst>
+        </p:spPr>
+      </p:pic>
+      <p:grpSp>
+        <p:nvGrpSpPr>
+          <p:cNvPr id="7" name="Group 6"/>
+          <p:cNvGrpSpPr/>
+          <p:nvPr/>
+        </p:nvGrpSpPr>
+        <p:grpSpPr>
+          <a:xfrm>
+            <a:off x="179512" y="1312218"/>
+            <a:ext cx="2808312" cy="1666839"/>
+            <a:chOff x="0" y="1988840"/>
+            <a:chExt cx="2987824" cy="4248472"/>
+          </a:xfrm>
+        </p:grpSpPr>
+        <p:sp>
+          <p:nvSpPr>
+            <p:cNvPr id="8" name="Rectangle 7"/>
+            <p:cNvSpPr/>
+            <p:nvPr/>
+          </p:nvSpPr>
+          <p:spPr>
+            <a:xfrm>
+              <a:off x="0" y="1988840"/>
+              <a:ext cx="2987824" cy="4248472"/>
+            </a:xfrm>
+            <a:prstGeom prst="rect">
+              <a:avLst/>
+            </a:prstGeom>
+            <a:noFill/>
+            <a:ln>
+              <a:solidFill>
+                <a:schemeClr val="tx2"/>
+              </a:solidFill>
+            </a:ln>
+          </p:spPr>
+          <p:style>
+            <a:lnRef idx="2">
+              <a:schemeClr val="accent1">
+                <a:shade val="50000"/>
+              </a:schemeClr>
+            </a:lnRef>
+            <a:fillRef idx="1">
+              <a:schemeClr val="accent1"/>
+            </a:fillRef>
+            <a:effectRef idx="0">
+              <a:schemeClr val="accent1"/>
+            </a:effectRef>
+            <a:fontRef idx="minor">
+              <a:schemeClr val="lt1"/>
+            </a:fontRef>
+          </p:style>
+          <p:txBody>
+            <a:bodyPr rtlCol="0" anchor="ctr"/>
+            <a:lstStyle/>
+            <a:p>
+              <a:pPr algn="ctr"/>
+              <a:endParaRPr lang="en-US"/>
+            </a:p>
+          </p:txBody>
+        </p:sp>
+        <p:sp>
+          <p:nvSpPr>
+            <p:cNvPr id="9" name="TextBox 8"/>
+            <p:cNvSpPr txBox="1"/>
+            <p:nvPr/>
+          </p:nvSpPr>
+          <p:spPr>
+            <a:xfrm>
+              <a:off x="179512" y="2047268"/>
+              <a:ext cx="2808312" cy="369332"/>
+            </a:xfrm>
+            <a:prstGeom prst="rect">
+              <a:avLst/>
+            </a:prstGeom>
+            <a:noFill/>
+          </p:spPr>
+          <p:txBody>
+            <a:bodyPr wrap="square" rtlCol="0">
+              <a:spAutoFit/>
+            </a:bodyPr>
+            <a:lstStyle/>
+            <a:p>
+              <a:r>
+                <a:rPr lang="en-US" dirty="0" smtClean="0"/>
+                <a:t>Continuous Integration</a:t>
+              </a:r>
+              <a:endParaRPr lang="en-US" dirty="0"/>
+            </a:p>
+          </p:txBody>
+        </p:sp>
+        <p:cxnSp>
+          <p:nvCxnSpPr>
+            <p:cNvPr id="10" name="Straight Connector 9"/>
+            <p:cNvCxnSpPr/>
+            <p:nvPr/>
+          </p:nvCxnSpPr>
+          <p:spPr>
+            <a:xfrm>
+              <a:off x="0" y="2817468"/>
+              <a:ext cx="2987824" cy="0"/>
+            </a:xfrm>
+            <a:prstGeom prst="line">
+              <a:avLst/>
+            </a:prstGeom>
+            <a:ln>
+              <a:solidFill>
+                <a:schemeClr val="tx2"/>
+              </a:solidFill>
+            </a:ln>
+          </p:spPr>
+          <p:style>
+            <a:lnRef idx="2">
+              <a:schemeClr val="accent5"/>
+            </a:lnRef>
+            <a:fillRef idx="0">
+              <a:schemeClr val="accent5"/>
+            </a:fillRef>
+            <a:effectRef idx="1">
+              <a:schemeClr val="accent5"/>
+            </a:effectRef>
+            <a:fontRef idx="minor">
+              <a:schemeClr val="tx1"/>
+            </a:fontRef>
+          </p:style>
+        </p:cxnSp>
+      </p:grpSp>
+      <p:sp>
+        <p:nvSpPr>
+          <p:cNvPr id="14" name="Line Callout 1 13"/>
+          <p:cNvSpPr/>
+          <p:nvPr/>
+        </p:nvSpPr>
+        <p:spPr>
+          <a:xfrm>
+            <a:off x="1990495" y="4429988"/>
+            <a:ext cx="2736304" cy="1879332"/>
+          </a:xfrm>
+          <a:prstGeom prst="borderCallout1">
+            <a:avLst>
+              <a:gd name="adj1" fmla="val -1310"/>
+              <a:gd name="adj2" fmla="val 49564"/>
+              <a:gd name="adj3" fmla="val -104594"/>
+              <a:gd name="adj4" fmla="val 110974"/>
+            </a:avLst>
+          </a:prstGeom>
+        </p:spPr>
+        <p:style>
+          <a:lnRef idx="2">
+            <a:schemeClr val="accent2"/>
+          </a:lnRef>
+          <a:fillRef idx="1">
+            <a:schemeClr val="lt1"/>
+          </a:fillRef>
+          <a:effectRef idx="0">
+            <a:schemeClr val="accent2"/>
+          </a:effectRef>
+          <a:fontRef idx="minor">
+            <a:schemeClr val="dk1"/>
+          </a:fontRef>
+        </p:style>
+        <p:txBody>
+          <a:bodyPr rtlCol="0" anchor="ctr"/>
+          <a:lstStyle/>
+          <a:p>
+            <a:pPr algn="ctr"/>
+            <a:r>
+              <a:rPr lang="en-US" dirty="0" smtClean="0"/>
+              <a:t>The </a:t>
+            </a:r>
+            <a:r>
+              <a:rPr lang="en-US" dirty="0"/>
+              <a:t>purpose of this test is to evaluate the system's compliance with the business requirements and assess whether it is acceptable for </a:t>
+            </a:r>
+            <a:r>
+              <a:rPr lang="en-US" dirty="0" smtClean="0"/>
+              <a:t>deployment.</a:t>
+            </a:r>
+            <a:r>
+              <a:rPr lang="en-US" dirty="0"/>
+              <a:t> </a:t>
+            </a:r>
+            <a:endParaRPr lang="en-US" dirty="0"/>
+          </a:p>
+        </p:txBody>
+      </p:sp>
+      <p:sp>
+        <p:nvSpPr>
+          <p:cNvPr id="16" name="Line Callout 1 15"/>
+          <p:cNvSpPr/>
+          <p:nvPr/>
+        </p:nvSpPr>
+        <p:spPr>
+          <a:xfrm>
+            <a:off x="5868144" y="4620949"/>
+            <a:ext cx="2736304" cy="1879332"/>
+          </a:xfrm>
+          <a:prstGeom prst="borderCallout1">
+            <a:avLst>
+              <a:gd name="adj1" fmla="val -1310"/>
+              <a:gd name="adj2" fmla="val 49564"/>
+              <a:gd name="adj3" fmla="val -115064"/>
+              <a:gd name="adj4" fmla="val 66982"/>
+            </a:avLst>
+          </a:prstGeom>
+        </p:spPr>
+        <p:style>
+          <a:lnRef idx="2">
+            <a:schemeClr val="accent2"/>
+          </a:lnRef>
+          <a:fillRef idx="1">
+            <a:schemeClr val="lt1"/>
+          </a:fillRef>
+          <a:effectRef idx="0">
+            <a:schemeClr val="accent2"/>
+          </a:effectRef>
+          <a:fontRef idx="minor">
+            <a:schemeClr val="dk1"/>
+          </a:fontRef>
+        </p:style>
+        <p:txBody>
+          <a:bodyPr rtlCol="0" anchor="ctr"/>
+          <a:lstStyle/>
+          <a:p>
+            <a:pPr algn="ctr"/>
+            <a:r>
+              <a:rPr lang="en-US" b="1" dirty="0" smtClean="0">
+                <a:solidFill>
+                  <a:schemeClr val="tx1"/>
+                </a:solidFill>
+              </a:rPr>
+              <a:t>Post deploy </a:t>
+            </a:r>
+            <a:r>
+              <a:rPr lang="en-US" dirty="0" smtClean="0">
+                <a:solidFill>
+                  <a:schemeClr val="tx1"/>
+                </a:solidFill>
+              </a:rPr>
+              <a:t>tests is needed to </a:t>
+            </a:r>
+          </a:p>
+          <a:p>
+            <a:pPr algn="ctr"/>
+            <a:r>
+              <a:rPr lang="en-US" dirty="0" smtClean="0">
+                <a:solidFill>
+                  <a:schemeClr val="tx1"/>
+                </a:solidFill>
+              </a:rPr>
+              <a:t>making </a:t>
+            </a:r>
+            <a:r>
+              <a:rPr lang="en-US" dirty="0">
+                <a:solidFill>
+                  <a:schemeClr val="tx1"/>
+                </a:solidFill>
+              </a:rPr>
+              <a:t>sure the features released meet the requirements.</a:t>
+            </a:r>
+          </a:p>
+          <a:p>
+            <a:pPr algn="ctr"/>
+            <a:r>
+              <a:rPr lang="en-US" dirty="0"/>
+              <a:t> </a:t>
+            </a:r>
+            <a:endParaRPr lang="en-US" dirty="0"/>
+          </a:p>
+        </p:txBody>
+      </p:sp>
+    </p:spTree>
+    <p:extLst>
+      <p:ext uri="{BB962C8B-B14F-4D97-AF65-F5344CB8AC3E}">
+        <p14:creationId xmlns:p14="http://schemas.microsoft.com/office/powerpoint/2010/main" val="1116135569"/>
+      </p:ext>
+    </p:extLst>
+  </p:cSld>
+  <p:clrMapOvr>
+    <a:masterClrMapping/>
+  </p:clrMapOvr>
+  <p:timing>
+    <p:tnLst>
+      <p:par>
+        <p:cTn id="1" dur="indefinite" restart="never" nodeType="tmRoot"/>
+      </p:par>
+    </p:tnLst>
+  </p:timing>
+</p:sld>
+</file>
+
+<file path=ppt/slides/slide9.xml><?xml version="1.0" encoding="utf-8"?>
+<p:sld xmlns:a="http://schemas.openxmlformats.org/drawingml/2006/main" xmlns:r="http://schemas.openxmlformats.org/officeDocument/2006/relationships" xmlns:p="http://schemas.openxmlformats.org/presentationml/2006/main">
+  <p:cSld>
+    <p:spTree>
+      <p:nvGrpSpPr>
+        <p:cNvPr id="1" name=""/>
+        <p:cNvGrpSpPr/>
+        <p:nvPr/>
+      </p:nvGrpSpPr>
+      <p:grpSpPr>
+        <a:xfrm>
+          <a:off x="0" y="0"/>
+          <a:ext cx="0" cy="0"/>
+          <a:chOff x="0" y="0"/>
+          <a:chExt cx="0" cy="0"/>
+        </a:xfrm>
+      </p:grpSpPr>
+      <p:sp>
+        <p:nvSpPr>
+          <p:cNvPr id="2" name="Title 1"/>
+          <p:cNvSpPr>
+            <a:spLocks noGrp="1"/>
+          </p:cNvSpPr>
+          <p:nvPr>
+            <p:ph type="title"/>
+          </p:nvPr>
+        </p:nvSpPr>
+        <p:spPr>
+          <a:xfrm>
+            <a:off x="457200" y="152718"/>
+            <a:ext cx="5791200" cy="1044034"/>
+          </a:xfrm>
+        </p:spPr>
+        <p:txBody>
+          <a:bodyPr>
+            <a:scene3d>
+              <a:camera prst="orthographicFront">
+                <a:rot lat="0" lon="0" rev="0"/>
+              </a:camera>
+              <a:lightRig rig="contrasting" dir="t">
+                <a:rot lat="0" lon="0" rev="4500000"/>
+              </a:lightRig>
+            </a:scene3d>
+            <a:sp3d contourW="6350" prstMaterial="metal">
+              <a:bevelT w="127000" h="31750" prst="relaxedInset"/>
+              <a:contourClr>
+                <a:schemeClr val="accent1">
+                  <a:shade val="75000"/>
+                </a:schemeClr>
+              </a:contourClr>
+            </a:sp3d>
+          </a:bodyPr>
+          <a:lstStyle/>
+          <a:p>
+            <a:r>
+              <a:rPr lang="en-US" b="1" spc="0" dirty="0" smtClean="0">
+                <a:ln w="0"/>
+                <a:gradFill flip="none">
+                  <a:gsLst>
+                    <a:gs pos="0">
+                      <a:schemeClr val="accent1">
+                        <a:tint val="75000"/>
+                        <a:shade val="75000"/>
+                        <a:satMod val="170000"/>
+                      </a:schemeClr>
+                    </a:gs>
+                    <a:gs pos="49000">
+                      <a:schemeClr val="accent1">
+                        <a:tint val="88000"/>
+                        <a:shade val="65000"/>
+                        <a:satMod val="172000"/>
+                      </a:schemeClr>
+                    </a:gs>
+                    <a:gs pos="50000">
+                      <a:schemeClr val="accent1">
+                        <a:shade val="65000"/>
+                        <a:satMod val="130000"/>
+                      </a:schemeClr>
+                    </a:gs>
+                    <a:gs pos="92000">
+                      <a:schemeClr val="accent1">
+                        <a:shade val="50000"/>
+                        <a:satMod val="120000"/>
+                      </a:schemeClr>
+                    </a:gs>
+                    <a:gs pos="100000">
+                      <a:schemeClr val="accent1">
+                        <a:shade val="48000"/>
+                        <a:satMod val="120000"/>
+                      </a:schemeClr>
+                    </a:gs>
+                  </a:gsLst>
+                  <a:lin ang="5400000"/>
+                </a:gradFill>
+                <a:effectLst>
+                  <a:reflection blurRad="12700" stA="50000" endPos="50000" dist="5000" dir="5400000" sy="-100000" rotWithShape="0"/>
+                </a:effectLst>
+              </a:rPr>
+              <a:t>Scheme of work</a:t>
+            </a:r>
+            <a:endParaRPr lang="en-US" b="1" spc="0" dirty="0">
+              <a:ln w="0"/>
+              <a:gradFill flip="none">
+                <a:gsLst>
+                  <a:gs pos="0">
+                    <a:schemeClr val="accent1">
+                      <a:tint val="75000"/>
+                      <a:shade val="75000"/>
+                      <a:satMod val="170000"/>
+                    </a:schemeClr>
+                  </a:gs>
+                  <a:gs pos="49000">
+                    <a:schemeClr val="accent1">
+                      <a:tint val="88000"/>
+                      <a:shade val="65000"/>
+                      <a:satMod val="172000"/>
+                    </a:schemeClr>
+                  </a:gs>
+                  <a:gs pos="50000">
+                    <a:schemeClr val="accent1">
+                      <a:shade val="65000"/>
+                      <a:satMod val="130000"/>
+                    </a:schemeClr>
+                  </a:gs>
+                  <a:gs pos="92000">
+                    <a:schemeClr val="accent1">
+                      <a:shade val="50000"/>
+                      <a:satMod val="120000"/>
+                    </a:schemeClr>
+                  </a:gs>
+                  <a:gs pos="100000">
+                    <a:schemeClr val="accent1">
+                      <a:shade val="48000"/>
+                      <a:satMod val="120000"/>
+                    </a:schemeClr>
+                  </a:gs>
+                </a:gsLst>
+                <a:lin ang="5400000"/>
+              </a:gradFill>
+              <a:effectLst>
+                <a:reflection blurRad="12700" stA="50000" endPos="50000" dist="5000" dir="5400000" sy="-100000" rotWithShape="0"/>
+              </a:effectLst>
+            </a:endParaRPr>
+          </a:p>
+        </p:txBody>
+      </p:sp>
+      <p:pic>
+        <p:nvPicPr>
+          <p:cNvPr id="2050" name="Picture 2" descr="Image result for Continuous integration"/>
+          <p:cNvPicPr>
+            <a:picLocks noChangeAspect="1" noChangeArrowheads="1"/>
+          </p:cNvPicPr>
+          <p:nvPr/>
+        </p:nvPicPr>
+        <p:blipFill>
+          <a:blip r:embed="rId2">
+            <a:extLst>
+              <a:ext uri="{28A0092B-C50C-407E-A947-70E740481C1C}">
+                <a14:useLocalDpi xmlns:a14="http://schemas.microsoft.com/office/drawing/2010/main" val="0"/>
+              </a:ext>
+            </a:extLst>
+          </a:blip>
+          <a:srcRect/>
+          <a:stretch>
+            <a:fillRect/>
+          </a:stretch>
+        </p:blipFill>
+        <p:spPr bwMode="auto">
+          <a:xfrm>
+            <a:off x="467544" y="1882552"/>
+            <a:ext cx="8105775" cy="4610100"/>
+          </a:xfrm>
+          <a:prstGeom prst="rect">
+            <a:avLst/>
+          </a:prstGeom>
+          <a:noFill/>
+          <a:extLst>
+            <a:ext uri="{909E8E84-426E-40DD-AFC4-6F175D3DCCD1}">
+              <a14:hiddenFill xmlns:a14="http://schemas.microsoft.com/office/drawing/2010/main">
+                <a:solidFill>
+                  <a:srgbClr val="FFFFFF"/>
+                </a:solidFill>
+              </a14:hiddenFill>
+            </a:ext>
+          </a:extLst>
+        </p:spPr>
+      </p:pic>
+    </p:spTree>
+    <p:extLst>
+      <p:ext uri="{BB962C8B-B14F-4D97-AF65-F5344CB8AC3E}">
+        <p14:creationId xmlns:p14="http://schemas.microsoft.com/office/powerpoint/2010/main" val="1500014617"/>
+      </p:ext>
+    </p:extLst>
+  </p:cSld>
+  <p:clrMapOvr>
+    <a:masterClrMapping/>
+  </p:clrMapOvr>
+  <p:timing>
+    <p:tnLst>
+      <p:par>
+        <p:cTn id="1" dur="indefinite" restart="never" nodeType="tmRoot"/>
+      </p:par>
+    </p:tnLst>
   </p:timing>
 </p:sld>
 </file>
